--- a/Rdata/OSF_analysis/01Sept2020.pptx
+++ b/Rdata/OSF_analysis/01Sept2020.pptx
@@ -14,8 +14,9 @@
     <p:sldId id="259" r:id="rId8"/>
     <p:sldId id="264" r:id="rId9"/>
     <p:sldId id="266" r:id="rId10"/>
-    <p:sldId id="267" r:id="rId11"/>
-    <p:sldId id="265" r:id="rId12"/>
+    <p:sldId id="268" r:id="rId11"/>
+    <p:sldId id="267" r:id="rId12"/>
+    <p:sldId id="265" r:id="rId13"/>
   </p:sldIdLst>
   <p:sldSz cx="12192000" cy="6858000"/>
   <p:notesSz cx="6858000" cy="9144000"/>
@@ -114,6 +115,11 @@
       </a:defRPr>
     </a:lvl9pPr>
   </p:defaultTextStyle>
+  <p:extLst>
+    <p:ext uri="{EFAFB233-063F-42B5-8137-9DF3F51BA10A}">
+      <p15:sldGuideLst xmlns:p15="http://schemas.microsoft.com/office/powerpoint/2012/main"/>
+    </p:ext>
+  </p:extLst>
 </p:presentation>
 </file>
 
@@ -3419,6 +3425,142 @@
           <a:chExt cx="0" cy="0"/>
         </a:xfrm>
       </p:grpSpPr>
+      <p:sp>
+        <p:nvSpPr>
+          <p:cNvPr id="7" name="TextBox 6">
+            <a:extLst>
+              <a:ext uri="{FF2B5EF4-FFF2-40B4-BE49-F238E27FC236}">
+                <a16:creationId xmlns:a16="http://schemas.microsoft.com/office/drawing/2014/main" id="{44CFDF76-9AFE-4E5A-AC6F-D166BABC3F69}"/>
+              </a:ext>
+            </a:extLst>
+          </p:cNvPr>
+          <p:cNvSpPr txBox="1"/>
+          <p:nvPr/>
+        </p:nvSpPr>
+        <p:spPr>
+          <a:xfrm>
+            <a:off x="9327502" y="0"/>
+            <a:ext cx="2864498" cy="1200329"/>
+          </a:xfrm>
+          <a:prstGeom prst="rect">
+            <a:avLst/>
+          </a:prstGeom>
+          <a:noFill/>
+        </p:spPr>
+        <p:txBody>
+          <a:bodyPr wrap="square" rtlCol="0">
+            <a:spAutoFit/>
+          </a:bodyPr>
+          <a:lstStyle/>
+          <a:p>
+            <a:pPr algn="ctr"/>
+            <a:r>
+              <a:rPr lang="en-US" sz="2400" u="sng" dirty="0"/>
+              <a:t> % Relative Abundance of DESeq2 Taxa</a:t>
+            </a:r>
+          </a:p>
+        </p:txBody>
+      </p:sp>
+      <p:pic>
+        <p:nvPicPr>
+          <p:cNvPr id="3" name="Picture 2" descr="A picture containing implement, stationary, pencil, colorful&#10;&#10;Description automatically generated">
+            <a:extLst>
+              <a:ext uri="{FF2B5EF4-FFF2-40B4-BE49-F238E27FC236}">
+                <a16:creationId xmlns:a16="http://schemas.microsoft.com/office/drawing/2014/main" id="{BE88D31A-D325-4A8D-91A1-2F9CE98A9EB5}"/>
+              </a:ext>
+            </a:extLst>
+          </p:cNvPr>
+          <p:cNvPicPr>
+            <a:picLocks noChangeAspect="1"/>
+          </p:cNvPicPr>
+          <p:nvPr/>
+        </p:nvPicPr>
+        <p:blipFill rotWithShape="1">
+          <a:blip r:embed="rId2">
+            <a:extLst>
+              <a:ext uri="{28A0092B-C50C-407E-A947-70E740481C1C}">
+                <a14:useLocalDpi xmlns:a14="http://schemas.microsoft.com/office/drawing/2010/main" val="0"/>
+              </a:ext>
+            </a:extLst>
+          </a:blip>
+          <a:srcRect r="27173" b="3946"/>
+          <a:stretch/>
+        </p:blipFill>
+        <p:spPr>
+          <a:xfrm>
+            <a:off x="-17653" y="480526"/>
+            <a:ext cx="9345155" cy="6162869"/>
+          </a:xfrm>
+          <a:prstGeom prst="rect">
+            <a:avLst/>
+          </a:prstGeom>
+        </p:spPr>
+      </p:pic>
+      <p:pic>
+        <p:nvPicPr>
+          <p:cNvPr id="5" name="Picture 4" descr="A picture containing implement, stationary, pencil, colorful&#10;&#10;Description automatically generated">
+            <a:extLst>
+              <a:ext uri="{FF2B5EF4-FFF2-40B4-BE49-F238E27FC236}">
+                <a16:creationId xmlns:a16="http://schemas.microsoft.com/office/drawing/2014/main" id="{A0BBC364-A50D-4C93-B6D5-B730345346AC}"/>
+              </a:ext>
+            </a:extLst>
+          </p:cNvPr>
+          <p:cNvPicPr>
+            <a:picLocks noChangeAspect="1"/>
+          </p:cNvPicPr>
+          <p:nvPr/>
+        </p:nvPicPr>
+        <p:blipFill rotWithShape="1">
+          <a:blip r:embed="rId2">
+            <a:extLst>
+              <a:ext uri="{28A0092B-C50C-407E-A947-70E740481C1C}">
+                <a14:useLocalDpi xmlns:a14="http://schemas.microsoft.com/office/drawing/2010/main" val="0"/>
+              </a:ext>
+            </a:extLst>
+          </a:blip>
+          <a:srcRect l="73807" t="4537" r="1135" b="21025"/>
+          <a:stretch/>
+        </p:blipFill>
+        <p:spPr>
+          <a:xfrm>
+            <a:off x="9327502" y="1680705"/>
+            <a:ext cx="2864498" cy="4254759"/>
+          </a:xfrm>
+          <a:prstGeom prst="rect">
+            <a:avLst/>
+          </a:prstGeom>
+        </p:spPr>
+      </p:pic>
+    </p:spTree>
+    <p:extLst>
+      <p:ext uri="{BB962C8B-B14F-4D97-AF65-F5344CB8AC3E}">
+        <p14:creationId xmlns:p14="http://schemas.microsoft.com/office/powerpoint/2010/main" val="3872918819"/>
+      </p:ext>
+    </p:extLst>
+  </p:cSld>
+  <p:clrMapOvr>
+    <a:masterClrMapping/>
+  </p:clrMapOvr>
+</p:sld>
+</file>
+
+<file path=ppt/slides/slide11.xml><?xml version="1.0" encoding="utf-8"?>
+<p:sld xmlns:a="http://schemas.openxmlformats.org/drawingml/2006/main" xmlns:r="http://schemas.openxmlformats.org/officeDocument/2006/relationships" xmlns:p="http://schemas.openxmlformats.org/presentationml/2006/main">
+  <p:cSld>
+    <p:spTree>
+      <p:nvGrpSpPr>
+        <p:cNvPr id="1" name=""/>
+        <p:cNvGrpSpPr/>
+        <p:nvPr/>
+      </p:nvGrpSpPr>
+      <p:grpSpPr>
+        <a:xfrm>
+          <a:off x="0" y="0"/>
+          <a:ext cx="0" cy="0"/>
+          <a:chOff x="0" y="0"/>
+          <a:chExt cx="0" cy="0"/>
+        </a:xfrm>
+      </p:grpSpPr>
       <p:pic>
         <p:nvPicPr>
           <p:cNvPr id="3" name="Picture 2" descr="A screenshot of a cell phone&#10;&#10;Description automatically generated">
@@ -3551,7 +3693,7 @@
 </p:sld>
 </file>
 
-<file path=ppt/slides/slide11.xml><?xml version="1.0" encoding="utf-8"?>
+<file path=ppt/slides/slide12.xml><?xml version="1.0" encoding="utf-8"?>
 <p:sld xmlns:a="http://schemas.openxmlformats.org/drawingml/2006/main" xmlns:r="http://schemas.openxmlformats.org/officeDocument/2006/relationships" xmlns:p="http://schemas.openxmlformats.org/presentationml/2006/main">
   <p:cSld>
     <p:spTree>

--- a/Rdata/OSF_analysis/01Sept2020.pptx
+++ b/Rdata/OSF_analysis/01Sept2020.pptx
@@ -6,17 +6,20 @@
   </p:sldMasterIdLst>
   <p:sldIdLst>
     <p:sldId id="256" r:id="rId2"/>
-    <p:sldId id="262" r:id="rId3"/>
-    <p:sldId id="263" r:id="rId4"/>
-    <p:sldId id="261" r:id="rId5"/>
-    <p:sldId id="257" r:id="rId6"/>
-    <p:sldId id="260" r:id="rId7"/>
-    <p:sldId id="259" r:id="rId8"/>
-    <p:sldId id="264" r:id="rId9"/>
-    <p:sldId id="266" r:id="rId10"/>
-    <p:sldId id="268" r:id="rId11"/>
-    <p:sldId id="267" r:id="rId12"/>
-    <p:sldId id="265" r:id="rId13"/>
+    <p:sldId id="270" r:id="rId3"/>
+    <p:sldId id="271" r:id="rId4"/>
+    <p:sldId id="269" r:id="rId5"/>
+    <p:sldId id="262" r:id="rId6"/>
+    <p:sldId id="263" r:id="rId7"/>
+    <p:sldId id="261" r:id="rId8"/>
+    <p:sldId id="257" r:id="rId9"/>
+    <p:sldId id="260" r:id="rId10"/>
+    <p:sldId id="259" r:id="rId11"/>
+    <p:sldId id="264" r:id="rId12"/>
+    <p:sldId id="266" r:id="rId13"/>
+    <p:sldId id="268" r:id="rId14"/>
+    <p:sldId id="267" r:id="rId15"/>
+    <p:sldId id="265" r:id="rId16"/>
   </p:sldIdLst>
   <p:sldSz cx="12192000" cy="6858000"/>
   <p:notesSz cx="6858000" cy="9144000"/>
@@ -270,7 +273,7 @@
           <a:p>
             <a:fld id="{94FEABEE-0EAC-4FAC-9093-7DDB11BDE35B}" type="datetimeFigureOut">
               <a:rPr lang="en-US" smtClean="0"/>
-              <a:t>9/1/2020</a:t>
+              <a:t>9/2/2020</a:t>
             </a:fld>
             <a:endParaRPr lang="en-US"/>
           </a:p>
@@ -468,7 +471,7 @@
           <a:p>
             <a:fld id="{94FEABEE-0EAC-4FAC-9093-7DDB11BDE35B}" type="datetimeFigureOut">
               <a:rPr lang="en-US" smtClean="0"/>
-              <a:t>9/1/2020</a:t>
+              <a:t>9/2/2020</a:t>
             </a:fld>
             <a:endParaRPr lang="en-US"/>
           </a:p>
@@ -676,7 +679,7 @@
           <a:p>
             <a:fld id="{94FEABEE-0EAC-4FAC-9093-7DDB11BDE35B}" type="datetimeFigureOut">
               <a:rPr lang="en-US" smtClean="0"/>
-              <a:t>9/1/2020</a:t>
+              <a:t>9/2/2020</a:t>
             </a:fld>
             <a:endParaRPr lang="en-US"/>
           </a:p>
@@ -874,7 +877,7 @@
           <a:p>
             <a:fld id="{94FEABEE-0EAC-4FAC-9093-7DDB11BDE35B}" type="datetimeFigureOut">
               <a:rPr lang="en-US" smtClean="0"/>
-              <a:t>9/1/2020</a:t>
+              <a:t>9/2/2020</a:t>
             </a:fld>
             <a:endParaRPr lang="en-US"/>
           </a:p>
@@ -1149,7 +1152,7 @@
           <a:p>
             <a:fld id="{94FEABEE-0EAC-4FAC-9093-7DDB11BDE35B}" type="datetimeFigureOut">
               <a:rPr lang="en-US" smtClean="0"/>
-              <a:t>9/1/2020</a:t>
+              <a:t>9/2/2020</a:t>
             </a:fld>
             <a:endParaRPr lang="en-US"/>
           </a:p>
@@ -1414,7 +1417,7 @@
           <a:p>
             <a:fld id="{94FEABEE-0EAC-4FAC-9093-7DDB11BDE35B}" type="datetimeFigureOut">
               <a:rPr lang="en-US" smtClean="0"/>
-              <a:t>9/1/2020</a:t>
+              <a:t>9/2/2020</a:t>
             </a:fld>
             <a:endParaRPr lang="en-US"/>
           </a:p>
@@ -1826,7 +1829,7 @@
           <a:p>
             <a:fld id="{94FEABEE-0EAC-4FAC-9093-7DDB11BDE35B}" type="datetimeFigureOut">
               <a:rPr lang="en-US" smtClean="0"/>
-              <a:t>9/1/2020</a:t>
+              <a:t>9/2/2020</a:t>
             </a:fld>
             <a:endParaRPr lang="en-US"/>
           </a:p>
@@ -1967,7 +1970,7 @@
           <a:p>
             <a:fld id="{94FEABEE-0EAC-4FAC-9093-7DDB11BDE35B}" type="datetimeFigureOut">
               <a:rPr lang="en-US" smtClean="0"/>
-              <a:t>9/1/2020</a:t>
+              <a:t>9/2/2020</a:t>
             </a:fld>
             <a:endParaRPr lang="en-US"/>
           </a:p>
@@ -2080,7 +2083,7 @@
           <a:p>
             <a:fld id="{94FEABEE-0EAC-4FAC-9093-7DDB11BDE35B}" type="datetimeFigureOut">
               <a:rPr lang="en-US" smtClean="0"/>
-              <a:t>9/1/2020</a:t>
+              <a:t>9/2/2020</a:t>
             </a:fld>
             <a:endParaRPr lang="en-US"/>
           </a:p>
@@ -2391,7 +2394,7 @@
           <a:p>
             <a:fld id="{94FEABEE-0EAC-4FAC-9093-7DDB11BDE35B}" type="datetimeFigureOut">
               <a:rPr lang="en-US" smtClean="0"/>
-              <a:t>9/1/2020</a:t>
+              <a:t>9/2/2020</a:t>
             </a:fld>
             <a:endParaRPr lang="en-US"/>
           </a:p>
@@ -2679,7 +2682,7 @@
           <a:p>
             <a:fld id="{94FEABEE-0EAC-4FAC-9093-7DDB11BDE35B}" type="datetimeFigureOut">
               <a:rPr lang="en-US" smtClean="0"/>
-              <a:t>9/1/2020</a:t>
+              <a:t>9/2/2020</a:t>
             </a:fld>
             <a:endParaRPr lang="en-US"/>
           </a:p>
@@ -2920,7 +2923,7 @@
           <a:p>
             <a:fld id="{94FEABEE-0EAC-4FAC-9093-7DDB11BDE35B}" type="datetimeFigureOut">
               <a:rPr lang="en-US" smtClean="0"/>
-              <a:t>9/1/2020</a:t>
+              <a:t>9/2/2020</a:t>
             </a:fld>
             <a:endParaRPr lang="en-US"/>
           </a:p>
@@ -3362,7 +3365,7 @@
           <a:p>
             <a:r>
               <a:rPr lang="en-US" dirty="0"/>
-              <a:t>COVIRT-19 microbial subgroup analysis of BALF samples</a:t>
+              <a:t>COVIRT-19 microbial subgroup analysis of BALF samples update</a:t>
             </a:r>
           </a:p>
         </p:txBody>
@@ -3390,7 +3393,7 @@
           <a:p>
             <a:r>
               <a:rPr lang="en-US" dirty="0"/>
-              <a:t>1 Sept 2020</a:t>
+              <a:t>2 Sept 2020</a:t>
             </a:r>
           </a:p>
         </p:txBody>
@@ -3427,6 +3430,2815 @@
       </p:grpSpPr>
       <p:sp>
         <p:nvSpPr>
+          <p:cNvPr id="2" name="Rectangle 1">
+            <a:extLst>
+              <a:ext uri="{FF2B5EF4-FFF2-40B4-BE49-F238E27FC236}">
+                <a16:creationId xmlns:a16="http://schemas.microsoft.com/office/drawing/2014/main" id="{A0E62A34-461C-4AA4-B317-99B513338B42}"/>
+              </a:ext>
+            </a:extLst>
+          </p:cNvPr>
+          <p:cNvSpPr>
+            <a:spLocks noChangeArrowheads="1"/>
+          </p:cNvSpPr>
+          <p:nvPr/>
+        </p:nvSpPr>
+        <p:spPr bwMode="auto">
+          <a:xfrm>
+            <a:off x="0" y="813019"/>
+            <a:ext cx="7976212" cy="1800493"/>
+          </a:xfrm>
+          <a:prstGeom prst="rect">
+            <a:avLst/>
+          </a:prstGeom>
+          <a:solidFill>
+            <a:srgbClr val="202020"/>
+          </a:solidFill>
+          <a:ln>
+            <a:noFill/>
+          </a:ln>
+          <a:effectLst/>
+          <a:extLst>
+            <a:ext uri="{91240B29-F687-4F45-9708-019B960494DF}">
+              <a14:hiddenLine xmlns:a14="http://schemas.microsoft.com/office/drawing/2010/main" w="9525">
+                <a:solidFill>
+                  <a:schemeClr val="tx1"/>
+                </a:solidFill>
+                <a:miter lim="800000"/>
+                <a:headEnd/>
+                <a:tailEnd/>
+              </a14:hiddenLine>
+            </a:ext>
+            <a:ext uri="{AF507438-7753-43E0-B8FC-AC1667EBCBE1}">
+              <a14:hiddenEffects xmlns:a14="http://schemas.microsoft.com/office/drawing/2010/main">
+                <a:effectLst>
+                  <a:outerShdw dist="35921" dir="2700000" algn="ctr" rotWithShape="0">
+                    <a:schemeClr val="bg2"/>
+                  </a:outerShdw>
+                </a:effectLst>
+              </a14:hiddenEffects>
+            </a:ext>
+          </a:extLst>
+        </p:spPr>
+        <p:txBody>
+          <a:bodyPr vert="horz" wrap="square" lIns="0" tIns="0" rIns="0" bIns="0" numCol="1" anchor="ctr" anchorCtr="0" compatLnSpc="1">
+            <a:prstTxWarp prst="textNoShape">
+              <a:avLst/>
+            </a:prstTxWarp>
+            <a:spAutoFit/>
+          </a:bodyPr>
+          <a:lstStyle/>
+          <a:p>
+            <a:pPr marL="285750" marR="0" lvl="0" indent="-285750" algn="l" defTabSz="914400" rtl="0" eaLnBrk="0" fontAlgn="base" latinLnBrk="0" hangingPunct="0">
+              <a:lnSpc>
+                <a:spcPct val="100000"/>
+              </a:lnSpc>
+              <a:spcBef>
+                <a:spcPct val="0"/>
+              </a:spcBef>
+              <a:spcAft>
+                <a:spcPct val="0"/>
+              </a:spcAft>
+              <a:buClrTx/>
+              <a:buSzTx/>
+              <a:buFont typeface="Wingdings" panose="05000000000000000000" pitchFamily="2" charset="2"/>
+              <a:buChar char="Ø"/>
+              <a:tabLst/>
+            </a:pPr>
+            <a:r>
+              <a:rPr kumimoji="0" lang="en-US" altLang="en-US" sz="1300" b="0" i="0" u="none" strike="noStrike" cap="none" normalizeH="0" baseline="0" dirty="0" err="1">
+                <a:ln>
+                  <a:noFill/>
+                </a:ln>
+                <a:solidFill>
+                  <a:srgbClr val="CDA869"/>
+                </a:solidFill>
+                <a:effectLst/>
+                <a:latin typeface="Lucida Console" panose="020B0609040504020204" pitchFamily="49" charset="0"/>
+              </a:rPr>
+              <a:t>within_group_difs_anova</a:t>
+            </a:r>
+            <a:r>
+              <a:rPr kumimoji="0" lang="en-US" altLang="en-US" sz="1300" b="0" i="0" u="none" strike="noStrike" cap="none" normalizeH="0" baseline="0" dirty="0">
+                <a:ln>
+                  <a:noFill/>
+                </a:ln>
+                <a:solidFill>
+                  <a:srgbClr val="CDA869"/>
+                </a:solidFill>
+                <a:effectLst/>
+                <a:latin typeface="Lucida Console" panose="020B0609040504020204" pitchFamily="49" charset="0"/>
+              </a:rPr>
+              <a:t>&lt;-</a:t>
+            </a:r>
+            <a:r>
+              <a:rPr kumimoji="0" lang="en-US" altLang="en-US" sz="1300" b="0" i="0" u="none" strike="noStrike" cap="none" normalizeH="0" baseline="0" dirty="0" err="1">
+                <a:ln>
+                  <a:noFill/>
+                </a:ln>
+                <a:solidFill>
+                  <a:srgbClr val="CDA869"/>
+                </a:solidFill>
+                <a:effectLst/>
+                <a:latin typeface="Lucida Console" panose="020B0609040504020204" pitchFamily="49" charset="0"/>
+              </a:rPr>
+              <a:t>anova</a:t>
+            </a:r>
+            <a:r>
+              <a:rPr kumimoji="0" lang="en-US" altLang="en-US" sz="1300" b="0" i="0" u="none" strike="noStrike" cap="none" normalizeH="0" baseline="0" dirty="0">
+                <a:ln>
+                  <a:noFill/>
+                </a:ln>
+                <a:solidFill>
+                  <a:srgbClr val="CDA869"/>
+                </a:solidFill>
+                <a:effectLst/>
+                <a:latin typeface="Lucida Console" panose="020B0609040504020204" pitchFamily="49" charset="0"/>
+              </a:rPr>
+              <a:t>(</a:t>
+            </a:r>
+            <a:r>
+              <a:rPr kumimoji="0" lang="en-US" altLang="en-US" sz="1300" b="0" i="0" u="none" strike="noStrike" cap="none" normalizeH="0" baseline="0" dirty="0" err="1">
+                <a:ln>
+                  <a:noFill/>
+                </a:ln>
+                <a:solidFill>
+                  <a:srgbClr val="CDA869"/>
+                </a:solidFill>
+                <a:effectLst/>
+                <a:latin typeface="Lucida Console" panose="020B0609040504020204" pitchFamily="49" charset="0"/>
+              </a:rPr>
+              <a:t>betadisper</a:t>
+            </a:r>
+            <a:r>
+              <a:rPr kumimoji="0" lang="en-US" altLang="en-US" sz="1300" b="0" i="0" u="none" strike="noStrike" cap="none" normalizeH="0" baseline="0" dirty="0">
+                <a:ln>
+                  <a:noFill/>
+                </a:ln>
+                <a:solidFill>
+                  <a:srgbClr val="CDA869"/>
+                </a:solidFill>
+                <a:effectLst/>
+                <a:latin typeface="Lucida Console" panose="020B0609040504020204" pitchFamily="49" charset="0"/>
+              </a:rPr>
+              <a:t>(</a:t>
+            </a:r>
+            <a:r>
+              <a:rPr kumimoji="0" lang="en-US" altLang="en-US" sz="1300" b="0" i="0" u="none" strike="noStrike" cap="none" normalizeH="0" baseline="0" dirty="0" err="1">
+                <a:ln>
+                  <a:noFill/>
+                </a:ln>
+                <a:solidFill>
+                  <a:srgbClr val="CDA869"/>
+                </a:solidFill>
+                <a:effectLst/>
+                <a:latin typeface="Lucida Console" panose="020B0609040504020204" pitchFamily="49" charset="0"/>
+              </a:rPr>
+              <a:t>euc_dist</a:t>
+            </a:r>
+            <a:r>
+              <a:rPr kumimoji="0" lang="en-US" altLang="en-US" sz="1300" b="0" i="0" u="none" strike="noStrike" cap="none" normalizeH="0" baseline="0" dirty="0">
+                <a:ln>
+                  <a:noFill/>
+                </a:ln>
+                <a:solidFill>
+                  <a:srgbClr val="CDA869"/>
+                </a:solidFill>
+                <a:effectLst/>
+                <a:latin typeface="Lucida Console" panose="020B0609040504020204" pitchFamily="49" charset="0"/>
+              </a:rPr>
+              <a:t>, meta(</a:t>
+            </a:r>
+            <a:r>
+              <a:rPr kumimoji="0" lang="en-US" altLang="en-US" sz="1300" b="0" i="0" u="none" strike="noStrike" cap="none" normalizeH="0" baseline="0" dirty="0" err="1">
+                <a:ln>
+                  <a:noFill/>
+                </a:ln>
+                <a:solidFill>
+                  <a:srgbClr val="CDA869"/>
+                </a:solidFill>
+                <a:effectLst/>
+                <a:latin typeface="Lucida Console" panose="020B0609040504020204" pitchFamily="49" charset="0"/>
+              </a:rPr>
+              <a:t>vst_physeq</a:t>
+            </a:r>
+            <a:r>
+              <a:rPr kumimoji="0" lang="en-US" altLang="en-US" sz="1300" b="0" i="0" u="none" strike="noStrike" cap="none" normalizeH="0" baseline="0" dirty="0">
+                <a:ln>
+                  <a:noFill/>
+                </a:ln>
+                <a:solidFill>
+                  <a:srgbClr val="CDA869"/>
+                </a:solidFill>
+                <a:effectLst/>
+                <a:latin typeface="Lucida Console" panose="020B0609040504020204" pitchFamily="49" charset="0"/>
+              </a:rPr>
+              <a:t>)$case)) # 0.002 &gt; </a:t>
+            </a:r>
+            <a:r>
+              <a:rPr kumimoji="0" lang="en-US" altLang="en-US" sz="1300" b="0" i="0" u="none" strike="noStrike" cap="none" normalizeH="0" baseline="0" dirty="0" err="1">
+                <a:ln>
+                  <a:noFill/>
+                </a:ln>
+                <a:solidFill>
+                  <a:srgbClr val="CDA869"/>
+                </a:solidFill>
+                <a:effectLst/>
+                <a:latin typeface="Lucida Console" panose="020B0609040504020204" pitchFamily="49" charset="0"/>
+              </a:rPr>
+              <a:t>within_group_difs_anova</a:t>
+            </a:r>
+            <a:r>
+              <a:rPr kumimoji="0" lang="en-US" altLang="en-US" sz="1300" b="0" i="0" u="none" strike="noStrike" cap="none" normalizeH="0" baseline="0" dirty="0">
+                <a:ln>
+                  <a:noFill/>
+                </a:ln>
+                <a:solidFill>
+                  <a:srgbClr val="CDA869"/>
+                </a:solidFill>
+                <a:effectLst/>
+                <a:latin typeface="Lucida Console" panose="020B0609040504020204" pitchFamily="49" charset="0"/>
+              </a:rPr>
+              <a:t> </a:t>
+            </a:r>
+          </a:p>
+          <a:p>
+            <a:pPr marL="285750" marR="0" lvl="0" indent="-285750" algn="l" defTabSz="914400" rtl="0" eaLnBrk="0" fontAlgn="base" latinLnBrk="0" hangingPunct="0">
+              <a:lnSpc>
+                <a:spcPct val="100000"/>
+              </a:lnSpc>
+              <a:spcBef>
+                <a:spcPct val="0"/>
+              </a:spcBef>
+              <a:spcAft>
+                <a:spcPct val="0"/>
+              </a:spcAft>
+              <a:buClrTx/>
+              <a:buSzTx/>
+              <a:buFont typeface="Wingdings" panose="05000000000000000000" pitchFamily="2" charset="2"/>
+              <a:buChar char="Ø"/>
+              <a:tabLst/>
+            </a:pPr>
+            <a:r>
+              <a:rPr kumimoji="0" lang="en-US" altLang="en-US" sz="1300" b="0" i="0" u="none" strike="noStrike" cap="none" normalizeH="0" baseline="0" dirty="0">
+                <a:ln>
+                  <a:noFill/>
+                </a:ln>
+                <a:solidFill>
+                  <a:srgbClr val="E6E1DC"/>
+                </a:solidFill>
+                <a:effectLst/>
+                <a:latin typeface="Lucida Console" panose="020B0609040504020204" pitchFamily="49" charset="0"/>
+              </a:rPr>
+              <a:t>Analysis of Variance Table </a:t>
+            </a:r>
+          </a:p>
+          <a:p>
+            <a:pPr marL="285750" marR="0" lvl="0" indent="-285750" algn="l" defTabSz="914400" rtl="0" eaLnBrk="0" fontAlgn="base" latinLnBrk="0" hangingPunct="0">
+              <a:lnSpc>
+                <a:spcPct val="100000"/>
+              </a:lnSpc>
+              <a:spcBef>
+                <a:spcPct val="0"/>
+              </a:spcBef>
+              <a:spcAft>
+                <a:spcPct val="0"/>
+              </a:spcAft>
+              <a:buClrTx/>
+              <a:buSzTx/>
+              <a:buFont typeface="Wingdings" panose="05000000000000000000" pitchFamily="2" charset="2"/>
+              <a:buChar char="Ø"/>
+              <a:tabLst/>
+            </a:pPr>
+            <a:r>
+              <a:rPr kumimoji="0" lang="en-US" altLang="en-US" sz="1300" b="0" i="0" u="none" strike="noStrike" cap="none" normalizeH="0" baseline="0" dirty="0">
+                <a:ln>
+                  <a:noFill/>
+                </a:ln>
+                <a:solidFill>
+                  <a:srgbClr val="E6E1DC"/>
+                </a:solidFill>
+                <a:effectLst/>
+                <a:latin typeface="Lucida Console" panose="020B0609040504020204" pitchFamily="49" charset="0"/>
+              </a:rPr>
+              <a:t>Response: Distances </a:t>
+            </a:r>
+          </a:p>
+          <a:p>
+            <a:pPr lvl="2" eaLnBrk="0" fontAlgn="base" hangingPunct="0">
+              <a:spcBef>
+                <a:spcPct val="0"/>
+              </a:spcBef>
+              <a:spcAft>
+                <a:spcPct val="0"/>
+              </a:spcAft>
+            </a:pPr>
+            <a:r>
+              <a:rPr kumimoji="0" lang="en-US" altLang="en-US" sz="1300" b="0" i="0" u="none" strike="noStrike" cap="none" normalizeH="0" baseline="0" dirty="0">
+                <a:ln>
+                  <a:noFill/>
+                </a:ln>
+                <a:solidFill>
+                  <a:srgbClr val="E6E1DC"/>
+                </a:solidFill>
+                <a:effectLst/>
+                <a:latin typeface="Lucida Console" panose="020B0609040504020204" pitchFamily="49" charset="0"/>
+              </a:rPr>
+              <a:t>    Df  Sum </a:t>
+            </a:r>
+            <a:r>
+              <a:rPr kumimoji="0" lang="en-US" altLang="en-US" sz="1300" b="0" i="0" u="none" strike="noStrike" cap="none" normalizeH="0" baseline="0" dirty="0" err="1">
+                <a:ln>
+                  <a:noFill/>
+                </a:ln>
+                <a:solidFill>
+                  <a:srgbClr val="E6E1DC"/>
+                </a:solidFill>
+                <a:effectLst/>
+                <a:latin typeface="Lucida Console" panose="020B0609040504020204" pitchFamily="49" charset="0"/>
+              </a:rPr>
+              <a:t>Sq</a:t>
+            </a:r>
+            <a:r>
+              <a:rPr kumimoji="0" lang="en-US" altLang="en-US" sz="1300" b="0" i="0" u="none" strike="noStrike" cap="none" normalizeH="0" baseline="0" dirty="0">
+                <a:ln>
+                  <a:noFill/>
+                </a:ln>
+                <a:solidFill>
+                  <a:srgbClr val="E6E1DC"/>
+                </a:solidFill>
+                <a:effectLst/>
+                <a:latin typeface="Lucida Console" panose="020B0609040504020204" pitchFamily="49" charset="0"/>
+              </a:rPr>
+              <a:t> Mean </a:t>
+            </a:r>
+            <a:r>
+              <a:rPr kumimoji="0" lang="en-US" altLang="en-US" sz="1300" b="0" i="0" u="none" strike="noStrike" cap="none" normalizeH="0" baseline="0" dirty="0" err="1">
+                <a:ln>
+                  <a:noFill/>
+                </a:ln>
+                <a:solidFill>
+                  <a:srgbClr val="E6E1DC"/>
+                </a:solidFill>
+                <a:effectLst/>
+                <a:latin typeface="Lucida Console" panose="020B0609040504020204" pitchFamily="49" charset="0"/>
+              </a:rPr>
+              <a:t>Sq</a:t>
+            </a:r>
+            <a:r>
+              <a:rPr kumimoji="0" lang="en-US" altLang="en-US" sz="1300" b="0" i="0" u="none" strike="noStrike" cap="none" normalizeH="0" baseline="0" dirty="0">
+                <a:ln>
+                  <a:noFill/>
+                </a:ln>
+                <a:solidFill>
+                  <a:srgbClr val="E6E1DC"/>
+                </a:solidFill>
+                <a:effectLst/>
+                <a:latin typeface="Lucida Console" panose="020B0609040504020204" pitchFamily="49" charset="0"/>
+              </a:rPr>
+              <a:t> F value </a:t>
+            </a:r>
+            <a:r>
+              <a:rPr kumimoji="0" lang="en-US" altLang="en-US" sz="1300" b="0" i="0" u="none" strike="noStrike" cap="none" normalizeH="0" baseline="0" dirty="0" err="1">
+                <a:ln>
+                  <a:noFill/>
+                </a:ln>
+                <a:solidFill>
+                  <a:srgbClr val="E6E1DC"/>
+                </a:solidFill>
+                <a:effectLst/>
+                <a:latin typeface="Lucida Console" panose="020B0609040504020204" pitchFamily="49" charset="0"/>
+              </a:rPr>
+              <a:t>Pr</a:t>
+            </a:r>
+            <a:r>
+              <a:rPr kumimoji="0" lang="en-US" altLang="en-US" sz="1300" b="0" i="0" u="none" strike="noStrike" cap="none" normalizeH="0" baseline="0" dirty="0">
+                <a:ln>
+                  <a:noFill/>
+                </a:ln>
+                <a:solidFill>
+                  <a:srgbClr val="E6E1DC"/>
+                </a:solidFill>
+                <a:effectLst/>
+                <a:latin typeface="Lucida Console" panose="020B0609040504020204" pitchFamily="49" charset="0"/>
+              </a:rPr>
+              <a:t>(&gt;F) </a:t>
+            </a:r>
+          </a:p>
+          <a:p>
+            <a:pPr marL="285750" marR="0" lvl="0" indent="-285750" algn="l" defTabSz="914400" rtl="0" eaLnBrk="0" fontAlgn="base" latinLnBrk="0" hangingPunct="0">
+              <a:lnSpc>
+                <a:spcPct val="100000"/>
+              </a:lnSpc>
+              <a:spcBef>
+                <a:spcPct val="0"/>
+              </a:spcBef>
+              <a:spcAft>
+                <a:spcPct val="0"/>
+              </a:spcAft>
+              <a:buClrTx/>
+              <a:buSzTx/>
+              <a:buFont typeface="Wingdings" panose="05000000000000000000" pitchFamily="2" charset="2"/>
+              <a:buChar char="Ø"/>
+              <a:tabLst/>
+            </a:pPr>
+            <a:r>
+              <a:rPr kumimoji="0" lang="en-US" altLang="en-US" sz="1300" b="0" i="0" u="none" strike="noStrike" cap="none" normalizeH="0" baseline="0" dirty="0">
+                <a:ln>
+                  <a:noFill/>
+                </a:ln>
+                <a:solidFill>
+                  <a:srgbClr val="E6E1DC"/>
+                </a:solidFill>
+                <a:effectLst/>
+                <a:latin typeface="Lucida Console" panose="020B0609040504020204" pitchFamily="49" charset="0"/>
+              </a:rPr>
+              <a:t>Groups     2  253724 126862  17.232 3.571e-07 *** </a:t>
+            </a:r>
+          </a:p>
+          <a:p>
+            <a:pPr marL="285750" marR="0" lvl="0" indent="-285750" algn="l" defTabSz="914400" rtl="0" eaLnBrk="0" fontAlgn="base" latinLnBrk="0" hangingPunct="0">
+              <a:lnSpc>
+                <a:spcPct val="100000"/>
+              </a:lnSpc>
+              <a:spcBef>
+                <a:spcPct val="0"/>
+              </a:spcBef>
+              <a:spcAft>
+                <a:spcPct val="0"/>
+              </a:spcAft>
+              <a:buClrTx/>
+              <a:buSzTx/>
+              <a:buFont typeface="Wingdings" panose="05000000000000000000" pitchFamily="2" charset="2"/>
+              <a:buChar char="Ø"/>
+              <a:tabLst/>
+            </a:pPr>
+            <a:r>
+              <a:rPr kumimoji="0" lang="en-US" altLang="en-US" sz="1300" b="0" i="0" u="none" strike="noStrike" cap="none" normalizeH="0" baseline="0" dirty="0">
+                <a:ln>
+                  <a:noFill/>
+                </a:ln>
+                <a:solidFill>
+                  <a:srgbClr val="E6E1DC"/>
+                </a:solidFill>
+                <a:effectLst/>
+                <a:latin typeface="Lucida Console" panose="020B0609040504020204" pitchFamily="49" charset="0"/>
+              </a:rPr>
+              <a:t>Residuals 102 750933 7362 </a:t>
+            </a:r>
+          </a:p>
+          <a:p>
+            <a:pPr marR="0" lvl="0" algn="l" defTabSz="914400" rtl="0" eaLnBrk="0" fontAlgn="base" latinLnBrk="0" hangingPunct="0">
+              <a:lnSpc>
+                <a:spcPct val="100000"/>
+              </a:lnSpc>
+              <a:spcBef>
+                <a:spcPct val="0"/>
+              </a:spcBef>
+              <a:spcAft>
+                <a:spcPct val="0"/>
+              </a:spcAft>
+              <a:buClrTx/>
+              <a:buSzTx/>
+              <a:tabLst/>
+            </a:pPr>
+            <a:r>
+              <a:rPr kumimoji="0" lang="en-US" altLang="en-US" sz="1300" b="0" i="0" u="none" strike="noStrike" cap="none" normalizeH="0" baseline="0" dirty="0">
+                <a:ln>
+                  <a:noFill/>
+                </a:ln>
+                <a:solidFill>
+                  <a:srgbClr val="E6E1DC"/>
+                </a:solidFill>
+                <a:effectLst/>
+                <a:latin typeface="Lucida Console" panose="020B0609040504020204" pitchFamily="49" charset="0"/>
+              </a:rPr>
+              <a:t>--- </a:t>
+            </a:r>
+          </a:p>
+          <a:p>
+            <a:pPr marR="0" lvl="0" algn="l" defTabSz="914400" rtl="0" eaLnBrk="0" fontAlgn="base" latinLnBrk="0" hangingPunct="0">
+              <a:lnSpc>
+                <a:spcPct val="100000"/>
+              </a:lnSpc>
+              <a:spcBef>
+                <a:spcPct val="0"/>
+              </a:spcBef>
+              <a:spcAft>
+                <a:spcPct val="0"/>
+              </a:spcAft>
+              <a:buClrTx/>
+              <a:buSzTx/>
+              <a:tabLst/>
+            </a:pPr>
+            <a:r>
+              <a:rPr kumimoji="0" lang="en-US" altLang="en-US" sz="1300" b="0" i="0" u="none" strike="noStrike" cap="none" normalizeH="0" baseline="0" dirty="0" err="1">
+                <a:ln>
+                  <a:noFill/>
+                </a:ln>
+                <a:solidFill>
+                  <a:srgbClr val="E6E1DC"/>
+                </a:solidFill>
+                <a:effectLst/>
+                <a:latin typeface="Lucida Console" panose="020B0609040504020204" pitchFamily="49" charset="0"/>
+              </a:rPr>
+              <a:t>Signif</a:t>
+            </a:r>
+            <a:r>
+              <a:rPr kumimoji="0" lang="en-US" altLang="en-US" sz="1300" b="0" i="0" u="none" strike="noStrike" cap="none" normalizeH="0" baseline="0" dirty="0">
+                <a:ln>
+                  <a:noFill/>
+                </a:ln>
+                <a:solidFill>
+                  <a:srgbClr val="E6E1DC"/>
+                </a:solidFill>
+                <a:effectLst/>
+                <a:latin typeface="Lucida Console" panose="020B0609040504020204" pitchFamily="49" charset="0"/>
+              </a:rPr>
+              <a:t>. codes: 0 ‘***’ 0.001 ‘**’ 0.01 ‘*’ 0.05 ‘.’ 0.1 ‘ ’ 1</a:t>
+            </a:r>
+            <a:endParaRPr kumimoji="0" lang="en-US" altLang="en-US" sz="1800" b="0" i="0" u="none" strike="noStrike" cap="none" normalizeH="0" baseline="0" dirty="0">
+              <a:ln>
+                <a:noFill/>
+              </a:ln>
+              <a:solidFill>
+                <a:schemeClr val="tx1"/>
+              </a:solidFill>
+              <a:effectLst/>
+              <a:latin typeface="Arial" panose="020B0604020202020204" pitchFamily="34" charset="0"/>
+            </a:endParaRPr>
+          </a:p>
+        </p:txBody>
+      </p:sp>
+      <p:sp>
+        <p:nvSpPr>
+          <p:cNvPr id="3" name="Rectangle 2">
+            <a:extLst>
+              <a:ext uri="{FF2B5EF4-FFF2-40B4-BE49-F238E27FC236}">
+                <a16:creationId xmlns:a16="http://schemas.microsoft.com/office/drawing/2014/main" id="{F1CF24F7-8693-4DDF-93D9-CE74AA925CF9}"/>
+              </a:ext>
+            </a:extLst>
+          </p:cNvPr>
+          <p:cNvSpPr>
+            <a:spLocks noChangeArrowheads="1"/>
+          </p:cNvSpPr>
+          <p:nvPr/>
+        </p:nvSpPr>
+        <p:spPr bwMode="auto">
+          <a:xfrm>
+            <a:off x="1" y="2835236"/>
+            <a:ext cx="7732885" cy="2000548"/>
+          </a:xfrm>
+          <a:prstGeom prst="rect">
+            <a:avLst/>
+          </a:prstGeom>
+          <a:solidFill>
+            <a:srgbClr val="202020"/>
+          </a:solidFill>
+          <a:ln>
+            <a:noFill/>
+          </a:ln>
+          <a:effectLst/>
+          <a:extLst>
+            <a:ext uri="{91240B29-F687-4F45-9708-019B960494DF}">
+              <a14:hiddenLine xmlns:a14="http://schemas.microsoft.com/office/drawing/2010/main" w="9525">
+                <a:solidFill>
+                  <a:schemeClr val="tx1"/>
+                </a:solidFill>
+                <a:miter lim="800000"/>
+                <a:headEnd/>
+                <a:tailEnd/>
+              </a14:hiddenLine>
+            </a:ext>
+            <a:ext uri="{AF507438-7753-43E0-B8FC-AC1667EBCBE1}">
+              <a14:hiddenEffects xmlns:a14="http://schemas.microsoft.com/office/drawing/2010/main">
+                <a:effectLst>
+                  <a:outerShdw dist="35921" dir="2700000" algn="ctr" rotWithShape="0">
+                    <a:schemeClr val="bg2"/>
+                  </a:outerShdw>
+                </a:effectLst>
+              </a14:hiddenEffects>
+            </a:ext>
+          </a:extLst>
+        </p:spPr>
+        <p:txBody>
+          <a:bodyPr vert="horz" wrap="square" lIns="0" tIns="0" rIns="0" bIns="0" numCol="1" anchor="ctr" anchorCtr="0" compatLnSpc="1">
+            <a:prstTxWarp prst="textNoShape">
+              <a:avLst/>
+            </a:prstTxWarp>
+            <a:spAutoFit/>
+          </a:bodyPr>
+          <a:lstStyle/>
+          <a:p>
+            <a:pPr marL="285750" marR="0" lvl="0" indent="-285750" algn="l" defTabSz="914400" rtl="0" eaLnBrk="0" fontAlgn="base" latinLnBrk="0" hangingPunct="0">
+              <a:lnSpc>
+                <a:spcPct val="100000"/>
+              </a:lnSpc>
+              <a:spcBef>
+                <a:spcPct val="0"/>
+              </a:spcBef>
+              <a:spcAft>
+                <a:spcPct val="0"/>
+              </a:spcAft>
+              <a:buClrTx/>
+              <a:buSzTx/>
+              <a:buFont typeface="Wingdings" panose="05000000000000000000" pitchFamily="2" charset="2"/>
+              <a:buChar char="Ø"/>
+              <a:tabLst/>
+            </a:pPr>
+            <a:r>
+              <a:rPr kumimoji="0" lang="en-US" altLang="en-US" sz="1300" b="0" i="0" u="none" strike="noStrike" cap="none" normalizeH="0" baseline="0" dirty="0" err="1">
+                <a:ln>
+                  <a:noFill/>
+                </a:ln>
+                <a:solidFill>
+                  <a:srgbClr val="CDA869"/>
+                </a:solidFill>
+                <a:effectLst/>
+                <a:latin typeface="Lucida Console" panose="020B0609040504020204" pitchFamily="49" charset="0"/>
+              </a:rPr>
+              <a:t>within_group_difs_permutest</a:t>
+            </a:r>
+            <a:r>
+              <a:rPr kumimoji="0" lang="en-US" altLang="en-US" sz="1300" b="0" i="0" u="none" strike="noStrike" cap="none" normalizeH="0" baseline="0" dirty="0">
+                <a:ln>
+                  <a:noFill/>
+                </a:ln>
+                <a:solidFill>
+                  <a:srgbClr val="CDA869"/>
+                </a:solidFill>
+                <a:effectLst/>
+                <a:latin typeface="Lucida Console" panose="020B0609040504020204" pitchFamily="49" charset="0"/>
+              </a:rPr>
+              <a:t> </a:t>
+            </a:r>
+          </a:p>
+          <a:p>
+            <a:pPr marL="285750" marR="0" lvl="0" indent="-285750" algn="l" defTabSz="914400" rtl="0" eaLnBrk="0" fontAlgn="base" latinLnBrk="0" hangingPunct="0">
+              <a:lnSpc>
+                <a:spcPct val="100000"/>
+              </a:lnSpc>
+              <a:spcBef>
+                <a:spcPct val="0"/>
+              </a:spcBef>
+              <a:spcAft>
+                <a:spcPct val="0"/>
+              </a:spcAft>
+              <a:buClrTx/>
+              <a:buSzTx/>
+              <a:buFont typeface="Wingdings" panose="05000000000000000000" pitchFamily="2" charset="2"/>
+              <a:buChar char="Ø"/>
+              <a:tabLst/>
+            </a:pPr>
+            <a:r>
+              <a:rPr kumimoji="0" lang="en-US" altLang="en-US" sz="1300" b="0" i="0" u="none" strike="noStrike" cap="none" normalizeH="0" baseline="0" dirty="0">
+                <a:ln>
+                  <a:noFill/>
+                </a:ln>
+                <a:solidFill>
+                  <a:srgbClr val="E6E1DC"/>
+                </a:solidFill>
+                <a:effectLst/>
+                <a:latin typeface="Lucida Console" panose="020B0609040504020204" pitchFamily="49" charset="0"/>
+              </a:rPr>
+              <a:t>Permutation test for homogeneity of multivariate dispersions </a:t>
+            </a:r>
+          </a:p>
+          <a:p>
+            <a:pPr marL="285750" marR="0" lvl="0" indent="-285750" algn="l" defTabSz="914400" rtl="0" eaLnBrk="0" fontAlgn="base" latinLnBrk="0" hangingPunct="0">
+              <a:lnSpc>
+                <a:spcPct val="100000"/>
+              </a:lnSpc>
+              <a:spcBef>
+                <a:spcPct val="0"/>
+              </a:spcBef>
+              <a:spcAft>
+                <a:spcPct val="0"/>
+              </a:spcAft>
+              <a:buClrTx/>
+              <a:buSzTx/>
+              <a:buFont typeface="Wingdings" panose="05000000000000000000" pitchFamily="2" charset="2"/>
+              <a:buChar char="Ø"/>
+              <a:tabLst/>
+            </a:pPr>
+            <a:r>
+              <a:rPr kumimoji="0" lang="en-US" altLang="en-US" sz="1300" b="0" i="0" u="none" strike="noStrike" cap="none" normalizeH="0" baseline="0" dirty="0">
+                <a:ln>
+                  <a:noFill/>
+                </a:ln>
+                <a:solidFill>
+                  <a:srgbClr val="E6E1DC"/>
+                </a:solidFill>
+                <a:effectLst/>
+                <a:latin typeface="Lucida Console" panose="020B0609040504020204" pitchFamily="49" charset="0"/>
+              </a:rPr>
+              <a:t>Permutation: free </a:t>
+            </a:r>
+          </a:p>
+          <a:p>
+            <a:pPr marL="285750" marR="0" lvl="0" indent="-285750" algn="l" defTabSz="914400" rtl="0" eaLnBrk="0" fontAlgn="base" latinLnBrk="0" hangingPunct="0">
+              <a:lnSpc>
+                <a:spcPct val="100000"/>
+              </a:lnSpc>
+              <a:spcBef>
+                <a:spcPct val="0"/>
+              </a:spcBef>
+              <a:spcAft>
+                <a:spcPct val="0"/>
+              </a:spcAft>
+              <a:buClrTx/>
+              <a:buSzTx/>
+              <a:buFont typeface="Wingdings" panose="05000000000000000000" pitchFamily="2" charset="2"/>
+              <a:buChar char="Ø"/>
+              <a:tabLst/>
+            </a:pPr>
+            <a:r>
+              <a:rPr kumimoji="0" lang="en-US" altLang="en-US" sz="1300" b="0" i="0" u="none" strike="noStrike" cap="none" normalizeH="0" baseline="0" dirty="0">
+                <a:ln>
+                  <a:noFill/>
+                </a:ln>
+                <a:solidFill>
+                  <a:srgbClr val="E6E1DC"/>
+                </a:solidFill>
+                <a:effectLst/>
+                <a:latin typeface="Lucida Console" panose="020B0609040504020204" pitchFamily="49" charset="0"/>
+              </a:rPr>
+              <a:t>Number of permutations: 999 </a:t>
+            </a:r>
+          </a:p>
+          <a:p>
+            <a:pPr marL="285750" marR="0" lvl="0" indent="-285750" algn="l" defTabSz="914400" rtl="0" eaLnBrk="0" fontAlgn="base" latinLnBrk="0" hangingPunct="0">
+              <a:lnSpc>
+                <a:spcPct val="100000"/>
+              </a:lnSpc>
+              <a:spcBef>
+                <a:spcPct val="0"/>
+              </a:spcBef>
+              <a:spcAft>
+                <a:spcPct val="0"/>
+              </a:spcAft>
+              <a:buClrTx/>
+              <a:buSzTx/>
+              <a:buFont typeface="Wingdings" panose="05000000000000000000" pitchFamily="2" charset="2"/>
+              <a:buChar char="Ø"/>
+              <a:tabLst/>
+            </a:pPr>
+            <a:r>
+              <a:rPr kumimoji="0" lang="en-US" altLang="en-US" sz="1300" b="0" i="0" u="none" strike="noStrike" cap="none" normalizeH="0" baseline="0" dirty="0">
+                <a:ln>
+                  <a:noFill/>
+                </a:ln>
+                <a:solidFill>
+                  <a:srgbClr val="E6E1DC"/>
+                </a:solidFill>
+                <a:effectLst/>
+                <a:latin typeface="Lucida Console" panose="020B0609040504020204" pitchFamily="49" charset="0"/>
+              </a:rPr>
+              <a:t>Response: Distances </a:t>
+            </a:r>
+          </a:p>
+          <a:p>
+            <a:pPr lvl="2" eaLnBrk="0" fontAlgn="base" hangingPunct="0">
+              <a:spcBef>
+                <a:spcPct val="0"/>
+              </a:spcBef>
+              <a:spcAft>
+                <a:spcPct val="0"/>
+              </a:spcAft>
+            </a:pPr>
+            <a:r>
+              <a:rPr kumimoji="0" lang="en-US" altLang="en-US" sz="1300" b="0" i="0" u="none" strike="noStrike" cap="none" normalizeH="0" baseline="0" dirty="0">
+                <a:ln>
+                  <a:noFill/>
+                </a:ln>
+                <a:solidFill>
+                  <a:srgbClr val="E6E1DC"/>
+                </a:solidFill>
+                <a:effectLst/>
+                <a:latin typeface="Lucida Console" panose="020B0609040504020204" pitchFamily="49" charset="0"/>
+              </a:rPr>
+              <a:t>    Df  Sum </a:t>
+            </a:r>
+            <a:r>
+              <a:rPr kumimoji="0" lang="en-US" altLang="en-US" sz="1300" b="0" i="0" u="none" strike="noStrike" cap="none" normalizeH="0" baseline="0" dirty="0" err="1">
+                <a:ln>
+                  <a:noFill/>
+                </a:ln>
+                <a:solidFill>
+                  <a:srgbClr val="E6E1DC"/>
+                </a:solidFill>
+                <a:effectLst/>
+                <a:latin typeface="Lucida Console" panose="020B0609040504020204" pitchFamily="49" charset="0"/>
+              </a:rPr>
+              <a:t>Sq</a:t>
+            </a:r>
+            <a:r>
+              <a:rPr kumimoji="0" lang="en-US" altLang="en-US" sz="1300" b="0" i="0" u="none" strike="noStrike" cap="none" normalizeH="0" baseline="0" dirty="0">
+                <a:ln>
+                  <a:noFill/>
+                </a:ln>
+                <a:solidFill>
+                  <a:srgbClr val="E6E1DC"/>
+                </a:solidFill>
+                <a:effectLst/>
+                <a:latin typeface="Lucida Console" panose="020B0609040504020204" pitchFamily="49" charset="0"/>
+              </a:rPr>
+              <a:t> Mean </a:t>
+            </a:r>
+            <a:r>
+              <a:rPr kumimoji="0" lang="en-US" altLang="en-US" sz="1300" b="0" i="0" u="none" strike="noStrike" cap="none" normalizeH="0" baseline="0" dirty="0" err="1">
+                <a:ln>
+                  <a:noFill/>
+                </a:ln>
+                <a:solidFill>
+                  <a:srgbClr val="E6E1DC"/>
+                </a:solidFill>
+                <a:effectLst/>
+                <a:latin typeface="Lucida Console" panose="020B0609040504020204" pitchFamily="49" charset="0"/>
+              </a:rPr>
+              <a:t>Sq</a:t>
+            </a:r>
+            <a:r>
+              <a:rPr kumimoji="0" lang="en-US" altLang="en-US" sz="1300" b="0" i="0" u="none" strike="noStrike" cap="none" normalizeH="0" baseline="0" dirty="0">
+                <a:ln>
+                  <a:noFill/>
+                </a:ln>
+                <a:solidFill>
+                  <a:srgbClr val="E6E1DC"/>
+                </a:solidFill>
+                <a:effectLst/>
+                <a:latin typeface="Lucida Console" panose="020B0609040504020204" pitchFamily="49" charset="0"/>
+              </a:rPr>
+              <a:t> F </a:t>
+            </a:r>
+            <a:r>
+              <a:rPr kumimoji="0" lang="en-US" altLang="en-US" sz="1300" b="0" i="0" u="none" strike="noStrike" cap="none" normalizeH="0" baseline="0" dirty="0" err="1">
+                <a:ln>
+                  <a:noFill/>
+                </a:ln>
+                <a:solidFill>
+                  <a:srgbClr val="E6E1DC"/>
+                </a:solidFill>
+                <a:effectLst/>
+                <a:latin typeface="Lucida Console" panose="020B0609040504020204" pitchFamily="49" charset="0"/>
+              </a:rPr>
+              <a:t>N.Perm</a:t>
+            </a:r>
+            <a:r>
+              <a:rPr kumimoji="0" lang="en-US" altLang="en-US" sz="1300" b="0" i="0" u="none" strike="noStrike" cap="none" normalizeH="0" baseline="0" dirty="0">
+                <a:ln>
+                  <a:noFill/>
+                </a:ln>
+                <a:solidFill>
+                  <a:srgbClr val="E6E1DC"/>
+                </a:solidFill>
+                <a:effectLst/>
+                <a:latin typeface="Lucida Console" panose="020B0609040504020204" pitchFamily="49" charset="0"/>
+              </a:rPr>
+              <a:t> </a:t>
+            </a:r>
+            <a:r>
+              <a:rPr kumimoji="0" lang="en-US" altLang="en-US" sz="1300" b="0" i="0" u="none" strike="noStrike" cap="none" normalizeH="0" baseline="0" dirty="0" err="1">
+                <a:ln>
+                  <a:noFill/>
+                </a:ln>
+                <a:solidFill>
+                  <a:srgbClr val="E6E1DC"/>
+                </a:solidFill>
+                <a:effectLst/>
+                <a:latin typeface="Lucida Console" panose="020B0609040504020204" pitchFamily="49" charset="0"/>
+              </a:rPr>
+              <a:t>Pr</a:t>
+            </a:r>
+            <a:r>
+              <a:rPr kumimoji="0" lang="en-US" altLang="en-US" sz="1300" b="0" i="0" u="none" strike="noStrike" cap="none" normalizeH="0" baseline="0" dirty="0">
+                <a:ln>
+                  <a:noFill/>
+                </a:ln>
+                <a:solidFill>
+                  <a:srgbClr val="E6E1DC"/>
+                </a:solidFill>
+                <a:effectLst/>
+                <a:latin typeface="Lucida Console" panose="020B0609040504020204" pitchFamily="49" charset="0"/>
+              </a:rPr>
+              <a:t>(&gt;F) </a:t>
+            </a:r>
+          </a:p>
+          <a:p>
+            <a:pPr marL="285750" marR="0" lvl="0" indent="-285750" algn="l" defTabSz="914400" rtl="0" eaLnBrk="0" fontAlgn="base" latinLnBrk="0" hangingPunct="0">
+              <a:lnSpc>
+                <a:spcPct val="100000"/>
+              </a:lnSpc>
+              <a:spcBef>
+                <a:spcPct val="0"/>
+              </a:spcBef>
+              <a:spcAft>
+                <a:spcPct val="0"/>
+              </a:spcAft>
+              <a:buClrTx/>
+              <a:buSzTx/>
+              <a:buFont typeface="Wingdings" panose="05000000000000000000" pitchFamily="2" charset="2"/>
+              <a:buChar char="Ø"/>
+              <a:tabLst/>
+            </a:pPr>
+            <a:r>
+              <a:rPr kumimoji="0" lang="en-US" altLang="en-US" sz="1300" b="0" i="0" u="none" strike="noStrike" cap="none" normalizeH="0" baseline="0" dirty="0">
+                <a:ln>
+                  <a:noFill/>
+                </a:ln>
+                <a:solidFill>
+                  <a:srgbClr val="E6E1DC"/>
+                </a:solidFill>
+                <a:effectLst/>
+                <a:latin typeface="Lucida Console" panose="020B0609040504020204" pitchFamily="49" charset="0"/>
+              </a:rPr>
+              <a:t>Groups     2  253724 126862 17.232 999 0.001 *** </a:t>
+            </a:r>
+          </a:p>
+          <a:p>
+            <a:pPr marL="285750" marR="0" lvl="0" indent="-285750" algn="l" defTabSz="914400" rtl="0" eaLnBrk="0" fontAlgn="base" latinLnBrk="0" hangingPunct="0">
+              <a:lnSpc>
+                <a:spcPct val="100000"/>
+              </a:lnSpc>
+              <a:spcBef>
+                <a:spcPct val="0"/>
+              </a:spcBef>
+              <a:spcAft>
+                <a:spcPct val="0"/>
+              </a:spcAft>
+              <a:buClrTx/>
+              <a:buSzTx/>
+              <a:buFont typeface="Wingdings" panose="05000000000000000000" pitchFamily="2" charset="2"/>
+              <a:buChar char="Ø"/>
+              <a:tabLst/>
+            </a:pPr>
+            <a:r>
+              <a:rPr kumimoji="0" lang="en-US" altLang="en-US" sz="1300" b="0" i="0" u="none" strike="noStrike" cap="none" normalizeH="0" baseline="0" dirty="0">
+                <a:ln>
+                  <a:noFill/>
+                </a:ln>
+                <a:solidFill>
+                  <a:srgbClr val="E6E1DC"/>
+                </a:solidFill>
+                <a:effectLst/>
+                <a:latin typeface="Lucida Console" panose="020B0609040504020204" pitchFamily="49" charset="0"/>
+              </a:rPr>
+              <a:t>Residuals 102 750933 7362 </a:t>
+            </a:r>
+          </a:p>
+          <a:p>
+            <a:pPr marL="285750" marR="0" lvl="0" indent="-285750" algn="l" defTabSz="914400" rtl="0" eaLnBrk="0" fontAlgn="base" latinLnBrk="0" hangingPunct="0">
+              <a:lnSpc>
+                <a:spcPct val="100000"/>
+              </a:lnSpc>
+              <a:spcBef>
+                <a:spcPct val="0"/>
+              </a:spcBef>
+              <a:spcAft>
+                <a:spcPct val="0"/>
+              </a:spcAft>
+              <a:buClrTx/>
+              <a:buSzTx/>
+              <a:buFont typeface="Wingdings" panose="05000000000000000000" pitchFamily="2" charset="2"/>
+              <a:buChar char="Ø"/>
+              <a:tabLst/>
+            </a:pPr>
+            <a:r>
+              <a:rPr kumimoji="0" lang="en-US" altLang="en-US" sz="1300" b="0" i="0" u="none" strike="noStrike" cap="none" normalizeH="0" baseline="0" dirty="0">
+                <a:ln>
+                  <a:noFill/>
+                </a:ln>
+                <a:solidFill>
+                  <a:srgbClr val="E6E1DC"/>
+                </a:solidFill>
+                <a:effectLst/>
+                <a:latin typeface="Lucida Console" panose="020B0609040504020204" pitchFamily="49" charset="0"/>
+              </a:rPr>
+              <a:t>--- </a:t>
+            </a:r>
+          </a:p>
+          <a:p>
+            <a:pPr marL="285750" marR="0" lvl="0" indent="-285750" algn="l" defTabSz="914400" rtl="0" eaLnBrk="0" fontAlgn="base" latinLnBrk="0" hangingPunct="0">
+              <a:lnSpc>
+                <a:spcPct val="100000"/>
+              </a:lnSpc>
+              <a:spcBef>
+                <a:spcPct val="0"/>
+              </a:spcBef>
+              <a:spcAft>
+                <a:spcPct val="0"/>
+              </a:spcAft>
+              <a:buClrTx/>
+              <a:buSzTx/>
+              <a:buFont typeface="Wingdings" panose="05000000000000000000" pitchFamily="2" charset="2"/>
+              <a:buChar char="Ø"/>
+              <a:tabLst/>
+            </a:pPr>
+            <a:r>
+              <a:rPr kumimoji="0" lang="en-US" altLang="en-US" sz="1300" b="0" i="0" u="none" strike="noStrike" cap="none" normalizeH="0" baseline="0" dirty="0" err="1">
+                <a:ln>
+                  <a:noFill/>
+                </a:ln>
+                <a:solidFill>
+                  <a:srgbClr val="E6E1DC"/>
+                </a:solidFill>
+                <a:effectLst/>
+                <a:latin typeface="Lucida Console" panose="020B0609040504020204" pitchFamily="49" charset="0"/>
+              </a:rPr>
+              <a:t>Signif</a:t>
+            </a:r>
+            <a:r>
+              <a:rPr kumimoji="0" lang="en-US" altLang="en-US" sz="1300" b="0" i="0" u="none" strike="noStrike" cap="none" normalizeH="0" baseline="0" dirty="0">
+                <a:ln>
+                  <a:noFill/>
+                </a:ln>
+                <a:solidFill>
+                  <a:srgbClr val="E6E1DC"/>
+                </a:solidFill>
+                <a:effectLst/>
+                <a:latin typeface="Lucida Console" panose="020B0609040504020204" pitchFamily="49" charset="0"/>
+              </a:rPr>
+              <a:t>. codes: 0 ‘***’ 0.001 ‘**’ 0.01 ‘*’ 0.05 ‘.’ 0.1 ‘ ’ 1</a:t>
+            </a:r>
+            <a:endParaRPr kumimoji="0" lang="en-US" altLang="en-US" sz="1800" b="0" i="0" u="none" strike="noStrike" cap="none" normalizeH="0" baseline="0" dirty="0">
+              <a:ln>
+                <a:noFill/>
+              </a:ln>
+              <a:solidFill>
+                <a:schemeClr val="tx1"/>
+              </a:solidFill>
+              <a:effectLst/>
+              <a:latin typeface="Arial" panose="020B0604020202020204" pitchFamily="34" charset="0"/>
+            </a:endParaRPr>
+          </a:p>
+        </p:txBody>
+      </p:sp>
+      <p:sp>
+        <p:nvSpPr>
+          <p:cNvPr id="5" name="Rectangle 3">
+            <a:extLst>
+              <a:ext uri="{FF2B5EF4-FFF2-40B4-BE49-F238E27FC236}">
+                <a16:creationId xmlns:a16="http://schemas.microsoft.com/office/drawing/2014/main" id="{73C3730E-C148-4C3E-AC10-DD10D3FBFA09}"/>
+              </a:ext>
+            </a:extLst>
+          </p:cNvPr>
+          <p:cNvSpPr>
+            <a:spLocks noChangeArrowheads="1"/>
+          </p:cNvSpPr>
+          <p:nvPr/>
+        </p:nvSpPr>
+        <p:spPr bwMode="auto">
+          <a:xfrm>
+            <a:off x="0" y="5057507"/>
+            <a:ext cx="7732886" cy="1800493"/>
+          </a:xfrm>
+          <a:prstGeom prst="rect">
+            <a:avLst/>
+          </a:prstGeom>
+          <a:solidFill>
+            <a:srgbClr val="202020"/>
+          </a:solidFill>
+          <a:ln>
+            <a:noFill/>
+          </a:ln>
+          <a:effectLst/>
+          <a:extLst>
+            <a:ext uri="{91240B29-F687-4F45-9708-019B960494DF}">
+              <a14:hiddenLine xmlns:a14="http://schemas.microsoft.com/office/drawing/2010/main" w="9525">
+                <a:solidFill>
+                  <a:schemeClr val="tx1"/>
+                </a:solidFill>
+                <a:miter lim="800000"/>
+                <a:headEnd/>
+                <a:tailEnd/>
+              </a14:hiddenLine>
+            </a:ext>
+            <a:ext uri="{AF507438-7753-43E0-B8FC-AC1667EBCBE1}">
+              <a14:hiddenEffects xmlns:a14="http://schemas.microsoft.com/office/drawing/2010/main">
+                <a:effectLst>
+                  <a:outerShdw dist="35921" dir="2700000" algn="ctr" rotWithShape="0">
+                    <a:schemeClr val="bg2"/>
+                  </a:outerShdw>
+                </a:effectLst>
+              </a14:hiddenEffects>
+            </a:ext>
+          </a:extLst>
+        </p:spPr>
+        <p:txBody>
+          <a:bodyPr vert="horz" wrap="none" lIns="0" tIns="0" rIns="0" bIns="0" numCol="1" anchor="ctr" anchorCtr="0" compatLnSpc="1">
+            <a:prstTxWarp prst="textNoShape">
+              <a:avLst/>
+            </a:prstTxWarp>
+            <a:spAutoFit/>
+          </a:bodyPr>
+          <a:lstStyle/>
+          <a:p>
+            <a:pPr marL="285750" marR="0" lvl="0" indent="-285750" algn="l" defTabSz="914400" rtl="0" eaLnBrk="0" fontAlgn="base" latinLnBrk="0" hangingPunct="0">
+              <a:lnSpc>
+                <a:spcPct val="100000"/>
+              </a:lnSpc>
+              <a:spcBef>
+                <a:spcPct val="0"/>
+              </a:spcBef>
+              <a:spcAft>
+                <a:spcPct val="0"/>
+              </a:spcAft>
+              <a:buClrTx/>
+              <a:buSzTx/>
+              <a:buFont typeface="Wingdings" panose="05000000000000000000" pitchFamily="2" charset="2"/>
+              <a:buChar char="Ø"/>
+              <a:tabLst/>
+            </a:pPr>
+            <a:r>
+              <a:rPr kumimoji="0" lang="en-US" altLang="en-US" sz="1300" b="0" i="0" u="none" strike="noStrike" cap="none" normalizeH="0" baseline="0" dirty="0" err="1">
+                <a:ln>
+                  <a:noFill/>
+                </a:ln>
+                <a:solidFill>
+                  <a:srgbClr val="CDA869"/>
+                </a:solidFill>
+                <a:effectLst/>
+                <a:latin typeface="Lucida Console" panose="020B0609040504020204" pitchFamily="49" charset="0"/>
+              </a:rPr>
+              <a:t>TukeyHSD</a:t>
+            </a:r>
+            <a:r>
+              <a:rPr kumimoji="0" lang="en-US" altLang="en-US" sz="1300" b="0" i="0" u="none" strike="noStrike" cap="none" normalizeH="0" baseline="0" dirty="0">
+                <a:ln>
+                  <a:noFill/>
+                </a:ln>
+                <a:solidFill>
+                  <a:srgbClr val="CDA869"/>
+                </a:solidFill>
+                <a:effectLst/>
+                <a:latin typeface="Lucida Console" panose="020B0609040504020204" pitchFamily="49" charset="0"/>
+              </a:rPr>
+              <a:t>(</a:t>
+            </a:r>
+            <a:r>
+              <a:rPr kumimoji="0" lang="en-US" altLang="en-US" sz="1300" b="0" i="0" u="none" strike="noStrike" cap="none" normalizeH="0" baseline="0" dirty="0" err="1">
+                <a:ln>
+                  <a:noFill/>
+                </a:ln>
+                <a:solidFill>
+                  <a:srgbClr val="CDA869"/>
+                </a:solidFill>
+                <a:effectLst/>
+                <a:latin typeface="Lucida Console" panose="020B0609040504020204" pitchFamily="49" charset="0"/>
+              </a:rPr>
+              <a:t>betadisper</a:t>
+            </a:r>
+            <a:r>
+              <a:rPr kumimoji="0" lang="en-US" altLang="en-US" sz="1300" b="0" i="0" u="none" strike="noStrike" cap="none" normalizeH="0" baseline="0" dirty="0">
+                <a:ln>
+                  <a:noFill/>
+                </a:ln>
+                <a:solidFill>
+                  <a:srgbClr val="CDA869"/>
+                </a:solidFill>
+                <a:effectLst/>
+                <a:latin typeface="Lucida Console" panose="020B0609040504020204" pitchFamily="49" charset="0"/>
+              </a:rPr>
+              <a:t>(</a:t>
+            </a:r>
+            <a:r>
+              <a:rPr kumimoji="0" lang="en-US" altLang="en-US" sz="1300" b="0" i="0" u="none" strike="noStrike" cap="none" normalizeH="0" baseline="0" dirty="0" err="1">
+                <a:ln>
+                  <a:noFill/>
+                </a:ln>
+                <a:solidFill>
+                  <a:srgbClr val="CDA869"/>
+                </a:solidFill>
+                <a:effectLst/>
+                <a:latin typeface="Lucida Console" panose="020B0609040504020204" pitchFamily="49" charset="0"/>
+              </a:rPr>
+              <a:t>euc_dist</a:t>
+            </a:r>
+            <a:r>
+              <a:rPr kumimoji="0" lang="en-US" altLang="en-US" sz="1300" b="0" i="0" u="none" strike="noStrike" cap="none" normalizeH="0" baseline="0" dirty="0">
+                <a:ln>
+                  <a:noFill/>
+                </a:ln>
+                <a:solidFill>
+                  <a:srgbClr val="CDA869"/>
+                </a:solidFill>
+                <a:effectLst/>
+                <a:latin typeface="Lucida Console" panose="020B0609040504020204" pitchFamily="49" charset="0"/>
+              </a:rPr>
+              <a:t>, meta(</a:t>
+            </a:r>
+            <a:r>
+              <a:rPr kumimoji="0" lang="en-US" altLang="en-US" sz="1300" b="0" i="0" u="none" strike="noStrike" cap="none" normalizeH="0" baseline="0" dirty="0" err="1">
+                <a:ln>
+                  <a:noFill/>
+                </a:ln>
+                <a:solidFill>
+                  <a:srgbClr val="CDA869"/>
+                </a:solidFill>
+                <a:effectLst/>
+                <a:latin typeface="Lucida Console" panose="020B0609040504020204" pitchFamily="49" charset="0"/>
+              </a:rPr>
+              <a:t>vst_physeq</a:t>
+            </a:r>
+            <a:r>
+              <a:rPr kumimoji="0" lang="en-US" altLang="en-US" sz="1300" b="0" i="0" u="none" strike="noStrike" cap="none" normalizeH="0" baseline="0" dirty="0">
+                <a:ln>
+                  <a:noFill/>
+                </a:ln>
+                <a:solidFill>
+                  <a:srgbClr val="CDA869"/>
+                </a:solidFill>
+                <a:effectLst/>
+                <a:latin typeface="Lucida Console" panose="020B0609040504020204" pitchFamily="49" charset="0"/>
+              </a:rPr>
+              <a:t>)$case)) </a:t>
+            </a:r>
+          </a:p>
+          <a:p>
+            <a:pPr marL="285750" marR="0" lvl="0" indent="-285750" algn="l" defTabSz="914400" rtl="0" eaLnBrk="0" fontAlgn="base" latinLnBrk="0" hangingPunct="0">
+              <a:lnSpc>
+                <a:spcPct val="100000"/>
+              </a:lnSpc>
+              <a:spcBef>
+                <a:spcPct val="0"/>
+              </a:spcBef>
+              <a:spcAft>
+                <a:spcPct val="0"/>
+              </a:spcAft>
+              <a:buClrTx/>
+              <a:buSzTx/>
+              <a:buFont typeface="Wingdings" panose="05000000000000000000" pitchFamily="2" charset="2"/>
+              <a:buChar char="Ø"/>
+              <a:tabLst/>
+            </a:pPr>
+            <a:r>
+              <a:rPr kumimoji="0" lang="en-US" altLang="en-US" sz="1300" b="0" i="0" u="none" strike="noStrike" cap="none" normalizeH="0" baseline="0" dirty="0">
+                <a:ln>
+                  <a:noFill/>
+                </a:ln>
+                <a:solidFill>
+                  <a:srgbClr val="E6E1DC"/>
+                </a:solidFill>
+                <a:effectLst/>
+                <a:latin typeface="Lucida Console" panose="020B0609040504020204" pitchFamily="49" charset="0"/>
+              </a:rPr>
+              <a:t>Tukey multiple comparisons of means </a:t>
+            </a:r>
+          </a:p>
+          <a:p>
+            <a:pPr marL="285750" marR="0" lvl="0" indent="-285750" algn="l" defTabSz="914400" rtl="0" eaLnBrk="0" fontAlgn="base" latinLnBrk="0" hangingPunct="0">
+              <a:lnSpc>
+                <a:spcPct val="100000"/>
+              </a:lnSpc>
+              <a:spcBef>
+                <a:spcPct val="0"/>
+              </a:spcBef>
+              <a:spcAft>
+                <a:spcPct val="0"/>
+              </a:spcAft>
+              <a:buClrTx/>
+              <a:buSzTx/>
+              <a:buFont typeface="Wingdings" panose="05000000000000000000" pitchFamily="2" charset="2"/>
+              <a:buChar char="Ø"/>
+              <a:tabLst/>
+            </a:pPr>
+            <a:r>
+              <a:rPr kumimoji="0" lang="en-US" altLang="en-US" sz="1300" b="0" i="0" u="none" strike="noStrike" cap="none" normalizeH="0" baseline="0" dirty="0">
+                <a:ln>
+                  <a:noFill/>
+                </a:ln>
+                <a:solidFill>
+                  <a:srgbClr val="E6E1DC"/>
+                </a:solidFill>
+                <a:effectLst/>
+                <a:latin typeface="Lucida Console" panose="020B0609040504020204" pitchFamily="49" charset="0"/>
+              </a:rPr>
+              <a:t>95% family-wise confidence level </a:t>
+            </a:r>
+          </a:p>
+          <a:p>
+            <a:pPr marL="285750" marR="0" lvl="0" indent="-285750" algn="l" defTabSz="914400" rtl="0" eaLnBrk="0" fontAlgn="base" latinLnBrk="0" hangingPunct="0">
+              <a:lnSpc>
+                <a:spcPct val="100000"/>
+              </a:lnSpc>
+              <a:spcBef>
+                <a:spcPct val="0"/>
+              </a:spcBef>
+              <a:spcAft>
+                <a:spcPct val="0"/>
+              </a:spcAft>
+              <a:buClrTx/>
+              <a:buSzTx/>
+              <a:buFont typeface="Wingdings" panose="05000000000000000000" pitchFamily="2" charset="2"/>
+              <a:buChar char="Ø"/>
+              <a:tabLst/>
+            </a:pPr>
+            <a:r>
+              <a:rPr kumimoji="0" lang="en-US" altLang="en-US" sz="1300" b="0" i="0" u="none" strike="noStrike" cap="none" normalizeH="0" baseline="0" dirty="0">
+                <a:ln>
+                  <a:noFill/>
+                </a:ln>
+                <a:solidFill>
+                  <a:srgbClr val="E6E1DC"/>
+                </a:solidFill>
+                <a:effectLst/>
+                <a:latin typeface="Lucida Console" panose="020B0609040504020204" pitchFamily="49" charset="0"/>
+              </a:rPr>
+              <a:t>Fit: </a:t>
+            </a:r>
+            <a:r>
+              <a:rPr kumimoji="0" lang="en-US" altLang="en-US" sz="1300" b="0" i="0" u="none" strike="noStrike" cap="none" normalizeH="0" baseline="0" dirty="0" err="1">
+                <a:ln>
+                  <a:noFill/>
+                </a:ln>
+                <a:solidFill>
+                  <a:srgbClr val="E6E1DC"/>
+                </a:solidFill>
+                <a:effectLst/>
+                <a:latin typeface="Lucida Console" panose="020B0609040504020204" pitchFamily="49" charset="0"/>
+              </a:rPr>
+              <a:t>aov</a:t>
+            </a:r>
+            <a:r>
+              <a:rPr kumimoji="0" lang="en-US" altLang="en-US" sz="1300" b="0" i="0" u="none" strike="noStrike" cap="none" normalizeH="0" baseline="0" dirty="0">
+                <a:ln>
+                  <a:noFill/>
+                </a:ln>
+                <a:solidFill>
+                  <a:srgbClr val="E6E1DC"/>
+                </a:solidFill>
+                <a:effectLst/>
+                <a:latin typeface="Lucida Console" panose="020B0609040504020204" pitchFamily="49" charset="0"/>
+              </a:rPr>
+              <a:t>(formula = distances ~ group, data = df) </a:t>
+            </a:r>
+          </a:p>
+          <a:p>
+            <a:pPr marL="285750" marR="0" lvl="0" indent="-285750" algn="l" defTabSz="914400" rtl="0" eaLnBrk="0" fontAlgn="base" latinLnBrk="0" hangingPunct="0">
+              <a:lnSpc>
+                <a:spcPct val="100000"/>
+              </a:lnSpc>
+              <a:spcBef>
+                <a:spcPct val="0"/>
+              </a:spcBef>
+              <a:spcAft>
+                <a:spcPct val="0"/>
+              </a:spcAft>
+              <a:buClrTx/>
+              <a:buSzTx/>
+              <a:buFont typeface="Wingdings" panose="05000000000000000000" pitchFamily="2" charset="2"/>
+              <a:buChar char="Ø"/>
+              <a:tabLst/>
+            </a:pPr>
+            <a:r>
+              <a:rPr kumimoji="0" lang="en-US" altLang="en-US" sz="1300" b="0" i="0" u="none" strike="noStrike" cap="none" normalizeH="0" baseline="0" dirty="0">
+                <a:ln>
+                  <a:noFill/>
+                </a:ln>
+                <a:solidFill>
+                  <a:srgbClr val="E6E1DC"/>
+                </a:solidFill>
+                <a:effectLst/>
+                <a:latin typeface="Lucida Console" panose="020B0609040504020204" pitchFamily="49" charset="0"/>
+              </a:rPr>
+              <a:t>$group </a:t>
+            </a:r>
+          </a:p>
+          <a:p>
+            <a:pPr lvl="5" eaLnBrk="0" fontAlgn="base" hangingPunct="0">
+              <a:spcBef>
+                <a:spcPct val="0"/>
+              </a:spcBef>
+              <a:spcAft>
+                <a:spcPct val="0"/>
+              </a:spcAft>
+            </a:pPr>
+            <a:r>
+              <a:rPr kumimoji="0" lang="en-US" altLang="en-US" sz="1300" b="0" i="0" u="none" strike="noStrike" cap="none" normalizeH="0" baseline="0" dirty="0">
+                <a:ln>
+                  <a:noFill/>
+                </a:ln>
+                <a:solidFill>
+                  <a:srgbClr val="E6E1DC"/>
+                </a:solidFill>
+                <a:effectLst/>
+                <a:latin typeface="Lucida Console" panose="020B0609040504020204" pitchFamily="49" charset="0"/>
+              </a:rPr>
+              <a:t>		diff 	   </a:t>
+            </a:r>
+            <a:r>
+              <a:rPr kumimoji="0" lang="en-US" altLang="en-US" sz="1300" b="0" i="0" u="none" strike="noStrike" cap="none" normalizeH="0" baseline="0" dirty="0" err="1">
+                <a:ln>
+                  <a:noFill/>
+                </a:ln>
+                <a:solidFill>
+                  <a:srgbClr val="E6E1DC"/>
+                </a:solidFill>
+                <a:effectLst/>
+                <a:latin typeface="Lucida Console" panose="020B0609040504020204" pitchFamily="49" charset="0"/>
+              </a:rPr>
+              <a:t>lwr</a:t>
+            </a:r>
+            <a:r>
+              <a:rPr kumimoji="0" lang="en-US" altLang="en-US" sz="1300" b="0" i="0" u="none" strike="noStrike" cap="none" normalizeH="0" baseline="0" dirty="0">
+                <a:ln>
+                  <a:noFill/>
+                </a:ln>
+                <a:solidFill>
+                  <a:srgbClr val="E6E1DC"/>
+                </a:solidFill>
+                <a:effectLst/>
+                <a:latin typeface="Lucida Console" panose="020B0609040504020204" pitchFamily="49" charset="0"/>
+              </a:rPr>
+              <a:t> 	   </a:t>
+            </a:r>
+            <a:r>
+              <a:rPr kumimoji="0" lang="en-US" altLang="en-US" sz="1300" b="0" i="0" u="none" strike="noStrike" cap="none" normalizeH="0" baseline="0" dirty="0" err="1">
+                <a:ln>
+                  <a:noFill/>
+                </a:ln>
+                <a:solidFill>
+                  <a:srgbClr val="E6E1DC"/>
+                </a:solidFill>
+                <a:effectLst/>
+                <a:latin typeface="Lucida Console" panose="020B0609040504020204" pitchFamily="49" charset="0"/>
+              </a:rPr>
+              <a:t>upr</a:t>
+            </a:r>
+            <a:r>
+              <a:rPr kumimoji="0" lang="en-US" altLang="en-US" sz="1300" b="0" i="0" u="none" strike="noStrike" cap="none" normalizeH="0" baseline="0" dirty="0">
+                <a:ln>
+                  <a:noFill/>
+                </a:ln>
+                <a:solidFill>
+                  <a:srgbClr val="E6E1DC"/>
+                </a:solidFill>
+                <a:effectLst/>
+                <a:latin typeface="Lucida Console" panose="020B0609040504020204" pitchFamily="49" charset="0"/>
+              </a:rPr>
+              <a:t> 	   p adj </a:t>
+            </a:r>
+          </a:p>
+          <a:p>
+            <a:pPr marL="285750" marR="0" lvl="0" indent="-285750" algn="l" defTabSz="914400" rtl="0" eaLnBrk="0" fontAlgn="base" latinLnBrk="0" hangingPunct="0">
+              <a:lnSpc>
+                <a:spcPct val="100000"/>
+              </a:lnSpc>
+              <a:spcBef>
+                <a:spcPct val="0"/>
+              </a:spcBef>
+              <a:spcAft>
+                <a:spcPct val="0"/>
+              </a:spcAft>
+              <a:buClrTx/>
+              <a:buSzTx/>
+              <a:buFont typeface="Wingdings" panose="05000000000000000000" pitchFamily="2" charset="2"/>
+              <a:buChar char="Ø"/>
+              <a:tabLst/>
+            </a:pPr>
+            <a:r>
+              <a:rPr kumimoji="0" lang="en-US" altLang="en-US" sz="1300" b="0" i="0" u="none" strike="noStrike" cap="none" normalizeH="0" baseline="0" dirty="0">
+                <a:ln>
+                  <a:noFill/>
+                </a:ln>
+                <a:solidFill>
+                  <a:srgbClr val="E6E1DC"/>
+                </a:solidFill>
+                <a:effectLst/>
+                <a:latin typeface="Lucida Console" panose="020B0609040504020204" pitchFamily="49" charset="0"/>
+              </a:rPr>
+              <a:t>Sick - Healthy 			1.644249 -52.82854 56.11703  0.9971626 </a:t>
+            </a:r>
+          </a:p>
+          <a:p>
+            <a:pPr marL="285750" marR="0" lvl="0" indent="-285750" algn="l" defTabSz="914400" rtl="0" eaLnBrk="0" fontAlgn="base" latinLnBrk="0" hangingPunct="0">
+              <a:lnSpc>
+                <a:spcPct val="100000"/>
+              </a:lnSpc>
+              <a:spcBef>
+                <a:spcPct val="0"/>
+              </a:spcBef>
+              <a:spcAft>
+                <a:spcPct val="0"/>
+              </a:spcAft>
+              <a:buClrTx/>
+              <a:buSzTx/>
+              <a:buFont typeface="Wingdings" panose="05000000000000000000" pitchFamily="2" charset="2"/>
+              <a:buChar char="Ø"/>
+              <a:tabLst/>
+            </a:pPr>
+            <a:r>
+              <a:rPr kumimoji="0" lang="en-US" altLang="en-US" sz="1300" b="0" i="0" u="none" strike="noStrike" cap="none" normalizeH="0" baseline="0" dirty="0">
+                <a:ln>
+                  <a:noFill/>
+                </a:ln>
+                <a:solidFill>
+                  <a:srgbClr val="E6E1DC"/>
+                </a:solidFill>
+                <a:effectLst/>
+                <a:latin typeface="Lucida Console" panose="020B0609040504020204" pitchFamily="49" charset="0"/>
+              </a:rPr>
+              <a:t>COVID19 - Healthy		99.391186 52.81794 145.96444 0.0000052 </a:t>
+            </a:r>
+          </a:p>
+          <a:p>
+            <a:pPr marL="285750" marR="0" lvl="0" indent="-285750" algn="l" defTabSz="914400" rtl="0" eaLnBrk="0" fontAlgn="base" latinLnBrk="0" hangingPunct="0">
+              <a:lnSpc>
+                <a:spcPct val="100000"/>
+              </a:lnSpc>
+              <a:spcBef>
+                <a:spcPct val="0"/>
+              </a:spcBef>
+              <a:spcAft>
+                <a:spcPct val="0"/>
+              </a:spcAft>
+              <a:buClrTx/>
+              <a:buSzTx/>
+              <a:buFont typeface="Wingdings" panose="05000000000000000000" pitchFamily="2" charset="2"/>
+              <a:buChar char="Ø"/>
+              <a:tabLst/>
+            </a:pPr>
+            <a:r>
+              <a:rPr kumimoji="0" lang="en-US" altLang="en-US" sz="1300" b="0" i="0" u="none" strike="noStrike" cap="none" normalizeH="0" baseline="0" dirty="0">
+                <a:ln>
+                  <a:noFill/>
+                </a:ln>
+                <a:solidFill>
+                  <a:srgbClr val="E6E1DC"/>
+                </a:solidFill>
+                <a:effectLst/>
+                <a:latin typeface="Lucida Console" panose="020B0609040504020204" pitchFamily="49" charset="0"/>
+              </a:rPr>
+              <a:t>COVID19 - </a:t>
+            </a:r>
+            <a:r>
+              <a:rPr kumimoji="0" lang="en-US" altLang="en-US" sz="1300" b="0" i="0" u="none" strike="noStrike" cap="none" normalizeH="0" baseline="0" dirty="0" err="1">
+                <a:ln>
+                  <a:noFill/>
+                </a:ln>
+                <a:solidFill>
+                  <a:srgbClr val="E6E1DC"/>
+                </a:solidFill>
+                <a:effectLst/>
+                <a:latin typeface="Lucida Console" panose="020B0609040504020204" pitchFamily="49" charset="0"/>
+              </a:rPr>
+              <a:t>Control_Sick</a:t>
+            </a:r>
+            <a:r>
+              <a:rPr kumimoji="0" lang="en-US" altLang="en-US" sz="1300" b="0" i="0" u="none" strike="noStrike" cap="none" normalizeH="0" baseline="0" dirty="0">
+                <a:ln>
+                  <a:noFill/>
+                </a:ln>
+                <a:solidFill>
+                  <a:srgbClr val="E6E1DC"/>
+                </a:solidFill>
+                <a:effectLst/>
+                <a:latin typeface="Lucida Console" panose="020B0609040504020204" pitchFamily="49" charset="0"/>
+              </a:rPr>
+              <a:t> 		97.746937 47.41334 148.08053 0.0000335</a:t>
+            </a:r>
+            <a:endParaRPr kumimoji="0" lang="en-US" altLang="en-US" sz="1800" b="0" i="0" u="none" strike="noStrike" cap="none" normalizeH="0" baseline="0" dirty="0">
+              <a:ln>
+                <a:noFill/>
+              </a:ln>
+              <a:solidFill>
+                <a:schemeClr val="tx1"/>
+              </a:solidFill>
+              <a:effectLst/>
+              <a:latin typeface="Arial" panose="020B0604020202020204" pitchFamily="34" charset="0"/>
+            </a:endParaRPr>
+          </a:p>
+        </p:txBody>
+      </p:sp>
+      <p:sp>
+        <p:nvSpPr>
+          <p:cNvPr id="7" name="TextBox 6">
+            <a:extLst>
+              <a:ext uri="{FF2B5EF4-FFF2-40B4-BE49-F238E27FC236}">
+                <a16:creationId xmlns:a16="http://schemas.microsoft.com/office/drawing/2014/main" id="{44CFDF76-9AFE-4E5A-AC6F-D166BABC3F69}"/>
+              </a:ext>
+            </a:extLst>
+          </p:cNvPr>
+          <p:cNvSpPr txBox="1"/>
+          <p:nvPr/>
+        </p:nvSpPr>
+        <p:spPr>
+          <a:xfrm>
+            <a:off x="504697" y="18246"/>
+            <a:ext cx="11687304" cy="461665"/>
+          </a:xfrm>
+          <a:prstGeom prst="rect">
+            <a:avLst/>
+          </a:prstGeom>
+          <a:noFill/>
+        </p:spPr>
+        <p:txBody>
+          <a:bodyPr wrap="square" rtlCol="0">
+            <a:spAutoFit/>
+          </a:bodyPr>
+          <a:lstStyle/>
+          <a:p>
+            <a:pPr algn="ctr"/>
+            <a:r>
+              <a:rPr lang="en-US" sz="2400" u="sng" dirty="0"/>
+              <a:t>Within group </a:t>
+            </a:r>
+            <a:r>
+              <a:rPr lang="en-US" sz="2400" u="sng" dirty="0" err="1"/>
+              <a:t>betadisper</a:t>
+            </a:r>
+            <a:r>
+              <a:rPr lang="en-US" sz="2400" u="sng" dirty="0"/>
+              <a:t> Euclidean distance VST transformed counts by case </a:t>
+            </a:r>
+          </a:p>
+        </p:txBody>
+      </p:sp>
+    </p:spTree>
+    <p:extLst>
+      <p:ext uri="{BB962C8B-B14F-4D97-AF65-F5344CB8AC3E}">
+        <p14:creationId xmlns:p14="http://schemas.microsoft.com/office/powerpoint/2010/main" val="336596294"/>
+      </p:ext>
+    </p:extLst>
+  </p:cSld>
+  <p:clrMapOvr>
+    <a:masterClrMapping/>
+  </p:clrMapOvr>
+</p:sld>
+</file>
+
+<file path=ppt/slides/slide11.xml><?xml version="1.0" encoding="utf-8"?>
+<p:sld xmlns:a="http://schemas.openxmlformats.org/drawingml/2006/main" xmlns:r="http://schemas.openxmlformats.org/officeDocument/2006/relationships" xmlns:p="http://schemas.openxmlformats.org/presentationml/2006/main">
+  <p:cSld>
+    <p:spTree>
+      <p:nvGrpSpPr>
+        <p:cNvPr id="1" name=""/>
+        <p:cNvGrpSpPr/>
+        <p:nvPr/>
+      </p:nvGrpSpPr>
+      <p:grpSpPr>
+        <a:xfrm>
+          <a:off x="0" y="0"/>
+          <a:ext cx="0" cy="0"/>
+          <a:chOff x="0" y="0"/>
+          <a:chExt cx="0" cy="0"/>
+        </a:xfrm>
+      </p:grpSpPr>
+      <p:sp>
+        <p:nvSpPr>
+          <p:cNvPr id="7" name="TextBox 6">
+            <a:extLst>
+              <a:ext uri="{FF2B5EF4-FFF2-40B4-BE49-F238E27FC236}">
+                <a16:creationId xmlns:a16="http://schemas.microsoft.com/office/drawing/2014/main" id="{44CFDF76-9AFE-4E5A-AC6F-D166BABC3F69}"/>
+              </a:ext>
+            </a:extLst>
+          </p:cNvPr>
+          <p:cNvSpPr txBox="1"/>
+          <p:nvPr/>
+        </p:nvSpPr>
+        <p:spPr>
+          <a:xfrm>
+            <a:off x="-49942" y="2714309"/>
+            <a:ext cx="6964327" cy="830997"/>
+          </a:xfrm>
+          <a:prstGeom prst="rect">
+            <a:avLst/>
+          </a:prstGeom>
+          <a:noFill/>
+        </p:spPr>
+        <p:txBody>
+          <a:bodyPr wrap="square" rtlCol="0">
+            <a:spAutoFit/>
+          </a:bodyPr>
+          <a:lstStyle/>
+          <a:p>
+            <a:pPr algn="ctr"/>
+            <a:r>
+              <a:rPr lang="en-US" sz="2400" u="sng" dirty="0"/>
+              <a:t>Adonis </a:t>
+            </a:r>
+            <a:r>
+              <a:rPr lang="en-US" sz="2400" u="sng" dirty="0" err="1"/>
+              <a:t>permanova</a:t>
+            </a:r>
+            <a:r>
+              <a:rPr lang="en-US" sz="2400" u="sng" dirty="0"/>
+              <a:t> Euclidean distance VST transformed counts by case, stratified by publication </a:t>
+            </a:r>
+          </a:p>
+        </p:txBody>
+      </p:sp>
+      <p:sp>
+        <p:nvSpPr>
+          <p:cNvPr id="6" name="Rectangle 2">
+            <a:extLst>
+              <a:ext uri="{FF2B5EF4-FFF2-40B4-BE49-F238E27FC236}">
+                <a16:creationId xmlns:a16="http://schemas.microsoft.com/office/drawing/2014/main" id="{5B2E3ADF-D661-4357-AEC9-A7C2C142ABFD}"/>
+              </a:ext>
+            </a:extLst>
+          </p:cNvPr>
+          <p:cNvSpPr>
+            <a:spLocks noChangeArrowheads="1"/>
+          </p:cNvSpPr>
+          <p:nvPr/>
+        </p:nvSpPr>
+        <p:spPr bwMode="auto">
+          <a:xfrm>
+            <a:off x="64324" y="3601353"/>
+            <a:ext cx="6964326" cy="3000821"/>
+          </a:xfrm>
+          <a:prstGeom prst="rect">
+            <a:avLst/>
+          </a:prstGeom>
+          <a:solidFill>
+            <a:srgbClr val="202020"/>
+          </a:solidFill>
+          <a:ln>
+            <a:noFill/>
+          </a:ln>
+          <a:effectLst/>
+          <a:extLst>
+            <a:ext uri="{91240B29-F687-4F45-9708-019B960494DF}">
+              <a14:hiddenLine xmlns:a14="http://schemas.microsoft.com/office/drawing/2010/main" w="9525">
+                <a:solidFill>
+                  <a:schemeClr val="tx1"/>
+                </a:solidFill>
+                <a:miter lim="800000"/>
+                <a:headEnd/>
+                <a:tailEnd/>
+              </a14:hiddenLine>
+            </a:ext>
+            <a:ext uri="{AF507438-7753-43E0-B8FC-AC1667EBCBE1}">
+              <a14:hiddenEffects xmlns:a14="http://schemas.microsoft.com/office/drawing/2010/main">
+                <a:effectLst>
+                  <a:outerShdw dist="35921" dir="2700000" algn="ctr" rotWithShape="0">
+                    <a:schemeClr val="bg2"/>
+                  </a:outerShdw>
+                </a:effectLst>
+              </a14:hiddenEffects>
+            </a:ext>
+          </a:extLst>
+        </p:spPr>
+        <p:txBody>
+          <a:bodyPr vert="horz" wrap="square" lIns="0" tIns="0" rIns="0" bIns="0" numCol="1" anchor="ctr" anchorCtr="0" compatLnSpc="1">
+            <a:prstTxWarp prst="textNoShape">
+              <a:avLst/>
+            </a:prstTxWarp>
+            <a:spAutoFit/>
+          </a:bodyPr>
+          <a:lstStyle/>
+          <a:p>
+            <a:pPr marL="0" marR="0" lvl="0" indent="0" algn="l" defTabSz="914400" rtl="0" eaLnBrk="0" fontAlgn="base" latinLnBrk="0" hangingPunct="0">
+              <a:lnSpc>
+                <a:spcPct val="100000"/>
+              </a:lnSpc>
+              <a:spcBef>
+                <a:spcPct val="0"/>
+              </a:spcBef>
+              <a:spcAft>
+                <a:spcPct val="0"/>
+              </a:spcAft>
+              <a:buClrTx/>
+              <a:buSzTx/>
+              <a:buFontTx/>
+              <a:buNone/>
+              <a:tabLst/>
+            </a:pPr>
+            <a:br>
+              <a:rPr kumimoji="0" lang="en-US" altLang="en-US" sz="1300" b="0" i="0" u="none" strike="noStrike" cap="none" normalizeH="0" baseline="0" dirty="0">
+                <a:ln>
+                  <a:noFill/>
+                </a:ln>
+                <a:solidFill>
+                  <a:srgbClr val="E6E1DC"/>
+                </a:solidFill>
+                <a:effectLst/>
+                <a:latin typeface="Lucida Console" panose="020B0609040504020204" pitchFamily="49" charset="0"/>
+              </a:rPr>
+            </a:br>
+            <a:r>
+              <a:rPr kumimoji="0" lang="en-US" altLang="en-US" sz="1300" b="0" i="0" u="none" strike="noStrike" cap="none" normalizeH="0" baseline="0" dirty="0">
+                <a:ln>
+                  <a:noFill/>
+                </a:ln>
+                <a:solidFill>
+                  <a:srgbClr val="E6E1DC"/>
+                </a:solidFill>
+                <a:effectLst/>
+                <a:latin typeface="Lucida Console" panose="020B0609040504020204" pitchFamily="49" charset="0"/>
+              </a:rPr>
+              <a:t>Call: </a:t>
+            </a:r>
+            <a:r>
+              <a:rPr kumimoji="0" lang="en-US" altLang="en-US" sz="1300" b="0" i="0" u="none" strike="noStrike" cap="none" normalizeH="0" baseline="0" dirty="0" err="1">
+                <a:ln>
+                  <a:noFill/>
+                </a:ln>
+                <a:solidFill>
+                  <a:srgbClr val="E6E1DC"/>
+                </a:solidFill>
+                <a:effectLst/>
+                <a:latin typeface="Lucida Console" panose="020B0609040504020204" pitchFamily="49" charset="0"/>
+              </a:rPr>
+              <a:t>adonis</a:t>
+            </a:r>
+            <a:r>
+              <a:rPr kumimoji="0" lang="en-US" altLang="en-US" sz="1300" b="0" i="0" u="none" strike="noStrike" cap="none" normalizeH="0" baseline="0" dirty="0">
+                <a:ln>
+                  <a:noFill/>
+                </a:ln>
+                <a:solidFill>
+                  <a:srgbClr val="E6E1DC"/>
+                </a:solidFill>
+                <a:effectLst/>
+                <a:latin typeface="Lucida Console" panose="020B0609040504020204" pitchFamily="49" charset="0"/>
+              </a:rPr>
+              <a:t>(formula = </a:t>
+            </a:r>
+            <a:r>
+              <a:rPr kumimoji="0" lang="en-US" altLang="en-US" sz="1300" b="0" i="0" u="none" strike="noStrike" cap="none" normalizeH="0" baseline="0" dirty="0" err="1">
+                <a:ln>
+                  <a:noFill/>
+                </a:ln>
+                <a:solidFill>
+                  <a:srgbClr val="E6E1DC"/>
+                </a:solidFill>
+                <a:effectLst/>
+                <a:latin typeface="Lucida Console" panose="020B0609040504020204" pitchFamily="49" charset="0"/>
+              </a:rPr>
+              <a:t>euc_dist</a:t>
+            </a:r>
+            <a:r>
+              <a:rPr kumimoji="0" lang="en-US" altLang="en-US" sz="1300" b="0" i="0" u="none" strike="noStrike" cap="none" normalizeH="0" baseline="0" dirty="0">
+                <a:ln>
+                  <a:noFill/>
+                </a:ln>
+                <a:solidFill>
+                  <a:srgbClr val="E6E1DC"/>
+                </a:solidFill>
+                <a:effectLst/>
+                <a:latin typeface="Lucida Console" panose="020B0609040504020204" pitchFamily="49" charset="0"/>
+              </a:rPr>
+              <a:t> ~ </a:t>
+            </a:r>
+            <a:r>
+              <a:rPr kumimoji="0" lang="en-US" altLang="en-US" sz="1300" b="0" i="0" u="none" strike="noStrike" cap="none" normalizeH="0" baseline="0" dirty="0" err="1">
+                <a:ln>
+                  <a:noFill/>
+                </a:ln>
+                <a:solidFill>
+                  <a:srgbClr val="E6E1DC"/>
+                </a:solidFill>
+                <a:effectLst/>
+                <a:latin typeface="Lucida Console" panose="020B0609040504020204" pitchFamily="49" charset="0"/>
+              </a:rPr>
+              <a:t>sample_data</a:t>
+            </a:r>
+            <a:r>
+              <a:rPr kumimoji="0" lang="en-US" altLang="en-US" sz="1300" b="0" i="0" u="none" strike="noStrike" cap="none" normalizeH="0" baseline="0" dirty="0">
+                <a:ln>
+                  <a:noFill/>
+                </a:ln>
+                <a:solidFill>
+                  <a:srgbClr val="E6E1DC"/>
+                </a:solidFill>
+                <a:effectLst/>
+                <a:latin typeface="Lucida Console" panose="020B0609040504020204" pitchFamily="49" charset="0"/>
+              </a:rPr>
+              <a:t>(</a:t>
+            </a:r>
+            <a:r>
+              <a:rPr kumimoji="0" lang="en-US" altLang="en-US" sz="1300" b="0" i="0" u="none" strike="noStrike" cap="none" normalizeH="0" baseline="0" dirty="0" err="1">
+                <a:ln>
+                  <a:noFill/>
+                </a:ln>
+                <a:solidFill>
+                  <a:srgbClr val="E6E1DC"/>
+                </a:solidFill>
+                <a:effectLst/>
+                <a:latin typeface="Lucida Console" panose="020B0609040504020204" pitchFamily="49" charset="0"/>
+              </a:rPr>
+              <a:t>ps_balf_not_sick</a:t>
+            </a:r>
+            <a:r>
+              <a:rPr kumimoji="0" lang="en-US" altLang="en-US" sz="1300" b="0" i="0" u="none" strike="noStrike" cap="none" normalizeH="0" baseline="0" dirty="0">
+                <a:ln>
+                  <a:noFill/>
+                </a:ln>
+                <a:solidFill>
+                  <a:srgbClr val="E6E1DC"/>
+                </a:solidFill>
+                <a:effectLst/>
+                <a:latin typeface="Lucida Console" panose="020B0609040504020204" pitchFamily="49" charset="0"/>
+              </a:rPr>
+              <a:t>)$case, </a:t>
+            </a:r>
+          </a:p>
+          <a:p>
+            <a:pPr marL="0" marR="0" lvl="0" indent="0" algn="l" defTabSz="914400" rtl="0" eaLnBrk="0" fontAlgn="base" latinLnBrk="0" hangingPunct="0">
+              <a:lnSpc>
+                <a:spcPct val="100000"/>
+              </a:lnSpc>
+              <a:spcBef>
+                <a:spcPct val="0"/>
+              </a:spcBef>
+              <a:spcAft>
+                <a:spcPct val="0"/>
+              </a:spcAft>
+              <a:buClrTx/>
+              <a:buSzTx/>
+              <a:buFontTx/>
+              <a:buNone/>
+              <a:tabLst/>
+            </a:pPr>
+            <a:r>
+              <a:rPr kumimoji="0" lang="en-US" altLang="en-US" sz="1300" b="0" i="0" u="none" strike="noStrike" cap="none" normalizeH="0" baseline="0" dirty="0">
+                <a:ln>
+                  <a:noFill/>
+                </a:ln>
+                <a:solidFill>
+                  <a:srgbClr val="E6E1DC"/>
+                </a:solidFill>
+                <a:effectLst/>
+                <a:latin typeface="Lucida Console" panose="020B0609040504020204" pitchFamily="49" charset="0"/>
+              </a:rPr>
+              <a:t>permutations = 9999, </a:t>
+            </a:r>
+          </a:p>
+          <a:p>
+            <a:pPr marL="0" marR="0" lvl="0" indent="0" algn="l" defTabSz="914400" rtl="0" eaLnBrk="0" fontAlgn="base" latinLnBrk="0" hangingPunct="0">
+              <a:lnSpc>
+                <a:spcPct val="100000"/>
+              </a:lnSpc>
+              <a:spcBef>
+                <a:spcPct val="0"/>
+              </a:spcBef>
+              <a:spcAft>
+                <a:spcPct val="0"/>
+              </a:spcAft>
+              <a:buClrTx/>
+              <a:buSzTx/>
+              <a:buFontTx/>
+              <a:buNone/>
+              <a:tabLst/>
+            </a:pPr>
+            <a:r>
+              <a:rPr kumimoji="0" lang="en-US" altLang="en-US" sz="1300" b="0" i="0" u="none" strike="noStrike" cap="none" normalizeH="0" baseline="0" dirty="0">
+                <a:ln>
+                  <a:noFill/>
+                </a:ln>
+                <a:solidFill>
+                  <a:srgbClr val="E6E1DC"/>
+                </a:solidFill>
+                <a:effectLst/>
+                <a:latin typeface="Lucida Console" panose="020B0609040504020204" pitchFamily="49" charset="0"/>
+              </a:rPr>
+              <a:t>strata = </a:t>
+            </a:r>
+            <a:r>
+              <a:rPr kumimoji="0" lang="en-US" altLang="en-US" sz="1300" b="0" i="0" u="none" strike="noStrike" cap="none" normalizeH="0" baseline="0" dirty="0" err="1">
+                <a:ln>
+                  <a:noFill/>
+                </a:ln>
+                <a:solidFill>
+                  <a:srgbClr val="E6E1DC"/>
+                </a:solidFill>
+                <a:effectLst/>
+                <a:latin typeface="Lucida Console" panose="020B0609040504020204" pitchFamily="49" charset="0"/>
+              </a:rPr>
+              <a:t>sample_data</a:t>
+            </a:r>
+            <a:r>
+              <a:rPr kumimoji="0" lang="en-US" altLang="en-US" sz="1300" b="0" i="0" u="none" strike="noStrike" cap="none" normalizeH="0" baseline="0" dirty="0">
+                <a:ln>
+                  <a:noFill/>
+                </a:ln>
+                <a:solidFill>
+                  <a:srgbClr val="E6E1DC"/>
+                </a:solidFill>
+                <a:effectLst/>
+                <a:latin typeface="Lucida Console" panose="020B0609040504020204" pitchFamily="49" charset="0"/>
+              </a:rPr>
+              <a:t>(</a:t>
+            </a:r>
+            <a:r>
+              <a:rPr kumimoji="0" lang="en-US" altLang="en-US" sz="1300" b="0" i="0" u="none" strike="noStrike" cap="none" normalizeH="0" baseline="0" dirty="0" err="1">
+                <a:ln>
+                  <a:noFill/>
+                </a:ln>
+                <a:solidFill>
+                  <a:srgbClr val="E6E1DC"/>
+                </a:solidFill>
+                <a:effectLst/>
+                <a:latin typeface="Lucida Console" panose="020B0609040504020204" pitchFamily="49" charset="0"/>
+              </a:rPr>
+              <a:t>ps_balf_not_sick</a:t>
+            </a:r>
+            <a:r>
+              <a:rPr kumimoji="0" lang="en-US" altLang="en-US" sz="1300" b="0" i="0" u="none" strike="noStrike" cap="none" normalizeH="0" baseline="0" dirty="0">
+                <a:ln>
+                  <a:noFill/>
+                </a:ln>
+                <a:solidFill>
+                  <a:srgbClr val="E6E1DC"/>
+                </a:solidFill>
+                <a:effectLst/>
+                <a:latin typeface="Lucida Console" panose="020B0609040504020204" pitchFamily="49" charset="0"/>
+              </a:rPr>
+              <a:t>)$publication) </a:t>
+            </a:r>
+          </a:p>
+          <a:p>
+            <a:pPr marL="0" marR="0" lvl="0" indent="0" algn="l" defTabSz="914400" rtl="0" eaLnBrk="0" fontAlgn="base" latinLnBrk="0" hangingPunct="0">
+              <a:lnSpc>
+                <a:spcPct val="100000"/>
+              </a:lnSpc>
+              <a:spcBef>
+                <a:spcPct val="0"/>
+              </a:spcBef>
+              <a:spcAft>
+                <a:spcPct val="0"/>
+              </a:spcAft>
+              <a:buClrTx/>
+              <a:buSzTx/>
+              <a:buFontTx/>
+              <a:buNone/>
+              <a:tabLst/>
+            </a:pPr>
+            <a:r>
+              <a:rPr kumimoji="0" lang="en-US" altLang="en-US" sz="1300" b="0" i="0" u="none" strike="noStrike" cap="none" normalizeH="0" baseline="0" dirty="0">
+                <a:ln>
+                  <a:noFill/>
+                </a:ln>
+                <a:solidFill>
+                  <a:srgbClr val="E6E1DC"/>
+                </a:solidFill>
+                <a:effectLst/>
+                <a:latin typeface="Lucida Console" panose="020B0609040504020204" pitchFamily="49" charset="0"/>
+              </a:rPr>
+              <a:t>Blocks: strata </a:t>
+            </a:r>
+          </a:p>
+          <a:p>
+            <a:pPr marL="0" marR="0" lvl="0" indent="0" algn="l" defTabSz="914400" rtl="0" eaLnBrk="0" fontAlgn="base" latinLnBrk="0" hangingPunct="0">
+              <a:lnSpc>
+                <a:spcPct val="100000"/>
+              </a:lnSpc>
+              <a:spcBef>
+                <a:spcPct val="0"/>
+              </a:spcBef>
+              <a:spcAft>
+                <a:spcPct val="0"/>
+              </a:spcAft>
+              <a:buClrTx/>
+              <a:buSzTx/>
+              <a:buFontTx/>
+              <a:buNone/>
+              <a:tabLst/>
+            </a:pPr>
+            <a:r>
+              <a:rPr kumimoji="0" lang="en-US" altLang="en-US" sz="1300" b="0" i="0" u="none" strike="noStrike" cap="none" normalizeH="0" baseline="0" dirty="0">
+                <a:ln>
+                  <a:noFill/>
+                </a:ln>
+                <a:solidFill>
+                  <a:srgbClr val="E6E1DC"/>
+                </a:solidFill>
+                <a:effectLst/>
+                <a:latin typeface="Lucida Console" panose="020B0609040504020204" pitchFamily="49" charset="0"/>
+              </a:rPr>
+              <a:t>Permutation: free </a:t>
+            </a:r>
+          </a:p>
+          <a:p>
+            <a:pPr marL="0" marR="0" lvl="0" indent="0" algn="l" defTabSz="914400" rtl="0" eaLnBrk="0" fontAlgn="base" latinLnBrk="0" hangingPunct="0">
+              <a:lnSpc>
+                <a:spcPct val="100000"/>
+              </a:lnSpc>
+              <a:spcBef>
+                <a:spcPct val="0"/>
+              </a:spcBef>
+              <a:spcAft>
+                <a:spcPct val="0"/>
+              </a:spcAft>
+              <a:buClrTx/>
+              <a:buSzTx/>
+              <a:buFontTx/>
+              <a:buNone/>
+              <a:tabLst/>
+            </a:pPr>
+            <a:r>
+              <a:rPr kumimoji="0" lang="en-US" altLang="en-US" sz="1300" b="0" i="0" u="none" strike="noStrike" cap="none" normalizeH="0" baseline="0" dirty="0">
+                <a:ln>
+                  <a:noFill/>
+                </a:ln>
+                <a:solidFill>
+                  <a:srgbClr val="E6E1DC"/>
+                </a:solidFill>
+                <a:effectLst/>
+                <a:latin typeface="Lucida Console" panose="020B0609040504020204" pitchFamily="49" charset="0"/>
+              </a:rPr>
+              <a:t>Number of permutations: 9999 </a:t>
+            </a:r>
+          </a:p>
+          <a:p>
+            <a:pPr marL="0" marR="0" lvl="0" indent="0" algn="l" defTabSz="914400" rtl="0" eaLnBrk="0" fontAlgn="base" latinLnBrk="0" hangingPunct="0">
+              <a:lnSpc>
+                <a:spcPct val="100000"/>
+              </a:lnSpc>
+              <a:spcBef>
+                <a:spcPct val="0"/>
+              </a:spcBef>
+              <a:spcAft>
+                <a:spcPct val="0"/>
+              </a:spcAft>
+              <a:buClrTx/>
+              <a:buSzTx/>
+              <a:buFontTx/>
+              <a:buNone/>
+              <a:tabLst/>
+            </a:pPr>
+            <a:endParaRPr kumimoji="0" lang="en-US" altLang="en-US" sz="1300" b="0" i="0" u="none" strike="noStrike" cap="none" normalizeH="0" baseline="0" dirty="0">
+              <a:ln>
+                <a:noFill/>
+              </a:ln>
+              <a:solidFill>
+                <a:srgbClr val="E6E1DC"/>
+              </a:solidFill>
+              <a:effectLst/>
+              <a:latin typeface="Lucida Console" panose="020B0609040504020204" pitchFamily="49" charset="0"/>
+            </a:endParaRPr>
+          </a:p>
+          <a:p>
+            <a:pPr marL="0" marR="0" lvl="0" indent="0" algn="l" defTabSz="914400" rtl="0" eaLnBrk="0" fontAlgn="base" latinLnBrk="0" hangingPunct="0">
+              <a:lnSpc>
+                <a:spcPct val="100000"/>
+              </a:lnSpc>
+              <a:spcBef>
+                <a:spcPct val="0"/>
+              </a:spcBef>
+              <a:spcAft>
+                <a:spcPct val="0"/>
+              </a:spcAft>
+              <a:buClrTx/>
+              <a:buSzTx/>
+              <a:buFontTx/>
+              <a:buNone/>
+              <a:tabLst/>
+            </a:pPr>
+            <a:r>
+              <a:rPr kumimoji="0" lang="en-US" altLang="en-US" sz="1300" b="0" i="0" u="none" strike="noStrike" cap="none" normalizeH="0" baseline="0" dirty="0">
+                <a:ln>
+                  <a:noFill/>
+                </a:ln>
+                <a:solidFill>
+                  <a:srgbClr val="E6E1DC"/>
+                </a:solidFill>
+                <a:effectLst/>
+                <a:latin typeface="Lucida Console" panose="020B0609040504020204" pitchFamily="49" charset="0"/>
+              </a:rPr>
+              <a:t>Terms added sequentially (first to last) </a:t>
+            </a:r>
+          </a:p>
+          <a:p>
+            <a:pPr marL="0" marR="0" lvl="0" indent="0" algn="l" defTabSz="914400" rtl="0" eaLnBrk="0" fontAlgn="base" latinLnBrk="0" hangingPunct="0">
+              <a:lnSpc>
+                <a:spcPct val="100000"/>
+              </a:lnSpc>
+              <a:spcBef>
+                <a:spcPct val="0"/>
+              </a:spcBef>
+              <a:spcAft>
+                <a:spcPct val="0"/>
+              </a:spcAft>
+              <a:buClrTx/>
+              <a:buSzTx/>
+              <a:buFontTx/>
+              <a:buNone/>
+              <a:tabLst/>
+            </a:pPr>
+            <a:r>
+              <a:rPr kumimoji="0" lang="en-US" altLang="en-US" sz="1300" b="0" i="0" u="none" strike="noStrike" cap="none" normalizeH="0" baseline="0" dirty="0">
+                <a:ln>
+                  <a:noFill/>
+                </a:ln>
+                <a:solidFill>
+                  <a:srgbClr val="E6E1DC"/>
+                </a:solidFill>
+                <a:effectLst/>
+                <a:latin typeface="Lucida Console" panose="020B0609040504020204" pitchFamily="49" charset="0"/>
+              </a:rPr>
+              <a:t>	 Df  </a:t>
+            </a:r>
+            <a:r>
+              <a:rPr kumimoji="0" lang="en-US" altLang="en-US" sz="1300" b="0" i="0" u="none" strike="noStrike" cap="none" normalizeH="0" baseline="0" dirty="0" err="1">
+                <a:ln>
+                  <a:noFill/>
+                </a:ln>
+                <a:solidFill>
+                  <a:srgbClr val="E6E1DC"/>
+                </a:solidFill>
+                <a:effectLst/>
+                <a:latin typeface="Lucida Console" panose="020B0609040504020204" pitchFamily="49" charset="0"/>
+              </a:rPr>
+              <a:t>SumsOfSqs</a:t>
+            </a:r>
+            <a:r>
+              <a:rPr kumimoji="0" lang="en-US" altLang="en-US" sz="1300" b="0" i="0" u="none" strike="noStrike" cap="none" normalizeH="0" baseline="0" dirty="0">
+                <a:ln>
+                  <a:noFill/>
+                </a:ln>
+                <a:solidFill>
+                  <a:srgbClr val="E6E1DC"/>
+                </a:solidFill>
+                <a:effectLst/>
+                <a:latin typeface="Lucida Console" panose="020B0609040504020204" pitchFamily="49" charset="0"/>
+              </a:rPr>
+              <a:t> </a:t>
+            </a:r>
+            <a:r>
+              <a:rPr kumimoji="0" lang="en-US" altLang="en-US" sz="1300" b="0" i="0" u="none" strike="noStrike" cap="none" normalizeH="0" baseline="0" dirty="0" err="1">
+                <a:ln>
+                  <a:noFill/>
+                </a:ln>
+                <a:solidFill>
+                  <a:srgbClr val="E6E1DC"/>
+                </a:solidFill>
+                <a:effectLst/>
+                <a:latin typeface="Lucida Console" panose="020B0609040504020204" pitchFamily="49" charset="0"/>
+              </a:rPr>
+              <a:t>MeanSqs</a:t>
+            </a:r>
+            <a:r>
+              <a:rPr kumimoji="0" lang="en-US" altLang="en-US" sz="1300" b="0" i="0" u="none" strike="noStrike" cap="none" normalizeH="0" baseline="0" dirty="0">
+                <a:ln>
+                  <a:noFill/>
+                </a:ln>
+                <a:solidFill>
+                  <a:srgbClr val="E6E1DC"/>
+                </a:solidFill>
+                <a:effectLst/>
+                <a:latin typeface="Lucida Console" panose="020B0609040504020204" pitchFamily="49" charset="0"/>
+              </a:rPr>
+              <a:t> </a:t>
+            </a:r>
+            <a:r>
+              <a:rPr kumimoji="0" lang="en-US" altLang="en-US" sz="1300" b="0" i="0" u="none" strike="noStrike" cap="none" normalizeH="0" baseline="0" dirty="0" err="1">
+                <a:ln>
+                  <a:noFill/>
+                </a:ln>
+                <a:solidFill>
+                  <a:srgbClr val="E6E1DC"/>
+                </a:solidFill>
+                <a:effectLst/>
+                <a:latin typeface="Lucida Console" panose="020B0609040504020204" pitchFamily="49" charset="0"/>
+              </a:rPr>
+              <a:t>F.Model</a:t>
+            </a:r>
+            <a:r>
+              <a:rPr kumimoji="0" lang="en-US" altLang="en-US" sz="1300" b="0" i="0" u="none" strike="noStrike" cap="none" normalizeH="0" baseline="0" dirty="0">
+                <a:ln>
+                  <a:noFill/>
+                </a:ln>
+                <a:solidFill>
+                  <a:srgbClr val="E6E1DC"/>
+                </a:solidFill>
+                <a:effectLst/>
+                <a:latin typeface="Lucida Console" panose="020B0609040504020204" pitchFamily="49" charset="0"/>
+              </a:rPr>
+              <a:t> R2 </a:t>
+            </a:r>
+            <a:r>
+              <a:rPr kumimoji="0" lang="en-US" altLang="en-US" sz="1300" b="0" i="0" u="none" strike="noStrike" cap="none" normalizeH="0" baseline="0" dirty="0" err="1">
+                <a:ln>
+                  <a:noFill/>
+                </a:ln>
+                <a:solidFill>
+                  <a:srgbClr val="E6E1DC"/>
+                </a:solidFill>
+                <a:effectLst/>
+                <a:latin typeface="Lucida Console" panose="020B0609040504020204" pitchFamily="49" charset="0"/>
+              </a:rPr>
+              <a:t>Pr</a:t>
+            </a:r>
+            <a:r>
+              <a:rPr kumimoji="0" lang="en-US" altLang="en-US" sz="1300" b="0" i="0" u="none" strike="noStrike" cap="none" normalizeH="0" baseline="0" dirty="0">
+                <a:ln>
+                  <a:noFill/>
+                </a:ln>
+                <a:solidFill>
+                  <a:srgbClr val="E6E1DC"/>
+                </a:solidFill>
+                <a:effectLst/>
+                <a:latin typeface="Lucida Console" panose="020B0609040504020204" pitchFamily="49" charset="0"/>
+              </a:rPr>
+              <a:t>(&gt;F) </a:t>
+            </a:r>
+          </a:p>
+          <a:p>
+            <a:pPr marL="0" marR="0" lvl="0" indent="0" algn="l" defTabSz="914400" rtl="0" eaLnBrk="0" fontAlgn="base" latinLnBrk="0" hangingPunct="0">
+              <a:lnSpc>
+                <a:spcPct val="100000"/>
+              </a:lnSpc>
+              <a:spcBef>
+                <a:spcPct val="0"/>
+              </a:spcBef>
+              <a:spcAft>
+                <a:spcPct val="0"/>
+              </a:spcAft>
+              <a:buClrTx/>
+              <a:buSzTx/>
+              <a:buFontTx/>
+              <a:buNone/>
+              <a:tabLst/>
+            </a:pPr>
+            <a:r>
+              <a:rPr kumimoji="0" lang="en-US" altLang="en-US" sz="1300" b="0" i="0" u="none" strike="noStrike" cap="none" normalizeH="0" baseline="0" dirty="0">
+                <a:ln>
+                  <a:noFill/>
+                </a:ln>
+                <a:solidFill>
+                  <a:srgbClr val="E6E1DC"/>
+                </a:solidFill>
+                <a:effectLst/>
+                <a:latin typeface="Lucida Console" panose="020B0609040504020204" pitchFamily="49" charset="0"/>
+              </a:rPr>
+              <a:t>case  	 1    157741  157741  3.8181 0.04667  0.064 .</a:t>
+            </a:r>
+          </a:p>
+          <a:p>
+            <a:pPr marL="0" marR="0" lvl="0" indent="0" algn="l" defTabSz="914400" rtl="0" eaLnBrk="0" fontAlgn="base" latinLnBrk="0" hangingPunct="0">
+              <a:lnSpc>
+                <a:spcPct val="100000"/>
+              </a:lnSpc>
+              <a:spcBef>
+                <a:spcPct val="0"/>
+              </a:spcBef>
+              <a:spcAft>
+                <a:spcPct val="0"/>
+              </a:spcAft>
+              <a:buClrTx/>
+              <a:buSzTx/>
+              <a:buFontTx/>
+              <a:buNone/>
+              <a:tabLst/>
+            </a:pPr>
+            <a:r>
+              <a:rPr kumimoji="0" lang="en-US" altLang="en-US" sz="1300" b="0" i="0" u="none" strike="noStrike" cap="none" normalizeH="0" baseline="0" dirty="0">
+                <a:ln>
+                  <a:noFill/>
+                </a:ln>
+                <a:solidFill>
+                  <a:srgbClr val="E6E1DC"/>
+                </a:solidFill>
+                <a:effectLst/>
+                <a:latin typeface="Lucida Console" panose="020B0609040504020204" pitchFamily="49" charset="0"/>
+              </a:rPr>
+              <a:t>Residuals 78   3222517   41314         0.95333         </a:t>
+            </a:r>
+          </a:p>
+          <a:p>
+            <a:pPr marL="0" marR="0" lvl="0" indent="0" algn="l" defTabSz="914400" rtl="0" eaLnBrk="0" fontAlgn="base" latinLnBrk="0" hangingPunct="0">
+              <a:lnSpc>
+                <a:spcPct val="100000"/>
+              </a:lnSpc>
+              <a:spcBef>
+                <a:spcPct val="0"/>
+              </a:spcBef>
+              <a:spcAft>
+                <a:spcPct val="0"/>
+              </a:spcAft>
+              <a:buClrTx/>
+              <a:buSzTx/>
+              <a:buFontTx/>
+              <a:buNone/>
+              <a:tabLst/>
+            </a:pPr>
+            <a:r>
+              <a:rPr kumimoji="0" lang="en-US" altLang="en-US" sz="1300" b="0" i="0" u="none" strike="noStrike" cap="none" normalizeH="0" baseline="0" dirty="0">
+                <a:ln>
+                  <a:noFill/>
+                </a:ln>
+                <a:solidFill>
+                  <a:srgbClr val="E6E1DC"/>
+                </a:solidFill>
+                <a:effectLst/>
+                <a:latin typeface="Lucida Console" panose="020B0609040504020204" pitchFamily="49" charset="0"/>
+              </a:rPr>
+              <a:t>Total     79   3380257                 1.00000         </a:t>
+            </a:r>
+          </a:p>
+          <a:p>
+            <a:pPr marL="0" marR="0" lvl="0" indent="0" algn="l" defTabSz="914400" rtl="0" eaLnBrk="0" fontAlgn="base" latinLnBrk="0" hangingPunct="0">
+              <a:lnSpc>
+                <a:spcPct val="100000"/>
+              </a:lnSpc>
+              <a:spcBef>
+                <a:spcPct val="0"/>
+              </a:spcBef>
+              <a:spcAft>
+                <a:spcPct val="0"/>
+              </a:spcAft>
+              <a:buClrTx/>
+              <a:buSzTx/>
+              <a:buFontTx/>
+              <a:buNone/>
+              <a:tabLst/>
+            </a:pPr>
+            <a:r>
+              <a:rPr kumimoji="0" lang="en-US" altLang="en-US" sz="1300" b="0" i="0" u="none" strike="noStrike" cap="none" normalizeH="0" baseline="0" dirty="0">
+                <a:ln>
+                  <a:noFill/>
+                </a:ln>
+                <a:solidFill>
+                  <a:srgbClr val="E6E1DC"/>
+                </a:solidFill>
+                <a:effectLst/>
+                <a:latin typeface="Lucida Console" panose="020B0609040504020204" pitchFamily="49" charset="0"/>
+              </a:rPr>
+              <a:t>--- </a:t>
+            </a:r>
+          </a:p>
+          <a:p>
+            <a:pPr marL="0" marR="0" lvl="0" indent="0" algn="l" defTabSz="914400" rtl="0" eaLnBrk="0" fontAlgn="base" latinLnBrk="0" hangingPunct="0">
+              <a:lnSpc>
+                <a:spcPct val="100000"/>
+              </a:lnSpc>
+              <a:spcBef>
+                <a:spcPct val="0"/>
+              </a:spcBef>
+              <a:spcAft>
+                <a:spcPct val="0"/>
+              </a:spcAft>
+              <a:buClrTx/>
+              <a:buSzTx/>
+              <a:buFontTx/>
+              <a:buNone/>
+              <a:tabLst/>
+            </a:pPr>
+            <a:r>
+              <a:rPr kumimoji="0" lang="en-US" altLang="en-US" sz="1300" b="0" i="0" u="none" strike="noStrike" cap="none" normalizeH="0" baseline="0" dirty="0" err="1">
+                <a:ln>
+                  <a:noFill/>
+                </a:ln>
+                <a:solidFill>
+                  <a:srgbClr val="E6E1DC"/>
+                </a:solidFill>
+                <a:effectLst/>
+                <a:latin typeface="Lucida Console" panose="020B0609040504020204" pitchFamily="49" charset="0"/>
+              </a:rPr>
+              <a:t>Signif</a:t>
+            </a:r>
+            <a:r>
+              <a:rPr kumimoji="0" lang="en-US" altLang="en-US" sz="1300" b="0" i="0" u="none" strike="noStrike" cap="none" normalizeH="0" baseline="0" dirty="0">
+                <a:ln>
+                  <a:noFill/>
+                </a:ln>
+                <a:solidFill>
+                  <a:srgbClr val="E6E1DC"/>
+                </a:solidFill>
+                <a:effectLst/>
+                <a:latin typeface="Lucida Console" panose="020B0609040504020204" pitchFamily="49" charset="0"/>
+              </a:rPr>
+              <a:t>. codes: 0 ‘***’ 0.001 ‘**’ 0.01 ‘*’ 0.05 ‘.’ 0.1 ‘ ’ 1</a:t>
+            </a:r>
+            <a:endParaRPr kumimoji="0" lang="en-US" altLang="en-US" sz="1800" b="0" i="0" u="none" strike="noStrike" cap="none" normalizeH="0" baseline="0" dirty="0">
+              <a:ln>
+                <a:noFill/>
+              </a:ln>
+              <a:solidFill>
+                <a:schemeClr val="tx1"/>
+              </a:solidFill>
+              <a:effectLst/>
+              <a:latin typeface="Arial" panose="020B0604020202020204" pitchFamily="34" charset="0"/>
+            </a:endParaRPr>
+          </a:p>
+        </p:txBody>
+      </p:sp>
+      <p:pic>
+        <p:nvPicPr>
+          <p:cNvPr id="9" name="Picture 8">
+            <a:extLst>
+              <a:ext uri="{FF2B5EF4-FFF2-40B4-BE49-F238E27FC236}">
+                <a16:creationId xmlns:a16="http://schemas.microsoft.com/office/drawing/2014/main" id="{EC75A509-7B90-4EEE-8FAD-75D7CAB00F78}"/>
+              </a:ext>
+            </a:extLst>
+          </p:cNvPr>
+          <p:cNvPicPr>
+            <a:picLocks noChangeAspect="1"/>
+          </p:cNvPicPr>
+          <p:nvPr/>
+        </p:nvPicPr>
+        <p:blipFill rotWithShape="1">
+          <a:blip r:embed="rId2"/>
+          <a:srcRect r="22749" b="12866"/>
+          <a:stretch/>
+        </p:blipFill>
+        <p:spPr>
+          <a:xfrm>
+            <a:off x="7148950" y="3890665"/>
+            <a:ext cx="4924215" cy="1872182"/>
+          </a:xfrm>
+          <a:prstGeom prst="rect">
+            <a:avLst/>
+          </a:prstGeom>
+        </p:spPr>
+      </p:pic>
+      <p:sp>
+        <p:nvSpPr>
+          <p:cNvPr id="11" name="TextBox 10">
+            <a:extLst>
+              <a:ext uri="{FF2B5EF4-FFF2-40B4-BE49-F238E27FC236}">
+                <a16:creationId xmlns:a16="http://schemas.microsoft.com/office/drawing/2014/main" id="{320A0071-9EE4-4F03-99CB-224CB7186B22}"/>
+              </a:ext>
+            </a:extLst>
+          </p:cNvPr>
+          <p:cNvSpPr txBox="1"/>
+          <p:nvPr/>
+        </p:nvSpPr>
+        <p:spPr>
+          <a:xfrm>
+            <a:off x="7148950" y="3429000"/>
+            <a:ext cx="4924215" cy="461665"/>
+          </a:xfrm>
+          <a:prstGeom prst="rect">
+            <a:avLst/>
+          </a:prstGeom>
+          <a:noFill/>
+        </p:spPr>
+        <p:txBody>
+          <a:bodyPr wrap="square">
+            <a:spAutoFit/>
+          </a:bodyPr>
+          <a:lstStyle/>
+          <a:p>
+            <a:pPr algn="ctr"/>
+            <a:r>
+              <a:rPr lang="en-US" sz="2400" u="sng" dirty="0" err="1"/>
+              <a:t>Betadisper</a:t>
+            </a:r>
+            <a:endParaRPr lang="en-US" sz="2400" dirty="0"/>
+          </a:p>
+        </p:txBody>
+      </p:sp>
+      <p:pic>
+        <p:nvPicPr>
+          <p:cNvPr id="13" name="Picture 12" descr="A close up of a map&#10;&#10;Description automatically generated">
+            <a:extLst>
+              <a:ext uri="{FF2B5EF4-FFF2-40B4-BE49-F238E27FC236}">
+                <a16:creationId xmlns:a16="http://schemas.microsoft.com/office/drawing/2014/main" id="{19AD850B-CEEB-4313-9438-2828CCFD2AB3}"/>
+              </a:ext>
+            </a:extLst>
+          </p:cNvPr>
+          <p:cNvPicPr>
+            <a:picLocks noChangeAspect="1"/>
+          </p:cNvPicPr>
+          <p:nvPr/>
+        </p:nvPicPr>
+        <p:blipFill rotWithShape="1">
+          <a:blip r:embed="rId3">
+            <a:extLst>
+              <a:ext uri="{28A0092B-C50C-407E-A947-70E740481C1C}">
+                <a14:useLocalDpi xmlns:a14="http://schemas.microsoft.com/office/drawing/2010/main" val="0"/>
+              </a:ext>
+            </a:extLst>
+          </a:blip>
+          <a:srcRect t="15173" b="11970"/>
+          <a:stretch/>
+        </p:blipFill>
+        <p:spPr>
+          <a:xfrm>
+            <a:off x="696905" y="255826"/>
+            <a:ext cx="10798190" cy="2458483"/>
+          </a:xfrm>
+          <a:prstGeom prst="rect">
+            <a:avLst/>
+          </a:prstGeom>
+        </p:spPr>
+      </p:pic>
+    </p:spTree>
+    <p:extLst>
+      <p:ext uri="{BB962C8B-B14F-4D97-AF65-F5344CB8AC3E}">
+        <p14:creationId xmlns:p14="http://schemas.microsoft.com/office/powerpoint/2010/main" val="760558916"/>
+      </p:ext>
+    </p:extLst>
+  </p:cSld>
+  <p:clrMapOvr>
+    <a:masterClrMapping/>
+  </p:clrMapOvr>
+</p:sld>
+</file>
+
+<file path=ppt/slides/slide12.xml><?xml version="1.0" encoding="utf-8"?>
+<p:sld xmlns:a="http://schemas.openxmlformats.org/drawingml/2006/main" xmlns:r="http://schemas.openxmlformats.org/officeDocument/2006/relationships" xmlns:p="http://schemas.openxmlformats.org/presentationml/2006/main">
+  <p:cSld>
+    <p:spTree>
+      <p:nvGrpSpPr>
+        <p:cNvPr id="1" name=""/>
+        <p:cNvGrpSpPr/>
+        <p:nvPr/>
+      </p:nvGrpSpPr>
+      <p:grpSpPr>
+        <a:xfrm>
+          <a:off x="0" y="0"/>
+          <a:ext cx="0" cy="0"/>
+          <a:chOff x="0" y="0"/>
+          <a:chExt cx="0" cy="0"/>
+        </a:xfrm>
+      </p:grpSpPr>
+      <p:pic>
+        <p:nvPicPr>
+          <p:cNvPr id="9" name="Picture 8" descr="A pencil and paper&#10;&#10;Description automatically generated">
+            <a:extLst>
+              <a:ext uri="{FF2B5EF4-FFF2-40B4-BE49-F238E27FC236}">
+                <a16:creationId xmlns:a16="http://schemas.microsoft.com/office/drawing/2014/main" id="{CC78CA76-853A-4127-9B2C-A4393E91D003}"/>
+              </a:ext>
+            </a:extLst>
+          </p:cNvPr>
+          <p:cNvPicPr>
+            <a:picLocks noChangeAspect="1"/>
+          </p:cNvPicPr>
+          <p:nvPr/>
+        </p:nvPicPr>
+        <p:blipFill rotWithShape="1">
+          <a:blip r:embed="rId2">
+            <a:extLst>
+              <a:ext uri="{28A0092B-C50C-407E-A947-70E740481C1C}">
+                <a14:useLocalDpi xmlns:a14="http://schemas.microsoft.com/office/drawing/2010/main" val="0"/>
+              </a:ext>
+            </a:extLst>
+          </a:blip>
+          <a:srcRect r="27267" b="2627"/>
+          <a:stretch/>
+        </p:blipFill>
+        <p:spPr>
+          <a:xfrm>
+            <a:off x="0" y="0"/>
+            <a:ext cx="10244800" cy="6857807"/>
+          </a:xfrm>
+          <a:prstGeom prst="rect">
+            <a:avLst/>
+          </a:prstGeom>
+        </p:spPr>
+      </p:pic>
+      <p:sp>
+        <p:nvSpPr>
+          <p:cNvPr id="7" name="TextBox 6">
+            <a:extLst>
+              <a:ext uri="{FF2B5EF4-FFF2-40B4-BE49-F238E27FC236}">
+                <a16:creationId xmlns:a16="http://schemas.microsoft.com/office/drawing/2014/main" id="{44CFDF76-9AFE-4E5A-AC6F-D166BABC3F69}"/>
+              </a:ext>
+            </a:extLst>
+          </p:cNvPr>
+          <p:cNvSpPr txBox="1"/>
+          <p:nvPr/>
+        </p:nvSpPr>
+        <p:spPr>
+          <a:xfrm>
+            <a:off x="10244800" y="0"/>
+            <a:ext cx="1947200" cy="1200329"/>
+          </a:xfrm>
+          <a:prstGeom prst="rect">
+            <a:avLst/>
+          </a:prstGeom>
+          <a:noFill/>
+        </p:spPr>
+        <p:txBody>
+          <a:bodyPr wrap="square" rtlCol="0">
+            <a:spAutoFit/>
+          </a:bodyPr>
+          <a:lstStyle/>
+          <a:p>
+            <a:pPr algn="ctr"/>
+            <a:r>
+              <a:rPr lang="en-US" sz="2400" u="sng" dirty="0"/>
+              <a:t> % Relative Abundance of Top25 Species</a:t>
+            </a:r>
+          </a:p>
+        </p:txBody>
+      </p:sp>
+      <p:grpSp>
+        <p:nvGrpSpPr>
+          <p:cNvPr id="14" name="Group 13">
+            <a:extLst>
+              <a:ext uri="{FF2B5EF4-FFF2-40B4-BE49-F238E27FC236}">
+                <a16:creationId xmlns:a16="http://schemas.microsoft.com/office/drawing/2014/main" id="{C7E77ACE-9A24-417A-B6DD-C59333B955DD}"/>
+              </a:ext>
+            </a:extLst>
+          </p:cNvPr>
+          <p:cNvGrpSpPr/>
+          <p:nvPr/>
+        </p:nvGrpSpPr>
+        <p:grpSpPr>
+          <a:xfrm>
+            <a:off x="10390832" y="1196065"/>
+            <a:ext cx="1655136" cy="4465675"/>
+            <a:chOff x="8931347" y="381000"/>
+            <a:chExt cx="1655136" cy="4465675"/>
+          </a:xfrm>
+        </p:grpSpPr>
+        <p:pic>
+          <p:nvPicPr>
+            <p:cNvPr id="11" name="Picture 10" descr="A pencil and paper&#10;&#10;Description automatically generated">
+              <a:extLst>
+                <a:ext uri="{FF2B5EF4-FFF2-40B4-BE49-F238E27FC236}">
+                  <a16:creationId xmlns:a16="http://schemas.microsoft.com/office/drawing/2014/main" id="{82995B14-FEC1-403B-A85D-64F85ED3FB12}"/>
+                </a:ext>
+              </a:extLst>
+            </p:cNvPr>
+            <p:cNvPicPr>
+              <a:picLocks noChangeAspect="1"/>
+            </p:cNvPicPr>
+            <p:nvPr/>
+          </p:nvPicPr>
+          <p:blipFill rotWithShape="1">
+            <a:blip r:embed="rId2">
+              <a:extLst>
+                <a:ext uri="{28A0092B-C50C-407E-A947-70E740481C1C}">
+                  <a14:useLocalDpi xmlns:a14="http://schemas.microsoft.com/office/drawing/2010/main" val="0"/>
+                </a:ext>
+              </a:extLst>
+            </a:blip>
+            <a:srcRect l="86831" t="24622" b="40320"/>
+            <a:stretch/>
+          </p:blipFill>
+          <p:spPr>
+            <a:xfrm>
+              <a:off x="8952613" y="2709530"/>
+              <a:ext cx="1605516" cy="2137145"/>
+            </a:xfrm>
+            <a:prstGeom prst="rect">
+              <a:avLst/>
+            </a:prstGeom>
+          </p:spPr>
+        </p:pic>
+        <p:pic>
+          <p:nvPicPr>
+            <p:cNvPr id="13" name="Picture 12" descr="A pencil and paper&#10;&#10;Description automatically generated">
+              <a:extLst>
+                <a:ext uri="{FF2B5EF4-FFF2-40B4-BE49-F238E27FC236}">
+                  <a16:creationId xmlns:a16="http://schemas.microsoft.com/office/drawing/2014/main" id="{21D20D4E-7825-4F61-8C7A-53D4F72E604D}"/>
+                </a:ext>
+              </a:extLst>
+            </p:cNvPr>
+            <p:cNvPicPr>
+              <a:picLocks noChangeAspect="1"/>
+            </p:cNvPicPr>
+            <p:nvPr/>
+          </p:nvPicPr>
+          <p:blipFill rotWithShape="1">
+            <a:blip r:embed="rId2">
+              <a:extLst>
+                <a:ext uri="{28A0092B-C50C-407E-A947-70E740481C1C}">
+                  <a14:useLocalDpi xmlns:a14="http://schemas.microsoft.com/office/drawing/2010/main" val="0"/>
+                </a:ext>
+              </a:extLst>
+            </a:blip>
+            <a:srcRect l="73256" t="24042" r="13168" b="37760"/>
+            <a:stretch/>
+          </p:blipFill>
+          <p:spPr>
+            <a:xfrm>
+              <a:off x="8931347" y="381000"/>
+              <a:ext cx="1655136" cy="2328530"/>
+            </a:xfrm>
+            <a:prstGeom prst="rect">
+              <a:avLst/>
+            </a:prstGeom>
+          </p:spPr>
+        </p:pic>
+      </p:grpSp>
+    </p:spTree>
+    <p:extLst>
+      <p:ext uri="{BB962C8B-B14F-4D97-AF65-F5344CB8AC3E}">
+        <p14:creationId xmlns:p14="http://schemas.microsoft.com/office/powerpoint/2010/main" val="1242351026"/>
+      </p:ext>
+    </p:extLst>
+  </p:cSld>
+  <p:clrMapOvr>
+    <a:masterClrMapping/>
+  </p:clrMapOvr>
+</p:sld>
+</file>
+
+<file path=ppt/slides/slide13.xml><?xml version="1.0" encoding="utf-8"?>
+<p:sld xmlns:a="http://schemas.openxmlformats.org/drawingml/2006/main" xmlns:r="http://schemas.openxmlformats.org/officeDocument/2006/relationships" xmlns:p="http://schemas.openxmlformats.org/presentationml/2006/main">
+  <p:cSld>
+    <p:spTree>
+      <p:nvGrpSpPr>
+        <p:cNvPr id="1" name=""/>
+        <p:cNvGrpSpPr/>
+        <p:nvPr/>
+      </p:nvGrpSpPr>
+      <p:grpSpPr>
+        <a:xfrm>
+          <a:off x="0" y="0"/>
+          <a:ext cx="0" cy="0"/>
+          <a:chOff x="0" y="0"/>
+          <a:chExt cx="0" cy="0"/>
+        </a:xfrm>
+      </p:grpSpPr>
+      <p:sp>
+        <p:nvSpPr>
           <p:cNvPr id="7" name="TextBox 6">
             <a:extLst>
               <a:ext uri="{FF2B5EF4-FFF2-40B4-BE49-F238E27FC236}">
@@ -3544,7 +6356,7 @@
 </p:sld>
 </file>
 
-<file path=ppt/slides/slide11.xml><?xml version="1.0" encoding="utf-8"?>
+<file path=ppt/slides/slide14.xml><?xml version="1.0" encoding="utf-8"?>
 <p:sld xmlns:a="http://schemas.openxmlformats.org/drawingml/2006/main" xmlns:r="http://schemas.openxmlformats.org/officeDocument/2006/relationships" xmlns:p="http://schemas.openxmlformats.org/presentationml/2006/main">
   <p:cSld>
     <p:spTree>
@@ -3693,7 +6505,7 @@
 </p:sld>
 </file>
 
-<file path=ppt/slides/slide12.xml><?xml version="1.0" encoding="utf-8"?>
+<file path=ppt/slides/slide15.xml><?xml version="1.0" encoding="utf-8"?>
 <p:sld xmlns:a="http://schemas.openxmlformats.org/drawingml/2006/main" xmlns:r="http://schemas.openxmlformats.org/officeDocument/2006/relationships" xmlns:p="http://schemas.openxmlformats.org/presentationml/2006/main">
   <p:cSld>
     <p:spTree>
@@ -3812,81 +6624,274 @@
           <a:chExt cx="0" cy="0"/>
         </a:xfrm>
       </p:grpSpPr>
-      <p:pic>
-        <p:nvPicPr>
-          <p:cNvPr id="5" name="Picture 4" descr="A screenshot of a cell phone&#10;&#10;Description automatically generated">
-            <a:extLst>
-              <a:ext uri="{FF2B5EF4-FFF2-40B4-BE49-F238E27FC236}">
-                <a16:creationId xmlns:a16="http://schemas.microsoft.com/office/drawing/2014/main" id="{7EAF672B-3DC8-44B5-8318-CEB12696943B}"/>
-              </a:ext>
-            </a:extLst>
-          </p:cNvPr>
-          <p:cNvPicPr>
-            <a:picLocks noChangeAspect="1"/>
-          </p:cNvPicPr>
+      <p:grpSp>
+        <p:nvGrpSpPr>
+          <p:cNvPr id="66" name="Group 65">
+            <a:extLst>
+              <a:ext uri="{FF2B5EF4-FFF2-40B4-BE49-F238E27FC236}">
+                <a16:creationId xmlns:a16="http://schemas.microsoft.com/office/drawing/2014/main" id="{218DD1B4-1DDC-4416-960D-4C13DAA82709}"/>
+              </a:ext>
+            </a:extLst>
+          </p:cNvPr>
+          <p:cNvGrpSpPr/>
           <p:nvPr/>
-        </p:nvPicPr>
-        <p:blipFill rotWithShape="1">
-          <a:blip r:embed="rId2">
-            <a:extLst>
-              <a:ext uri="{28A0092B-C50C-407E-A947-70E740481C1C}">
-                <a14:useLocalDpi xmlns:a14="http://schemas.microsoft.com/office/drawing/2010/main" val="0"/>
-              </a:ext>
-            </a:extLst>
-          </a:blip>
-          <a:srcRect t="9302"/>
-          <a:stretch/>
-        </p:blipFill>
-        <p:spPr>
+        </p:nvGrpSpPr>
+        <p:grpSpPr>
           <a:xfrm>
-            <a:off x="0" y="574154"/>
-            <a:ext cx="12192000" cy="6220047"/>
+            <a:off x="1" y="0"/>
+            <a:ext cx="12191999" cy="6798562"/>
+            <a:chOff x="1" y="0"/>
+            <a:chExt cx="12191999" cy="6798562"/>
           </a:xfrm>
-          <a:prstGeom prst="rect">
-            <a:avLst/>
-          </a:prstGeom>
-        </p:spPr>
-      </p:pic>
-      <p:sp>
-        <p:nvSpPr>
-          <p:cNvPr id="7" name="TextBox 6">
-            <a:extLst>
-              <a:ext uri="{FF2B5EF4-FFF2-40B4-BE49-F238E27FC236}">
-                <a16:creationId xmlns:a16="http://schemas.microsoft.com/office/drawing/2014/main" id="{2F15BC58-3F41-47E8-8E7F-6970CA6D890F}"/>
-              </a:ext>
-            </a:extLst>
-          </p:cNvPr>
-          <p:cNvSpPr txBox="1"/>
-          <p:nvPr/>
-        </p:nvSpPr>
-        <p:spPr>
-          <a:xfrm>
-            <a:off x="504696" y="18246"/>
-            <a:ext cx="11260121" cy="461665"/>
-          </a:xfrm>
-          <a:prstGeom prst="rect">
-            <a:avLst/>
-          </a:prstGeom>
-          <a:noFill/>
-        </p:spPr>
-        <p:txBody>
-          <a:bodyPr wrap="square" rtlCol="0">
-            <a:spAutoFit/>
-          </a:bodyPr>
-          <a:lstStyle/>
-          <a:p>
-            <a:pPr algn="ctr"/>
-            <a:r>
-              <a:rPr lang="en-US" sz="2400" u="sng" dirty="0"/>
-              <a:t>Dendrogram of Euclidean distances of VST transformed counts by case</a:t>
-            </a:r>
-          </a:p>
-        </p:txBody>
-      </p:sp>
+        </p:grpSpPr>
+        <p:grpSp>
+          <p:nvGrpSpPr>
+            <p:cNvPr id="63" name="Group 62">
+              <a:extLst>
+                <a:ext uri="{FF2B5EF4-FFF2-40B4-BE49-F238E27FC236}">
+                  <a16:creationId xmlns:a16="http://schemas.microsoft.com/office/drawing/2014/main" id="{3DC638AF-CCC4-4779-B530-736E2D69F41A}"/>
+                </a:ext>
+              </a:extLst>
+            </p:cNvPr>
+            <p:cNvGrpSpPr/>
+            <p:nvPr/>
+          </p:nvGrpSpPr>
+          <p:grpSpPr>
+            <a:xfrm>
+              <a:off x="1" y="672440"/>
+              <a:ext cx="12173749" cy="6126122"/>
+              <a:chOff x="1" y="672440"/>
+              <a:chExt cx="12173749" cy="6126122"/>
+            </a:xfrm>
+          </p:grpSpPr>
+          <p:grpSp>
+            <p:nvGrpSpPr>
+              <p:cNvPr id="59" name="Group 58">
+                <a:extLst>
+                  <a:ext uri="{FF2B5EF4-FFF2-40B4-BE49-F238E27FC236}">
+                    <a16:creationId xmlns:a16="http://schemas.microsoft.com/office/drawing/2014/main" id="{DBC01BFF-A143-4116-B023-B4434C31D751}"/>
+                  </a:ext>
+                </a:extLst>
+              </p:cNvPr>
+              <p:cNvGrpSpPr/>
+              <p:nvPr/>
+            </p:nvGrpSpPr>
+            <p:grpSpPr>
+              <a:xfrm>
+                <a:off x="1" y="672440"/>
+                <a:ext cx="4145279" cy="5481798"/>
+                <a:chOff x="1" y="59438"/>
+                <a:chExt cx="4145279" cy="5481798"/>
+              </a:xfrm>
+            </p:grpSpPr>
+            <p:pic>
+              <p:nvPicPr>
+                <p:cNvPr id="34" name="Picture 33" descr="A screenshot of a video game&#10;&#10;Description automatically generated">
+                  <a:extLst>
+                    <a:ext uri="{FF2B5EF4-FFF2-40B4-BE49-F238E27FC236}">
+                      <a16:creationId xmlns:a16="http://schemas.microsoft.com/office/drawing/2014/main" id="{BA6DEAE5-A442-4228-9E14-93B2F19C459E}"/>
+                    </a:ext>
+                  </a:extLst>
+                </p:cNvPr>
+                <p:cNvPicPr>
+                  <a:picLocks noChangeAspect="1"/>
+                </p:cNvPicPr>
+                <p:nvPr/>
+              </p:nvPicPr>
+              <p:blipFill>
+                <a:blip r:embed="rId2">
+                  <a:extLst>
+                    <a:ext uri="{28A0092B-C50C-407E-A947-70E740481C1C}">
+                      <a14:useLocalDpi xmlns:a14="http://schemas.microsoft.com/office/drawing/2010/main" val="0"/>
+                    </a:ext>
+                  </a:extLst>
+                </a:blip>
+                <a:stretch>
+                  <a:fillRect/>
+                </a:stretch>
+              </p:blipFill>
+              <p:spPr>
+                <a:xfrm>
+                  <a:off x="30480" y="59438"/>
+                  <a:ext cx="4114800" cy="2743200"/>
+                </a:xfrm>
+                <a:prstGeom prst="rect">
+                  <a:avLst/>
+                </a:prstGeom>
+              </p:spPr>
+            </p:pic>
+            <p:pic>
+              <p:nvPicPr>
+                <p:cNvPr id="36" name="Picture 35">
+                  <a:extLst>
+                    <a:ext uri="{FF2B5EF4-FFF2-40B4-BE49-F238E27FC236}">
+                      <a16:creationId xmlns:a16="http://schemas.microsoft.com/office/drawing/2014/main" id="{0B74B672-AF34-4788-A46F-849630A3A668}"/>
+                    </a:ext>
+                  </a:extLst>
+                </p:cNvPr>
+                <p:cNvPicPr>
+                  <a:picLocks noChangeAspect="1"/>
+                </p:cNvPicPr>
+                <p:nvPr/>
+              </p:nvPicPr>
+              <p:blipFill>
+                <a:blip r:embed="rId3">
+                  <a:extLst>
+                    <a:ext uri="{28A0092B-C50C-407E-A947-70E740481C1C}">
+                      <a14:useLocalDpi xmlns:a14="http://schemas.microsoft.com/office/drawing/2010/main" val="0"/>
+                    </a:ext>
+                  </a:extLst>
+                </a:blip>
+                <a:stretch>
+                  <a:fillRect/>
+                </a:stretch>
+              </p:blipFill>
+              <p:spPr>
+                <a:xfrm>
+                  <a:off x="1" y="2798036"/>
+                  <a:ext cx="4114800" cy="2743200"/>
+                </a:xfrm>
+                <a:prstGeom prst="rect">
+                  <a:avLst/>
+                </a:prstGeom>
+              </p:spPr>
+            </p:pic>
+          </p:grpSp>
+          <p:grpSp>
+            <p:nvGrpSpPr>
+              <p:cNvPr id="61" name="Group 60">
+                <a:extLst>
+                  <a:ext uri="{FF2B5EF4-FFF2-40B4-BE49-F238E27FC236}">
+                    <a16:creationId xmlns:a16="http://schemas.microsoft.com/office/drawing/2014/main" id="{21A6AD8D-EBCF-4DFD-93B5-09F5B4F5FD2B}"/>
+                  </a:ext>
+                </a:extLst>
+              </p:cNvPr>
+              <p:cNvGrpSpPr/>
+              <p:nvPr/>
+            </p:nvGrpSpPr>
+            <p:grpSpPr>
+              <a:xfrm>
+                <a:off x="4020350" y="4055362"/>
+                <a:ext cx="8153400" cy="2743200"/>
+                <a:chOff x="4038600" y="4055362"/>
+                <a:chExt cx="8153400" cy="2743200"/>
+              </a:xfrm>
+            </p:grpSpPr>
+            <p:pic>
+              <p:nvPicPr>
+                <p:cNvPr id="56" name="Picture 55" descr="A map of a person&#10;&#10;Description automatically generated">
+                  <a:extLst>
+                    <a:ext uri="{FF2B5EF4-FFF2-40B4-BE49-F238E27FC236}">
+                      <a16:creationId xmlns:a16="http://schemas.microsoft.com/office/drawing/2014/main" id="{CDD6B37E-AEB9-45D0-BF64-25BB9F3AA616}"/>
+                    </a:ext>
+                  </a:extLst>
+                </p:cNvPr>
+                <p:cNvPicPr>
+                  <a:picLocks noChangeAspect="1"/>
+                </p:cNvPicPr>
+                <p:nvPr/>
+              </p:nvPicPr>
+              <p:blipFill>
+                <a:blip r:embed="rId4">
+                  <a:extLst>
+                    <a:ext uri="{28A0092B-C50C-407E-A947-70E740481C1C}">
+                      <a14:useLocalDpi xmlns:a14="http://schemas.microsoft.com/office/drawing/2010/main" val="0"/>
+                    </a:ext>
+                  </a:extLst>
+                </a:blip>
+                <a:stretch>
+                  <a:fillRect/>
+                </a:stretch>
+              </p:blipFill>
+              <p:spPr>
+                <a:xfrm>
+                  <a:off x="4038600" y="4055362"/>
+                  <a:ext cx="4114800" cy="2743200"/>
+                </a:xfrm>
+                <a:prstGeom prst="rect">
+                  <a:avLst/>
+                </a:prstGeom>
+              </p:spPr>
+            </p:pic>
+            <p:pic>
+              <p:nvPicPr>
+                <p:cNvPr id="58" name="Picture 57" descr="A close up of a map&#10;&#10;Description automatically generated">
+                  <a:extLst>
+                    <a:ext uri="{FF2B5EF4-FFF2-40B4-BE49-F238E27FC236}">
+                      <a16:creationId xmlns:a16="http://schemas.microsoft.com/office/drawing/2014/main" id="{9E1096A7-9C8A-4BC2-99F1-D84215DAE4AC}"/>
+                    </a:ext>
+                  </a:extLst>
+                </p:cNvPr>
+                <p:cNvPicPr>
+                  <a:picLocks noChangeAspect="1"/>
+                </p:cNvPicPr>
+                <p:nvPr/>
+              </p:nvPicPr>
+              <p:blipFill>
+                <a:blip r:embed="rId5">
+                  <a:extLst>
+                    <a:ext uri="{28A0092B-C50C-407E-A947-70E740481C1C}">
+                      <a14:useLocalDpi xmlns:a14="http://schemas.microsoft.com/office/drawing/2010/main" val="0"/>
+                    </a:ext>
+                  </a:extLst>
+                </a:blip>
+                <a:stretch>
+                  <a:fillRect/>
+                </a:stretch>
+              </p:blipFill>
+              <p:spPr>
+                <a:xfrm>
+                  <a:off x="8077200" y="4055362"/>
+                  <a:ext cx="4114800" cy="2743200"/>
+                </a:xfrm>
+                <a:prstGeom prst="rect">
+                  <a:avLst/>
+                </a:prstGeom>
+              </p:spPr>
+            </p:pic>
+          </p:grpSp>
+        </p:grpSp>
+        <p:pic>
+          <p:nvPicPr>
+            <p:cNvPr id="65" name="Picture 64" descr="A close up of a map&#10;&#10;Description automatically generated">
+              <a:extLst>
+                <a:ext uri="{FF2B5EF4-FFF2-40B4-BE49-F238E27FC236}">
+                  <a16:creationId xmlns:a16="http://schemas.microsoft.com/office/drawing/2014/main" id="{FE93187F-02A8-4060-BAD0-9085A178D1AD}"/>
+                </a:ext>
+              </a:extLst>
+            </p:cNvPr>
+            <p:cNvPicPr>
+              <a:picLocks noChangeAspect="1"/>
+            </p:cNvPicPr>
+            <p:nvPr/>
+          </p:nvPicPr>
+          <p:blipFill>
+            <a:blip r:embed="rId6">
+              <a:extLst>
+                <a:ext uri="{28A0092B-C50C-407E-A947-70E740481C1C}">
+                  <a14:useLocalDpi xmlns:a14="http://schemas.microsoft.com/office/drawing/2010/main" val="0"/>
+                </a:ext>
+              </a:extLst>
+            </a:blip>
+            <a:stretch>
+              <a:fillRect/>
+            </a:stretch>
+          </p:blipFill>
+          <p:spPr>
+            <a:xfrm>
+              <a:off x="4053526" y="0"/>
+              <a:ext cx="8138474" cy="4069238"/>
+            </a:xfrm>
+            <a:prstGeom prst="rect">
+              <a:avLst/>
+            </a:prstGeom>
+          </p:spPr>
+        </p:pic>
+      </p:grpSp>
     </p:spTree>
     <p:extLst>
       <p:ext uri="{BB962C8B-B14F-4D97-AF65-F5344CB8AC3E}">
-        <p14:creationId xmlns:p14="http://schemas.microsoft.com/office/powerpoint/2010/main" val="1271753763"/>
+        <p14:creationId xmlns:p14="http://schemas.microsoft.com/office/powerpoint/2010/main" val="4086775433"/>
       </p:ext>
     </p:extLst>
   </p:cSld>
@@ -3913,6 +6918,317 @@
           <a:chExt cx="0" cy="0"/>
         </a:xfrm>
       </p:grpSpPr>
+      <p:grpSp>
+        <p:nvGrpSpPr>
+          <p:cNvPr id="4" name="Group 3">
+            <a:extLst>
+              <a:ext uri="{FF2B5EF4-FFF2-40B4-BE49-F238E27FC236}">
+                <a16:creationId xmlns:a16="http://schemas.microsoft.com/office/drawing/2014/main" id="{E36C7DBC-B971-4978-9B40-1E527394D654}"/>
+              </a:ext>
+            </a:extLst>
+          </p:cNvPr>
+          <p:cNvGrpSpPr/>
+          <p:nvPr/>
+        </p:nvGrpSpPr>
+        <p:grpSpPr>
+          <a:xfrm>
+            <a:off x="-39905" y="78094"/>
+            <a:ext cx="12191056" cy="6649963"/>
+            <a:chOff x="-378592" y="13338"/>
+            <a:chExt cx="11797796" cy="6273436"/>
+          </a:xfrm>
+        </p:grpSpPr>
+        <p:pic>
+          <p:nvPicPr>
+            <p:cNvPr id="3" name="Picture 2" descr="A screenshot of a cell phone&#10;&#10;Description automatically generated">
+              <a:extLst>
+                <a:ext uri="{FF2B5EF4-FFF2-40B4-BE49-F238E27FC236}">
+                  <a16:creationId xmlns:a16="http://schemas.microsoft.com/office/drawing/2014/main" id="{0A357502-6456-4EF9-B282-3428F4315E7A}"/>
+                </a:ext>
+              </a:extLst>
+            </p:cNvPr>
+            <p:cNvPicPr>
+              <a:picLocks noChangeAspect="1"/>
+            </p:cNvPicPr>
+            <p:nvPr/>
+          </p:nvPicPr>
+          <p:blipFill>
+            <a:blip r:embed="rId2">
+              <a:extLst>
+                <a:ext uri="{28A0092B-C50C-407E-A947-70E740481C1C}">
+                  <a14:useLocalDpi xmlns:a14="http://schemas.microsoft.com/office/drawing/2010/main" val="0"/>
+                </a:ext>
+              </a:extLst>
+            </a:blip>
+            <a:stretch>
+              <a:fillRect/>
+            </a:stretch>
+          </p:blipFill>
+          <p:spPr>
+            <a:xfrm>
+              <a:off x="-378592" y="387876"/>
+              <a:ext cx="11797796" cy="5898898"/>
+            </a:xfrm>
+            <a:prstGeom prst="rect">
+              <a:avLst/>
+            </a:prstGeom>
+          </p:spPr>
+        </p:pic>
+        <p:pic>
+          <p:nvPicPr>
+            <p:cNvPr id="38" name="Picture 37" descr="A screenshot of a cell phone&#10;&#10;Description automatically generated">
+              <a:extLst>
+                <a:ext uri="{FF2B5EF4-FFF2-40B4-BE49-F238E27FC236}">
+                  <a16:creationId xmlns:a16="http://schemas.microsoft.com/office/drawing/2014/main" id="{0368F05E-C7F0-4C58-A62A-D9BEFB8086AB}"/>
+                </a:ext>
+              </a:extLst>
+            </p:cNvPr>
+            <p:cNvPicPr>
+              <a:picLocks noChangeAspect="1"/>
+            </p:cNvPicPr>
+            <p:nvPr/>
+          </p:nvPicPr>
+          <p:blipFill rotWithShape="1">
+            <a:blip r:embed="rId3">
+              <a:extLst>
+                <a:ext uri="{28A0092B-C50C-407E-A947-70E740481C1C}">
+                  <a14:useLocalDpi xmlns:a14="http://schemas.microsoft.com/office/drawing/2010/main" val="0"/>
+                </a:ext>
+              </a:extLst>
+            </a:blip>
+            <a:srcRect l="5999" t="19310" r="5204"/>
+            <a:stretch/>
+          </p:blipFill>
+          <p:spPr>
+            <a:xfrm>
+              <a:off x="-92743" y="13338"/>
+              <a:ext cx="11304248" cy="2054433"/>
+            </a:xfrm>
+            <a:prstGeom prst="rect">
+              <a:avLst/>
+            </a:prstGeom>
+          </p:spPr>
+        </p:pic>
+      </p:grpSp>
+    </p:spTree>
+    <p:extLst>
+      <p:ext uri="{BB962C8B-B14F-4D97-AF65-F5344CB8AC3E}">
+        <p14:creationId xmlns:p14="http://schemas.microsoft.com/office/powerpoint/2010/main" val="2067748324"/>
+      </p:ext>
+    </p:extLst>
+  </p:cSld>
+  <p:clrMapOvr>
+    <a:masterClrMapping/>
+  </p:clrMapOvr>
+</p:sld>
+</file>
+
+<file path=ppt/slides/slide4.xml><?xml version="1.0" encoding="utf-8"?>
+<p:sld xmlns:a="http://schemas.openxmlformats.org/drawingml/2006/main" xmlns:r="http://schemas.openxmlformats.org/officeDocument/2006/relationships" xmlns:p="http://schemas.openxmlformats.org/presentationml/2006/main">
+  <p:cSld>
+    <p:spTree>
+      <p:nvGrpSpPr>
+        <p:cNvPr id="1" name=""/>
+        <p:cNvGrpSpPr/>
+        <p:nvPr/>
+      </p:nvGrpSpPr>
+      <p:grpSpPr>
+        <a:xfrm>
+          <a:off x="0" y="0"/>
+          <a:ext cx="0" cy="0"/>
+          <a:chOff x="0" y="0"/>
+          <a:chExt cx="0" cy="0"/>
+        </a:xfrm>
+      </p:grpSpPr>
+      <p:sp>
+        <p:nvSpPr>
+          <p:cNvPr id="2" name="Title 1">
+            <a:extLst>
+              <a:ext uri="{FF2B5EF4-FFF2-40B4-BE49-F238E27FC236}">
+                <a16:creationId xmlns:a16="http://schemas.microsoft.com/office/drawing/2014/main" id="{CD6B8409-6A99-4645-8924-052A53BB9442}"/>
+              </a:ext>
+            </a:extLst>
+          </p:cNvPr>
+          <p:cNvSpPr>
+            <a:spLocks noGrp="1"/>
+          </p:cNvSpPr>
+          <p:nvPr>
+            <p:ph type="ctrTitle"/>
+          </p:nvPr>
+        </p:nvSpPr>
+        <p:spPr/>
+        <p:txBody>
+          <a:bodyPr>
+            <a:normAutofit fontScale="90000"/>
+          </a:bodyPr>
+          <a:lstStyle/>
+          <a:p>
+            <a:r>
+              <a:rPr lang="en-US" dirty="0"/>
+              <a:t>COVIRT-19 microbial subgroup analysis of BALF samples</a:t>
+            </a:r>
+          </a:p>
+        </p:txBody>
+      </p:sp>
+      <p:sp>
+        <p:nvSpPr>
+          <p:cNvPr id="3" name="Subtitle 2">
+            <a:extLst>
+              <a:ext uri="{FF2B5EF4-FFF2-40B4-BE49-F238E27FC236}">
+                <a16:creationId xmlns:a16="http://schemas.microsoft.com/office/drawing/2014/main" id="{4D0B40DB-D48E-479B-8EAD-9446BFAC97DA}"/>
+              </a:ext>
+            </a:extLst>
+          </p:cNvPr>
+          <p:cNvSpPr>
+            <a:spLocks noGrp="1"/>
+          </p:cNvSpPr>
+          <p:nvPr>
+            <p:ph type="subTitle" idx="1"/>
+          </p:nvPr>
+        </p:nvSpPr>
+        <p:spPr/>
+        <p:txBody>
+          <a:bodyPr/>
+          <a:lstStyle/>
+          <a:p>
+            <a:r>
+              <a:rPr lang="en-US" dirty="0"/>
+              <a:t>1 Sept 2020</a:t>
+            </a:r>
+          </a:p>
+        </p:txBody>
+      </p:sp>
+    </p:spTree>
+    <p:extLst>
+      <p:ext uri="{BB962C8B-B14F-4D97-AF65-F5344CB8AC3E}">
+        <p14:creationId xmlns:p14="http://schemas.microsoft.com/office/powerpoint/2010/main" val="3858849192"/>
+      </p:ext>
+    </p:extLst>
+  </p:cSld>
+  <p:clrMapOvr>
+    <a:masterClrMapping/>
+  </p:clrMapOvr>
+</p:sld>
+</file>
+
+<file path=ppt/slides/slide5.xml><?xml version="1.0" encoding="utf-8"?>
+<p:sld xmlns:a="http://schemas.openxmlformats.org/drawingml/2006/main" xmlns:r="http://schemas.openxmlformats.org/officeDocument/2006/relationships" xmlns:p="http://schemas.openxmlformats.org/presentationml/2006/main">
+  <p:cSld>
+    <p:spTree>
+      <p:nvGrpSpPr>
+        <p:cNvPr id="1" name=""/>
+        <p:cNvGrpSpPr/>
+        <p:nvPr/>
+      </p:nvGrpSpPr>
+      <p:grpSpPr>
+        <a:xfrm>
+          <a:off x="0" y="0"/>
+          <a:ext cx="0" cy="0"/>
+          <a:chOff x="0" y="0"/>
+          <a:chExt cx="0" cy="0"/>
+        </a:xfrm>
+      </p:grpSpPr>
+      <p:pic>
+        <p:nvPicPr>
+          <p:cNvPr id="5" name="Picture 4" descr="A screenshot of a cell phone&#10;&#10;Description automatically generated">
+            <a:extLst>
+              <a:ext uri="{FF2B5EF4-FFF2-40B4-BE49-F238E27FC236}">
+                <a16:creationId xmlns:a16="http://schemas.microsoft.com/office/drawing/2014/main" id="{7EAF672B-3DC8-44B5-8318-CEB12696943B}"/>
+              </a:ext>
+            </a:extLst>
+          </p:cNvPr>
+          <p:cNvPicPr>
+            <a:picLocks noChangeAspect="1"/>
+          </p:cNvPicPr>
+          <p:nvPr/>
+        </p:nvPicPr>
+        <p:blipFill rotWithShape="1">
+          <a:blip r:embed="rId2">
+            <a:extLst>
+              <a:ext uri="{28A0092B-C50C-407E-A947-70E740481C1C}">
+                <a14:useLocalDpi xmlns:a14="http://schemas.microsoft.com/office/drawing/2010/main" val="0"/>
+              </a:ext>
+            </a:extLst>
+          </a:blip>
+          <a:srcRect t="9302"/>
+          <a:stretch/>
+        </p:blipFill>
+        <p:spPr>
+          <a:xfrm>
+            <a:off x="0" y="574154"/>
+            <a:ext cx="12192000" cy="6220047"/>
+          </a:xfrm>
+          <a:prstGeom prst="rect">
+            <a:avLst/>
+          </a:prstGeom>
+        </p:spPr>
+      </p:pic>
+      <p:sp>
+        <p:nvSpPr>
+          <p:cNvPr id="7" name="TextBox 6">
+            <a:extLst>
+              <a:ext uri="{FF2B5EF4-FFF2-40B4-BE49-F238E27FC236}">
+                <a16:creationId xmlns:a16="http://schemas.microsoft.com/office/drawing/2014/main" id="{2F15BC58-3F41-47E8-8E7F-6970CA6D890F}"/>
+              </a:ext>
+            </a:extLst>
+          </p:cNvPr>
+          <p:cNvSpPr txBox="1"/>
+          <p:nvPr/>
+        </p:nvSpPr>
+        <p:spPr>
+          <a:xfrm>
+            <a:off x="504696" y="18246"/>
+            <a:ext cx="11260121" cy="461665"/>
+          </a:xfrm>
+          <a:prstGeom prst="rect">
+            <a:avLst/>
+          </a:prstGeom>
+          <a:noFill/>
+        </p:spPr>
+        <p:txBody>
+          <a:bodyPr wrap="square" rtlCol="0">
+            <a:spAutoFit/>
+          </a:bodyPr>
+          <a:lstStyle/>
+          <a:p>
+            <a:pPr algn="ctr"/>
+            <a:r>
+              <a:rPr lang="en-US" sz="2400" u="sng" dirty="0"/>
+              <a:t>Dendrogram of Euclidean distances of VST transformed counts by case</a:t>
+            </a:r>
+          </a:p>
+        </p:txBody>
+      </p:sp>
+    </p:spTree>
+    <p:extLst>
+      <p:ext uri="{BB962C8B-B14F-4D97-AF65-F5344CB8AC3E}">
+        <p14:creationId xmlns:p14="http://schemas.microsoft.com/office/powerpoint/2010/main" val="1271753763"/>
+      </p:ext>
+    </p:extLst>
+  </p:cSld>
+  <p:clrMapOvr>
+    <a:masterClrMapping/>
+  </p:clrMapOvr>
+</p:sld>
+</file>
+
+<file path=ppt/slides/slide6.xml><?xml version="1.0" encoding="utf-8"?>
+<p:sld xmlns:a="http://schemas.openxmlformats.org/drawingml/2006/main" xmlns:r="http://schemas.openxmlformats.org/officeDocument/2006/relationships" xmlns:p="http://schemas.openxmlformats.org/presentationml/2006/main">
+  <p:cSld>
+    <p:spTree>
+      <p:nvGrpSpPr>
+        <p:cNvPr id="1" name=""/>
+        <p:cNvGrpSpPr/>
+        <p:nvPr/>
+      </p:nvGrpSpPr>
+      <p:grpSpPr>
+        <a:xfrm>
+          <a:off x="0" y="0"/>
+          <a:ext cx="0" cy="0"/>
+          <a:chOff x="0" y="0"/>
+          <a:chExt cx="0" cy="0"/>
+        </a:xfrm>
+      </p:grpSpPr>
       <p:pic>
         <p:nvPicPr>
           <p:cNvPr id="3" name="Picture 2" descr="A close up of a logo&#10;&#10;Description automatically generated">
@@ -3997,7 +7313,7 @@
 </p:sld>
 </file>
 
-<file path=ppt/slides/slide4.xml><?xml version="1.0" encoding="utf-8"?>
+<file path=ppt/slides/slide7.xml><?xml version="1.0" encoding="utf-8"?>
 <p:sld xmlns:a="http://schemas.openxmlformats.org/drawingml/2006/main" xmlns:r="http://schemas.openxmlformats.org/officeDocument/2006/relationships" xmlns:p="http://schemas.openxmlformats.org/presentationml/2006/main">
   <p:cSld>
     <p:spTree>
@@ -4390,7 +7706,7 @@
 </p:sld>
 </file>
 
-<file path=ppt/slides/slide5.xml><?xml version="1.0" encoding="utf-8"?>
+<file path=ppt/slides/slide8.xml><?xml version="1.0" encoding="utf-8"?>
 <p:sld xmlns:a="http://schemas.openxmlformats.org/drawingml/2006/main" xmlns:r="http://schemas.openxmlformats.org/officeDocument/2006/relationships" xmlns:p="http://schemas.openxmlformats.org/presentationml/2006/main">
   <p:cSld>
     <p:spTree>
@@ -4551,7 +7867,7 @@
 </p:sld>
 </file>
 
-<file path=ppt/slides/slide6.xml><?xml version="1.0" encoding="utf-8"?>
+<file path=ppt/slides/slide9.xml><?xml version="1.0" encoding="utf-8"?>
 <p:sld xmlns:a="http://schemas.openxmlformats.org/drawingml/2006/main" xmlns:r="http://schemas.openxmlformats.org/officeDocument/2006/relationships" xmlns:p="http://schemas.openxmlformats.org/presentationml/2006/main">
   <p:cSld>
     <p:spTree>
@@ -4671,7 +7987,7 @@
             <a:pPr algn="ctr"/>
             <a:r>
               <a:rPr lang="en-US" sz="2400" u="sng" dirty="0"/>
-              <a:t>T-SNE plots of Bray Curtis dissimilarity of VST transformed counts by case and publication</a:t>
+              <a:t>T-SNE plots of Bray Curtis dissimilarity of counts by case and publication</a:t>
             </a:r>
           </a:p>
         </p:txBody>
@@ -4680,2815 +7996,6 @@
     <p:extLst>
       <p:ext uri="{BB962C8B-B14F-4D97-AF65-F5344CB8AC3E}">
         <p14:creationId xmlns:p14="http://schemas.microsoft.com/office/powerpoint/2010/main" val="1601606157"/>
-      </p:ext>
-    </p:extLst>
-  </p:cSld>
-  <p:clrMapOvr>
-    <a:masterClrMapping/>
-  </p:clrMapOvr>
-</p:sld>
-</file>
-
-<file path=ppt/slides/slide7.xml><?xml version="1.0" encoding="utf-8"?>
-<p:sld xmlns:a="http://schemas.openxmlformats.org/drawingml/2006/main" xmlns:r="http://schemas.openxmlformats.org/officeDocument/2006/relationships" xmlns:p="http://schemas.openxmlformats.org/presentationml/2006/main">
-  <p:cSld>
-    <p:spTree>
-      <p:nvGrpSpPr>
-        <p:cNvPr id="1" name=""/>
-        <p:cNvGrpSpPr/>
-        <p:nvPr/>
-      </p:nvGrpSpPr>
-      <p:grpSpPr>
-        <a:xfrm>
-          <a:off x="0" y="0"/>
-          <a:ext cx="0" cy="0"/>
-          <a:chOff x="0" y="0"/>
-          <a:chExt cx="0" cy="0"/>
-        </a:xfrm>
-      </p:grpSpPr>
-      <p:sp>
-        <p:nvSpPr>
-          <p:cNvPr id="2" name="Rectangle 1">
-            <a:extLst>
-              <a:ext uri="{FF2B5EF4-FFF2-40B4-BE49-F238E27FC236}">
-                <a16:creationId xmlns:a16="http://schemas.microsoft.com/office/drawing/2014/main" id="{A0E62A34-461C-4AA4-B317-99B513338B42}"/>
-              </a:ext>
-            </a:extLst>
-          </p:cNvPr>
-          <p:cNvSpPr>
-            <a:spLocks noChangeArrowheads="1"/>
-          </p:cNvSpPr>
-          <p:nvPr/>
-        </p:nvSpPr>
-        <p:spPr bwMode="auto">
-          <a:xfrm>
-            <a:off x="0" y="813019"/>
-            <a:ext cx="7976212" cy="1800493"/>
-          </a:xfrm>
-          <a:prstGeom prst="rect">
-            <a:avLst/>
-          </a:prstGeom>
-          <a:solidFill>
-            <a:srgbClr val="202020"/>
-          </a:solidFill>
-          <a:ln>
-            <a:noFill/>
-          </a:ln>
-          <a:effectLst/>
-          <a:extLst>
-            <a:ext uri="{91240B29-F687-4F45-9708-019B960494DF}">
-              <a14:hiddenLine xmlns:a14="http://schemas.microsoft.com/office/drawing/2010/main" w="9525">
-                <a:solidFill>
-                  <a:schemeClr val="tx1"/>
-                </a:solidFill>
-                <a:miter lim="800000"/>
-                <a:headEnd/>
-                <a:tailEnd/>
-              </a14:hiddenLine>
-            </a:ext>
-            <a:ext uri="{AF507438-7753-43E0-B8FC-AC1667EBCBE1}">
-              <a14:hiddenEffects xmlns:a14="http://schemas.microsoft.com/office/drawing/2010/main">
-                <a:effectLst>
-                  <a:outerShdw dist="35921" dir="2700000" algn="ctr" rotWithShape="0">
-                    <a:schemeClr val="bg2"/>
-                  </a:outerShdw>
-                </a:effectLst>
-              </a14:hiddenEffects>
-            </a:ext>
-          </a:extLst>
-        </p:spPr>
-        <p:txBody>
-          <a:bodyPr vert="horz" wrap="square" lIns="0" tIns="0" rIns="0" bIns="0" numCol="1" anchor="ctr" anchorCtr="0" compatLnSpc="1">
-            <a:prstTxWarp prst="textNoShape">
-              <a:avLst/>
-            </a:prstTxWarp>
-            <a:spAutoFit/>
-          </a:bodyPr>
-          <a:lstStyle/>
-          <a:p>
-            <a:pPr marL="285750" marR="0" lvl="0" indent="-285750" algn="l" defTabSz="914400" rtl="0" eaLnBrk="0" fontAlgn="base" latinLnBrk="0" hangingPunct="0">
-              <a:lnSpc>
-                <a:spcPct val="100000"/>
-              </a:lnSpc>
-              <a:spcBef>
-                <a:spcPct val="0"/>
-              </a:spcBef>
-              <a:spcAft>
-                <a:spcPct val="0"/>
-              </a:spcAft>
-              <a:buClrTx/>
-              <a:buSzTx/>
-              <a:buFont typeface="Wingdings" panose="05000000000000000000" pitchFamily="2" charset="2"/>
-              <a:buChar char="Ø"/>
-              <a:tabLst/>
-            </a:pPr>
-            <a:r>
-              <a:rPr kumimoji="0" lang="en-US" altLang="en-US" sz="1300" b="0" i="0" u="none" strike="noStrike" cap="none" normalizeH="0" baseline="0" dirty="0" err="1">
-                <a:ln>
-                  <a:noFill/>
-                </a:ln>
-                <a:solidFill>
-                  <a:srgbClr val="CDA869"/>
-                </a:solidFill>
-                <a:effectLst/>
-                <a:latin typeface="Lucida Console" panose="020B0609040504020204" pitchFamily="49" charset="0"/>
-              </a:rPr>
-              <a:t>within_group_difs_anova</a:t>
-            </a:r>
-            <a:r>
-              <a:rPr kumimoji="0" lang="en-US" altLang="en-US" sz="1300" b="0" i="0" u="none" strike="noStrike" cap="none" normalizeH="0" baseline="0" dirty="0">
-                <a:ln>
-                  <a:noFill/>
-                </a:ln>
-                <a:solidFill>
-                  <a:srgbClr val="CDA869"/>
-                </a:solidFill>
-                <a:effectLst/>
-                <a:latin typeface="Lucida Console" panose="020B0609040504020204" pitchFamily="49" charset="0"/>
-              </a:rPr>
-              <a:t>&lt;-</a:t>
-            </a:r>
-            <a:r>
-              <a:rPr kumimoji="0" lang="en-US" altLang="en-US" sz="1300" b="0" i="0" u="none" strike="noStrike" cap="none" normalizeH="0" baseline="0" dirty="0" err="1">
-                <a:ln>
-                  <a:noFill/>
-                </a:ln>
-                <a:solidFill>
-                  <a:srgbClr val="CDA869"/>
-                </a:solidFill>
-                <a:effectLst/>
-                <a:latin typeface="Lucida Console" panose="020B0609040504020204" pitchFamily="49" charset="0"/>
-              </a:rPr>
-              <a:t>anova</a:t>
-            </a:r>
-            <a:r>
-              <a:rPr kumimoji="0" lang="en-US" altLang="en-US" sz="1300" b="0" i="0" u="none" strike="noStrike" cap="none" normalizeH="0" baseline="0" dirty="0">
-                <a:ln>
-                  <a:noFill/>
-                </a:ln>
-                <a:solidFill>
-                  <a:srgbClr val="CDA869"/>
-                </a:solidFill>
-                <a:effectLst/>
-                <a:latin typeface="Lucida Console" panose="020B0609040504020204" pitchFamily="49" charset="0"/>
-              </a:rPr>
-              <a:t>(</a:t>
-            </a:r>
-            <a:r>
-              <a:rPr kumimoji="0" lang="en-US" altLang="en-US" sz="1300" b="0" i="0" u="none" strike="noStrike" cap="none" normalizeH="0" baseline="0" dirty="0" err="1">
-                <a:ln>
-                  <a:noFill/>
-                </a:ln>
-                <a:solidFill>
-                  <a:srgbClr val="CDA869"/>
-                </a:solidFill>
-                <a:effectLst/>
-                <a:latin typeface="Lucida Console" panose="020B0609040504020204" pitchFamily="49" charset="0"/>
-              </a:rPr>
-              <a:t>betadisper</a:t>
-            </a:r>
-            <a:r>
-              <a:rPr kumimoji="0" lang="en-US" altLang="en-US" sz="1300" b="0" i="0" u="none" strike="noStrike" cap="none" normalizeH="0" baseline="0" dirty="0">
-                <a:ln>
-                  <a:noFill/>
-                </a:ln>
-                <a:solidFill>
-                  <a:srgbClr val="CDA869"/>
-                </a:solidFill>
-                <a:effectLst/>
-                <a:latin typeface="Lucida Console" panose="020B0609040504020204" pitchFamily="49" charset="0"/>
-              </a:rPr>
-              <a:t>(</a:t>
-            </a:r>
-            <a:r>
-              <a:rPr kumimoji="0" lang="en-US" altLang="en-US" sz="1300" b="0" i="0" u="none" strike="noStrike" cap="none" normalizeH="0" baseline="0" dirty="0" err="1">
-                <a:ln>
-                  <a:noFill/>
-                </a:ln>
-                <a:solidFill>
-                  <a:srgbClr val="CDA869"/>
-                </a:solidFill>
-                <a:effectLst/>
-                <a:latin typeface="Lucida Console" panose="020B0609040504020204" pitchFamily="49" charset="0"/>
-              </a:rPr>
-              <a:t>euc_dist</a:t>
-            </a:r>
-            <a:r>
-              <a:rPr kumimoji="0" lang="en-US" altLang="en-US" sz="1300" b="0" i="0" u="none" strike="noStrike" cap="none" normalizeH="0" baseline="0" dirty="0">
-                <a:ln>
-                  <a:noFill/>
-                </a:ln>
-                <a:solidFill>
-                  <a:srgbClr val="CDA869"/>
-                </a:solidFill>
-                <a:effectLst/>
-                <a:latin typeface="Lucida Console" panose="020B0609040504020204" pitchFamily="49" charset="0"/>
-              </a:rPr>
-              <a:t>, meta(</a:t>
-            </a:r>
-            <a:r>
-              <a:rPr kumimoji="0" lang="en-US" altLang="en-US" sz="1300" b="0" i="0" u="none" strike="noStrike" cap="none" normalizeH="0" baseline="0" dirty="0" err="1">
-                <a:ln>
-                  <a:noFill/>
-                </a:ln>
-                <a:solidFill>
-                  <a:srgbClr val="CDA869"/>
-                </a:solidFill>
-                <a:effectLst/>
-                <a:latin typeface="Lucida Console" panose="020B0609040504020204" pitchFamily="49" charset="0"/>
-              </a:rPr>
-              <a:t>vst_physeq</a:t>
-            </a:r>
-            <a:r>
-              <a:rPr kumimoji="0" lang="en-US" altLang="en-US" sz="1300" b="0" i="0" u="none" strike="noStrike" cap="none" normalizeH="0" baseline="0" dirty="0">
-                <a:ln>
-                  <a:noFill/>
-                </a:ln>
-                <a:solidFill>
-                  <a:srgbClr val="CDA869"/>
-                </a:solidFill>
-                <a:effectLst/>
-                <a:latin typeface="Lucida Console" panose="020B0609040504020204" pitchFamily="49" charset="0"/>
-              </a:rPr>
-              <a:t>)$case)) # 0.002 &gt; </a:t>
-            </a:r>
-            <a:r>
-              <a:rPr kumimoji="0" lang="en-US" altLang="en-US" sz="1300" b="0" i="0" u="none" strike="noStrike" cap="none" normalizeH="0" baseline="0" dirty="0" err="1">
-                <a:ln>
-                  <a:noFill/>
-                </a:ln>
-                <a:solidFill>
-                  <a:srgbClr val="CDA869"/>
-                </a:solidFill>
-                <a:effectLst/>
-                <a:latin typeface="Lucida Console" panose="020B0609040504020204" pitchFamily="49" charset="0"/>
-              </a:rPr>
-              <a:t>within_group_difs_anova</a:t>
-            </a:r>
-            <a:r>
-              <a:rPr kumimoji="0" lang="en-US" altLang="en-US" sz="1300" b="0" i="0" u="none" strike="noStrike" cap="none" normalizeH="0" baseline="0" dirty="0">
-                <a:ln>
-                  <a:noFill/>
-                </a:ln>
-                <a:solidFill>
-                  <a:srgbClr val="CDA869"/>
-                </a:solidFill>
-                <a:effectLst/>
-                <a:latin typeface="Lucida Console" panose="020B0609040504020204" pitchFamily="49" charset="0"/>
-              </a:rPr>
-              <a:t> </a:t>
-            </a:r>
-          </a:p>
-          <a:p>
-            <a:pPr marL="285750" marR="0" lvl="0" indent="-285750" algn="l" defTabSz="914400" rtl="0" eaLnBrk="0" fontAlgn="base" latinLnBrk="0" hangingPunct="0">
-              <a:lnSpc>
-                <a:spcPct val="100000"/>
-              </a:lnSpc>
-              <a:spcBef>
-                <a:spcPct val="0"/>
-              </a:spcBef>
-              <a:spcAft>
-                <a:spcPct val="0"/>
-              </a:spcAft>
-              <a:buClrTx/>
-              <a:buSzTx/>
-              <a:buFont typeface="Wingdings" panose="05000000000000000000" pitchFamily="2" charset="2"/>
-              <a:buChar char="Ø"/>
-              <a:tabLst/>
-            </a:pPr>
-            <a:r>
-              <a:rPr kumimoji="0" lang="en-US" altLang="en-US" sz="1300" b="0" i="0" u="none" strike="noStrike" cap="none" normalizeH="0" baseline="0" dirty="0">
-                <a:ln>
-                  <a:noFill/>
-                </a:ln>
-                <a:solidFill>
-                  <a:srgbClr val="E6E1DC"/>
-                </a:solidFill>
-                <a:effectLst/>
-                <a:latin typeface="Lucida Console" panose="020B0609040504020204" pitchFamily="49" charset="0"/>
-              </a:rPr>
-              <a:t>Analysis of Variance Table </a:t>
-            </a:r>
-          </a:p>
-          <a:p>
-            <a:pPr marL="285750" marR="0" lvl="0" indent="-285750" algn="l" defTabSz="914400" rtl="0" eaLnBrk="0" fontAlgn="base" latinLnBrk="0" hangingPunct="0">
-              <a:lnSpc>
-                <a:spcPct val="100000"/>
-              </a:lnSpc>
-              <a:spcBef>
-                <a:spcPct val="0"/>
-              </a:spcBef>
-              <a:spcAft>
-                <a:spcPct val="0"/>
-              </a:spcAft>
-              <a:buClrTx/>
-              <a:buSzTx/>
-              <a:buFont typeface="Wingdings" panose="05000000000000000000" pitchFamily="2" charset="2"/>
-              <a:buChar char="Ø"/>
-              <a:tabLst/>
-            </a:pPr>
-            <a:r>
-              <a:rPr kumimoji="0" lang="en-US" altLang="en-US" sz="1300" b="0" i="0" u="none" strike="noStrike" cap="none" normalizeH="0" baseline="0" dirty="0">
-                <a:ln>
-                  <a:noFill/>
-                </a:ln>
-                <a:solidFill>
-                  <a:srgbClr val="E6E1DC"/>
-                </a:solidFill>
-                <a:effectLst/>
-                <a:latin typeface="Lucida Console" panose="020B0609040504020204" pitchFamily="49" charset="0"/>
-              </a:rPr>
-              <a:t>Response: Distances </a:t>
-            </a:r>
-          </a:p>
-          <a:p>
-            <a:pPr lvl="2" eaLnBrk="0" fontAlgn="base" hangingPunct="0">
-              <a:spcBef>
-                <a:spcPct val="0"/>
-              </a:spcBef>
-              <a:spcAft>
-                <a:spcPct val="0"/>
-              </a:spcAft>
-            </a:pPr>
-            <a:r>
-              <a:rPr kumimoji="0" lang="en-US" altLang="en-US" sz="1300" b="0" i="0" u="none" strike="noStrike" cap="none" normalizeH="0" baseline="0" dirty="0">
-                <a:ln>
-                  <a:noFill/>
-                </a:ln>
-                <a:solidFill>
-                  <a:srgbClr val="E6E1DC"/>
-                </a:solidFill>
-                <a:effectLst/>
-                <a:latin typeface="Lucida Console" panose="020B0609040504020204" pitchFamily="49" charset="0"/>
-              </a:rPr>
-              <a:t>    Df  Sum </a:t>
-            </a:r>
-            <a:r>
-              <a:rPr kumimoji="0" lang="en-US" altLang="en-US" sz="1300" b="0" i="0" u="none" strike="noStrike" cap="none" normalizeH="0" baseline="0" dirty="0" err="1">
-                <a:ln>
-                  <a:noFill/>
-                </a:ln>
-                <a:solidFill>
-                  <a:srgbClr val="E6E1DC"/>
-                </a:solidFill>
-                <a:effectLst/>
-                <a:latin typeface="Lucida Console" panose="020B0609040504020204" pitchFamily="49" charset="0"/>
-              </a:rPr>
-              <a:t>Sq</a:t>
-            </a:r>
-            <a:r>
-              <a:rPr kumimoji="0" lang="en-US" altLang="en-US" sz="1300" b="0" i="0" u="none" strike="noStrike" cap="none" normalizeH="0" baseline="0" dirty="0">
-                <a:ln>
-                  <a:noFill/>
-                </a:ln>
-                <a:solidFill>
-                  <a:srgbClr val="E6E1DC"/>
-                </a:solidFill>
-                <a:effectLst/>
-                <a:latin typeface="Lucida Console" panose="020B0609040504020204" pitchFamily="49" charset="0"/>
-              </a:rPr>
-              <a:t> Mean </a:t>
-            </a:r>
-            <a:r>
-              <a:rPr kumimoji="0" lang="en-US" altLang="en-US" sz="1300" b="0" i="0" u="none" strike="noStrike" cap="none" normalizeH="0" baseline="0" dirty="0" err="1">
-                <a:ln>
-                  <a:noFill/>
-                </a:ln>
-                <a:solidFill>
-                  <a:srgbClr val="E6E1DC"/>
-                </a:solidFill>
-                <a:effectLst/>
-                <a:latin typeface="Lucida Console" panose="020B0609040504020204" pitchFamily="49" charset="0"/>
-              </a:rPr>
-              <a:t>Sq</a:t>
-            </a:r>
-            <a:r>
-              <a:rPr kumimoji="0" lang="en-US" altLang="en-US" sz="1300" b="0" i="0" u="none" strike="noStrike" cap="none" normalizeH="0" baseline="0" dirty="0">
-                <a:ln>
-                  <a:noFill/>
-                </a:ln>
-                <a:solidFill>
-                  <a:srgbClr val="E6E1DC"/>
-                </a:solidFill>
-                <a:effectLst/>
-                <a:latin typeface="Lucida Console" panose="020B0609040504020204" pitchFamily="49" charset="0"/>
-              </a:rPr>
-              <a:t> F value </a:t>
-            </a:r>
-            <a:r>
-              <a:rPr kumimoji="0" lang="en-US" altLang="en-US" sz="1300" b="0" i="0" u="none" strike="noStrike" cap="none" normalizeH="0" baseline="0" dirty="0" err="1">
-                <a:ln>
-                  <a:noFill/>
-                </a:ln>
-                <a:solidFill>
-                  <a:srgbClr val="E6E1DC"/>
-                </a:solidFill>
-                <a:effectLst/>
-                <a:latin typeface="Lucida Console" panose="020B0609040504020204" pitchFamily="49" charset="0"/>
-              </a:rPr>
-              <a:t>Pr</a:t>
-            </a:r>
-            <a:r>
-              <a:rPr kumimoji="0" lang="en-US" altLang="en-US" sz="1300" b="0" i="0" u="none" strike="noStrike" cap="none" normalizeH="0" baseline="0" dirty="0">
-                <a:ln>
-                  <a:noFill/>
-                </a:ln>
-                <a:solidFill>
-                  <a:srgbClr val="E6E1DC"/>
-                </a:solidFill>
-                <a:effectLst/>
-                <a:latin typeface="Lucida Console" panose="020B0609040504020204" pitchFamily="49" charset="0"/>
-              </a:rPr>
-              <a:t>(&gt;F) </a:t>
-            </a:r>
-          </a:p>
-          <a:p>
-            <a:pPr marL="285750" marR="0" lvl="0" indent="-285750" algn="l" defTabSz="914400" rtl="0" eaLnBrk="0" fontAlgn="base" latinLnBrk="0" hangingPunct="0">
-              <a:lnSpc>
-                <a:spcPct val="100000"/>
-              </a:lnSpc>
-              <a:spcBef>
-                <a:spcPct val="0"/>
-              </a:spcBef>
-              <a:spcAft>
-                <a:spcPct val="0"/>
-              </a:spcAft>
-              <a:buClrTx/>
-              <a:buSzTx/>
-              <a:buFont typeface="Wingdings" panose="05000000000000000000" pitchFamily="2" charset="2"/>
-              <a:buChar char="Ø"/>
-              <a:tabLst/>
-            </a:pPr>
-            <a:r>
-              <a:rPr kumimoji="0" lang="en-US" altLang="en-US" sz="1300" b="0" i="0" u="none" strike="noStrike" cap="none" normalizeH="0" baseline="0" dirty="0">
-                <a:ln>
-                  <a:noFill/>
-                </a:ln>
-                <a:solidFill>
-                  <a:srgbClr val="E6E1DC"/>
-                </a:solidFill>
-                <a:effectLst/>
-                <a:latin typeface="Lucida Console" panose="020B0609040504020204" pitchFamily="49" charset="0"/>
-              </a:rPr>
-              <a:t>Groups     2  253724 126862  17.232 3.571e-07 *** </a:t>
-            </a:r>
-          </a:p>
-          <a:p>
-            <a:pPr marL="285750" marR="0" lvl="0" indent="-285750" algn="l" defTabSz="914400" rtl="0" eaLnBrk="0" fontAlgn="base" latinLnBrk="0" hangingPunct="0">
-              <a:lnSpc>
-                <a:spcPct val="100000"/>
-              </a:lnSpc>
-              <a:spcBef>
-                <a:spcPct val="0"/>
-              </a:spcBef>
-              <a:spcAft>
-                <a:spcPct val="0"/>
-              </a:spcAft>
-              <a:buClrTx/>
-              <a:buSzTx/>
-              <a:buFont typeface="Wingdings" panose="05000000000000000000" pitchFamily="2" charset="2"/>
-              <a:buChar char="Ø"/>
-              <a:tabLst/>
-            </a:pPr>
-            <a:r>
-              <a:rPr kumimoji="0" lang="en-US" altLang="en-US" sz="1300" b="0" i="0" u="none" strike="noStrike" cap="none" normalizeH="0" baseline="0" dirty="0">
-                <a:ln>
-                  <a:noFill/>
-                </a:ln>
-                <a:solidFill>
-                  <a:srgbClr val="E6E1DC"/>
-                </a:solidFill>
-                <a:effectLst/>
-                <a:latin typeface="Lucida Console" panose="020B0609040504020204" pitchFamily="49" charset="0"/>
-              </a:rPr>
-              <a:t>Residuals 102 750933 7362 </a:t>
-            </a:r>
-          </a:p>
-          <a:p>
-            <a:pPr marR="0" lvl="0" algn="l" defTabSz="914400" rtl="0" eaLnBrk="0" fontAlgn="base" latinLnBrk="0" hangingPunct="0">
-              <a:lnSpc>
-                <a:spcPct val="100000"/>
-              </a:lnSpc>
-              <a:spcBef>
-                <a:spcPct val="0"/>
-              </a:spcBef>
-              <a:spcAft>
-                <a:spcPct val="0"/>
-              </a:spcAft>
-              <a:buClrTx/>
-              <a:buSzTx/>
-              <a:tabLst/>
-            </a:pPr>
-            <a:r>
-              <a:rPr kumimoji="0" lang="en-US" altLang="en-US" sz="1300" b="0" i="0" u="none" strike="noStrike" cap="none" normalizeH="0" baseline="0" dirty="0">
-                <a:ln>
-                  <a:noFill/>
-                </a:ln>
-                <a:solidFill>
-                  <a:srgbClr val="E6E1DC"/>
-                </a:solidFill>
-                <a:effectLst/>
-                <a:latin typeface="Lucida Console" panose="020B0609040504020204" pitchFamily="49" charset="0"/>
-              </a:rPr>
-              <a:t>--- </a:t>
-            </a:r>
-          </a:p>
-          <a:p>
-            <a:pPr marR="0" lvl="0" algn="l" defTabSz="914400" rtl="0" eaLnBrk="0" fontAlgn="base" latinLnBrk="0" hangingPunct="0">
-              <a:lnSpc>
-                <a:spcPct val="100000"/>
-              </a:lnSpc>
-              <a:spcBef>
-                <a:spcPct val="0"/>
-              </a:spcBef>
-              <a:spcAft>
-                <a:spcPct val="0"/>
-              </a:spcAft>
-              <a:buClrTx/>
-              <a:buSzTx/>
-              <a:tabLst/>
-            </a:pPr>
-            <a:r>
-              <a:rPr kumimoji="0" lang="en-US" altLang="en-US" sz="1300" b="0" i="0" u="none" strike="noStrike" cap="none" normalizeH="0" baseline="0" dirty="0" err="1">
-                <a:ln>
-                  <a:noFill/>
-                </a:ln>
-                <a:solidFill>
-                  <a:srgbClr val="E6E1DC"/>
-                </a:solidFill>
-                <a:effectLst/>
-                <a:latin typeface="Lucida Console" panose="020B0609040504020204" pitchFamily="49" charset="0"/>
-              </a:rPr>
-              <a:t>Signif</a:t>
-            </a:r>
-            <a:r>
-              <a:rPr kumimoji="0" lang="en-US" altLang="en-US" sz="1300" b="0" i="0" u="none" strike="noStrike" cap="none" normalizeH="0" baseline="0" dirty="0">
-                <a:ln>
-                  <a:noFill/>
-                </a:ln>
-                <a:solidFill>
-                  <a:srgbClr val="E6E1DC"/>
-                </a:solidFill>
-                <a:effectLst/>
-                <a:latin typeface="Lucida Console" panose="020B0609040504020204" pitchFamily="49" charset="0"/>
-              </a:rPr>
-              <a:t>. codes: 0 ‘***’ 0.001 ‘**’ 0.01 ‘*’ 0.05 ‘.’ 0.1 ‘ ’ 1</a:t>
-            </a:r>
-            <a:endParaRPr kumimoji="0" lang="en-US" altLang="en-US" sz="1800" b="0" i="0" u="none" strike="noStrike" cap="none" normalizeH="0" baseline="0" dirty="0">
-              <a:ln>
-                <a:noFill/>
-              </a:ln>
-              <a:solidFill>
-                <a:schemeClr val="tx1"/>
-              </a:solidFill>
-              <a:effectLst/>
-              <a:latin typeface="Arial" panose="020B0604020202020204" pitchFamily="34" charset="0"/>
-            </a:endParaRPr>
-          </a:p>
-        </p:txBody>
-      </p:sp>
-      <p:sp>
-        <p:nvSpPr>
-          <p:cNvPr id="3" name="Rectangle 2">
-            <a:extLst>
-              <a:ext uri="{FF2B5EF4-FFF2-40B4-BE49-F238E27FC236}">
-                <a16:creationId xmlns:a16="http://schemas.microsoft.com/office/drawing/2014/main" id="{F1CF24F7-8693-4DDF-93D9-CE74AA925CF9}"/>
-              </a:ext>
-            </a:extLst>
-          </p:cNvPr>
-          <p:cNvSpPr>
-            <a:spLocks noChangeArrowheads="1"/>
-          </p:cNvSpPr>
-          <p:nvPr/>
-        </p:nvSpPr>
-        <p:spPr bwMode="auto">
-          <a:xfrm>
-            <a:off x="1" y="2835236"/>
-            <a:ext cx="7732885" cy="2000548"/>
-          </a:xfrm>
-          <a:prstGeom prst="rect">
-            <a:avLst/>
-          </a:prstGeom>
-          <a:solidFill>
-            <a:srgbClr val="202020"/>
-          </a:solidFill>
-          <a:ln>
-            <a:noFill/>
-          </a:ln>
-          <a:effectLst/>
-          <a:extLst>
-            <a:ext uri="{91240B29-F687-4F45-9708-019B960494DF}">
-              <a14:hiddenLine xmlns:a14="http://schemas.microsoft.com/office/drawing/2010/main" w="9525">
-                <a:solidFill>
-                  <a:schemeClr val="tx1"/>
-                </a:solidFill>
-                <a:miter lim="800000"/>
-                <a:headEnd/>
-                <a:tailEnd/>
-              </a14:hiddenLine>
-            </a:ext>
-            <a:ext uri="{AF507438-7753-43E0-B8FC-AC1667EBCBE1}">
-              <a14:hiddenEffects xmlns:a14="http://schemas.microsoft.com/office/drawing/2010/main">
-                <a:effectLst>
-                  <a:outerShdw dist="35921" dir="2700000" algn="ctr" rotWithShape="0">
-                    <a:schemeClr val="bg2"/>
-                  </a:outerShdw>
-                </a:effectLst>
-              </a14:hiddenEffects>
-            </a:ext>
-          </a:extLst>
-        </p:spPr>
-        <p:txBody>
-          <a:bodyPr vert="horz" wrap="square" lIns="0" tIns="0" rIns="0" bIns="0" numCol="1" anchor="ctr" anchorCtr="0" compatLnSpc="1">
-            <a:prstTxWarp prst="textNoShape">
-              <a:avLst/>
-            </a:prstTxWarp>
-            <a:spAutoFit/>
-          </a:bodyPr>
-          <a:lstStyle/>
-          <a:p>
-            <a:pPr marL="285750" marR="0" lvl="0" indent="-285750" algn="l" defTabSz="914400" rtl="0" eaLnBrk="0" fontAlgn="base" latinLnBrk="0" hangingPunct="0">
-              <a:lnSpc>
-                <a:spcPct val="100000"/>
-              </a:lnSpc>
-              <a:spcBef>
-                <a:spcPct val="0"/>
-              </a:spcBef>
-              <a:spcAft>
-                <a:spcPct val="0"/>
-              </a:spcAft>
-              <a:buClrTx/>
-              <a:buSzTx/>
-              <a:buFont typeface="Wingdings" panose="05000000000000000000" pitchFamily="2" charset="2"/>
-              <a:buChar char="Ø"/>
-              <a:tabLst/>
-            </a:pPr>
-            <a:r>
-              <a:rPr kumimoji="0" lang="en-US" altLang="en-US" sz="1300" b="0" i="0" u="none" strike="noStrike" cap="none" normalizeH="0" baseline="0" dirty="0" err="1">
-                <a:ln>
-                  <a:noFill/>
-                </a:ln>
-                <a:solidFill>
-                  <a:srgbClr val="CDA869"/>
-                </a:solidFill>
-                <a:effectLst/>
-                <a:latin typeface="Lucida Console" panose="020B0609040504020204" pitchFamily="49" charset="0"/>
-              </a:rPr>
-              <a:t>within_group_difs_permutest</a:t>
-            </a:r>
-            <a:r>
-              <a:rPr kumimoji="0" lang="en-US" altLang="en-US" sz="1300" b="0" i="0" u="none" strike="noStrike" cap="none" normalizeH="0" baseline="0" dirty="0">
-                <a:ln>
-                  <a:noFill/>
-                </a:ln>
-                <a:solidFill>
-                  <a:srgbClr val="CDA869"/>
-                </a:solidFill>
-                <a:effectLst/>
-                <a:latin typeface="Lucida Console" panose="020B0609040504020204" pitchFamily="49" charset="0"/>
-              </a:rPr>
-              <a:t> </a:t>
-            </a:r>
-          </a:p>
-          <a:p>
-            <a:pPr marL="285750" marR="0" lvl="0" indent="-285750" algn="l" defTabSz="914400" rtl="0" eaLnBrk="0" fontAlgn="base" latinLnBrk="0" hangingPunct="0">
-              <a:lnSpc>
-                <a:spcPct val="100000"/>
-              </a:lnSpc>
-              <a:spcBef>
-                <a:spcPct val="0"/>
-              </a:spcBef>
-              <a:spcAft>
-                <a:spcPct val="0"/>
-              </a:spcAft>
-              <a:buClrTx/>
-              <a:buSzTx/>
-              <a:buFont typeface="Wingdings" panose="05000000000000000000" pitchFamily="2" charset="2"/>
-              <a:buChar char="Ø"/>
-              <a:tabLst/>
-            </a:pPr>
-            <a:r>
-              <a:rPr kumimoji="0" lang="en-US" altLang="en-US" sz="1300" b="0" i="0" u="none" strike="noStrike" cap="none" normalizeH="0" baseline="0" dirty="0">
-                <a:ln>
-                  <a:noFill/>
-                </a:ln>
-                <a:solidFill>
-                  <a:srgbClr val="E6E1DC"/>
-                </a:solidFill>
-                <a:effectLst/>
-                <a:latin typeface="Lucida Console" panose="020B0609040504020204" pitchFamily="49" charset="0"/>
-              </a:rPr>
-              <a:t>Permutation test for homogeneity of multivariate dispersions </a:t>
-            </a:r>
-          </a:p>
-          <a:p>
-            <a:pPr marL="285750" marR="0" lvl="0" indent="-285750" algn="l" defTabSz="914400" rtl="0" eaLnBrk="0" fontAlgn="base" latinLnBrk="0" hangingPunct="0">
-              <a:lnSpc>
-                <a:spcPct val="100000"/>
-              </a:lnSpc>
-              <a:spcBef>
-                <a:spcPct val="0"/>
-              </a:spcBef>
-              <a:spcAft>
-                <a:spcPct val="0"/>
-              </a:spcAft>
-              <a:buClrTx/>
-              <a:buSzTx/>
-              <a:buFont typeface="Wingdings" panose="05000000000000000000" pitchFamily="2" charset="2"/>
-              <a:buChar char="Ø"/>
-              <a:tabLst/>
-            </a:pPr>
-            <a:r>
-              <a:rPr kumimoji="0" lang="en-US" altLang="en-US" sz="1300" b="0" i="0" u="none" strike="noStrike" cap="none" normalizeH="0" baseline="0" dirty="0">
-                <a:ln>
-                  <a:noFill/>
-                </a:ln>
-                <a:solidFill>
-                  <a:srgbClr val="E6E1DC"/>
-                </a:solidFill>
-                <a:effectLst/>
-                <a:latin typeface="Lucida Console" panose="020B0609040504020204" pitchFamily="49" charset="0"/>
-              </a:rPr>
-              <a:t>Permutation: free </a:t>
-            </a:r>
-          </a:p>
-          <a:p>
-            <a:pPr marL="285750" marR="0" lvl="0" indent="-285750" algn="l" defTabSz="914400" rtl="0" eaLnBrk="0" fontAlgn="base" latinLnBrk="0" hangingPunct="0">
-              <a:lnSpc>
-                <a:spcPct val="100000"/>
-              </a:lnSpc>
-              <a:spcBef>
-                <a:spcPct val="0"/>
-              </a:spcBef>
-              <a:spcAft>
-                <a:spcPct val="0"/>
-              </a:spcAft>
-              <a:buClrTx/>
-              <a:buSzTx/>
-              <a:buFont typeface="Wingdings" panose="05000000000000000000" pitchFamily="2" charset="2"/>
-              <a:buChar char="Ø"/>
-              <a:tabLst/>
-            </a:pPr>
-            <a:r>
-              <a:rPr kumimoji="0" lang="en-US" altLang="en-US" sz="1300" b="0" i="0" u="none" strike="noStrike" cap="none" normalizeH="0" baseline="0" dirty="0">
-                <a:ln>
-                  <a:noFill/>
-                </a:ln>
-                <a:solidFill>
-                  <a:srgbClr val="E6E1DC"/>
-                </a:solidFill>
-                <a:effectLst/>
-                <a:latin typeface="Lucida Console" panose="020B0609040504020204" pitchFamily="49" charset="0"/>
-              </a:rPr>
-              <a:t>Number of permutations: 999 </a:t>
-            </a:r>
-          </a:p>
-          <a:p>
-            <a:pPr marL="285750" marR="0" lvl="0" indent="-285750" algn="l" defTabSz="914400" rtl="0" eaLnBrk="0" fontAlgn="base" latinLnBrk="0" hangingPunct="0">
-              <a:lnSpc>
-                <a:spcPct val="100000"/>
-              </a:lnSpc>
-              <a:spcBef>
-                <a:spcPct val="0"/>
-              </a:spcBef>
-              <a:spcAft>
-                <a:spcPct val="0"/>
-              </a:spcAft>
-              <a:buClrTx/>
-              <a:buSzTx/>
-              <a:buFont typeface="Wingdings" panose="05000000000000000000" pitchFamily="2" charset="2"/>
-              <a:buChar char="Ø"/>
-              <a:tabLst/>
-            </a:pPr>
-            <a:r>
-              <a:rPr kumimoji="0" lang="en-US" altLang="en-US" sz="1300" b="0" i="0" u="none" strike="noStrike" cap="none" normalizeH="0" baseline="0" dirty="0">
-                <a:ln>
-                  <a:noFill/>
-                </a:ln>
-                <a:solidFill>
-                  <a:srgbClr val="E6E1DC"/>
-                </a:solidFill>
-                <a:effectLst/>
-                <a:latin typeface="Lucida Console" panose="020B0609040504020204" pitchFamily="49" charset="0"/>
-              </a:rPr>
-              <a:t>Response: Distances </a:t>
-            </a:r>
-          </a:p>
-          <a:p>
-            <a:pPr lvl="2" eaLnBrk="0" fontAlgn="base" hangingPunct="0">
-              <a:spcBef>
-                <a:spcPct val="0"/>
-              </a:spcBef>
-              <a:spcAft>
-                <a:spcPct val="0"/>
-              </a:spcAft>
-            </a:pPr>
-            <a:r>
-              <a:rPr kumimoji="0" lang="en-US" altLang="en-US" sz="1300" b="0" i="0" u="none" strike="noStrike" cap="none" normalizeH="0" baseline="0" dirty="0">
-                <a:ln>
-                  <a:noFill/>
-                </a:ln>
-                <a:solidFill>
-                  <a:srgbClr val="E6E1DC"/>
-                </a:solidFill>
-                <a:effectLst/>
-                <a:latin typeface="Lucida Console" panose="020B0609040504020204" pitchFamily="49" charset="0"/>
-              </a:rPr>
-              <a:t>    Df  Sum </a:t>
-            </a:r>
-            <a:r>
-              <a:rPr kumimoji="0" lang="en-US" altLang="en-US" sz="1300" b="0" i="0" u="none" strike="noStrike" cap="none" normalizeH="0" baseline="0" dirty="0" err="1">
-                <a:ln>
-                  <a:noFill/>
-                </a:ln>
-                <a:solidFill>
-                  <a:srgbClr val="E6E1DC"/>
-                </a:solidFill>
-                <a:effectLst/>
-                <a:latin typeface="Lucida Console" panose="020B0609040504020204" pitchFamily="49" charset="0"/>
-              </a:rPr>
-              <a:t>Sq</a:t>
-            </a:r>
-            <a:r>
-              <a:rPr kumimoji="0" lang="en-US" altLang="en-US" sz="1300" b="0" i="0" u="none" strike="noStrike" cap="none" normalizeH="0" baseline="0" dirty="0">
-                <a:ln>
-                  <a:noFill/>
-                </a:ln>
-                <a:solidFill>
-                  <a:srgbClr val="E6E1DC"/>
-                </a:solidFill>
-                <a:effectLst/>
-                <a:latin typeface="Lucida Console" panose="020B0609040504020204" pitchFamily="49" charset="0"/>
-              </a:rPr>
-              <a:t> Mean </a:t>
-            </a:r>
-            <a:r>
-              <a:rPr kumimoji="0" lang="en-US" altLang="en-US" sz="1300" b="0" i="0" u="none" strike="noStrike" cap="none" normalizeH="0" baseline="0" dirty="0" err="1">
-                <a:ln>
-                  <a:noFill/>
-                </a:ln>
-                <a:solidFill>
-                  <a:srgbClr val="E6E1DC"/>
-                </a:solidFill>
-                <a:effectLst/>
-                <a:latin typeface="Lucida Console" panose="020B0609040504020204" pitchFamily="49" charset="0"/>
-              </a:rPr>
-              <a:t>Sq</a:t>
-            </a:r>
-            <a:r>
-              <a:rPr kumimoji="0" lang="en-US" altLang="en-US" sz="1300" b="0" i="0" u="none" strike="noStrike" cap="none" normalizeH="0" baseline="0" dirty="0">
-                <a:ln>
-                  <a:noFill/>
-                </a:ln>
-                <a:solidFill>
-                  <a:srgbClr val="E6E1DC"/>
-                </a:solidFill>
-                <a:effectLst/>
-                <a:latin typeface="Lucida Console" panose="020B0609040504020204" pitchFamily="49" charset="0"/>
-              </a:rPr>
-              <a:t> F </a:t>
-            </a:r>
-            <a:r>
-              <a:rPr kumimoji="0" lang="en-US" altLang="en-US" sz="1300" b="0" i="0" u="none" strike="noStrike" cap="none" normalizeH="0" baseline="0" dirty="0" err="1">
-                <a:ln>
-                  <a:noFill/>
-                </a:ln>
-                <a:solidFill>
-                  <a:srgbClr val="E6E1DC"/>
-                </a:solidFill>
-                <a:effectLst/>
-                <a:latin typeface="Lucida Console" panose="020B0609040504020204" pitchFamily="49" charset="0"/>
-              </a:rPr>
-              <a:t>N.Perm</a:t>
-            </a:r>
-            <a:r>
-              <a:rPr kumimoji="0" lang="en-US" altLang="en-US" sz="1300" b="0" i="0" u="none" strike="noStrike" cap="none" normalizeH="0" baseline="0" dirty="0">
-                <a:ln>
-                  <a:noFill/>
-                </a:ln>
-                <a:solidFill>
-                  <a:srgbClr val="E6E1DC"/>
-                </a:solidFill>
-                <a:effectLst/>
-                <a:latin typeface="Lucida Console" panose="020B0609040504020204" pitchFamily="49" charset="0"/>
-              </a:rPr>
-              <a:t> </a:t>
-            </a:r>
-            <a:r>
-              <a:rPr kumimoji="0" lang="en-US" altLang="en-US" sz="1300" b="0" i="0" u="none" strike="noStrike" cap="none" normalizeH="0" baseline="0" dirty="0" err="1">
-                <a:ln>
-                  <a:noFill/>
-                </a:ln>
-                <a:solidFill>
-                  <a:srgbClr val="E6E1DC"/>
-                </a:solidFill>
-                <a:effectLst/>
-                <a:latin typeface="Lucida Console" panose="020B0609040504020204" pitchFamily="49" charset="0"/>
-              </a:rPr>
-              <a:t>Pr</a:t>
-            </a:r>
-            <a:r>
-              <a:rPr kumimoji="0" lang="en-US" altLang="en-US" sz="1300" b="0" i="0" u="none" strike="noStrike" cap="none" normalizeH="0" baseline="0" dirty="0">
-                <a:ln>
-                  <a:noFill/>
-                </a:ln>
-                <a:solidFill>
-                  <a:srgbClr val="E6E1DC"/>
-                </a:solidFill>
-                <a:effectLst/>
-                <a:latin typeface="Lucida Console" panose="020B0609040504020204" pitchFamily="49" charset="0"/>
-              </a:rPr>
-              <a:t>(&gt;F) </a:t>
-            </a:r>
-          </a:p>
-          <a:p>
-            <a:pPr marL="285750" marR="0" lvl="0" indent="-285750" algn="l" defTabSz="914400" rtl="0" eaLnBrk="0" fontAlgn="base" latinLnBrk="0" hangingPunct="0">
-              <a:lnSpc>
-                <a:spcPct val="100000"/>
-              </a:lnSpc>
-              <a:spcBef>
-                <a:spcPct val="0"/>
-              </a:spcBef>
-              <a:spcAft>
-                <a:spcPct val="0"/>
-              </a:spcAft>
-              <a:buClrTx/>
-              <a:buSzTx/>
-              <a:buFont typeface="Wingdings" panose="05000000000000000000" pitchFamily="2" charset="2"/>
-              <a:buChar char="Ø"/>
-              <a:tabLst/>
-            </a:pPr>
-            <a:r>
-              <a:rPr kumimoji="0" lang="en-US" altLang="en-US" sz="1300" b="0" i="0" u="none" strike="noStrike" cap="none" normalizeH="0" baseline="0" dirty="0">
-                <a:ln>
-                  <a:noFill/>
-                </a:ln>
-                <a:solidFill>
-                  <a:srgbClr val="E6E1DC"/>
-                </a:solidFill>
-                <a:effectLst/>
-                <a:latin typeface="Lucida Console" panose="020B0609040504020204" pitchFamily="49" charset="0"/>
-              </a:rPr>
-              <a:t>Groups     2  253724 126862 17.232 999 0.001 *** </a:t>
-            </a:r>
-          </a:p>
-          <a:p>
-            <a:pPr marL="285750" marR="0" lvl="0" indent="-285750" algn="l" defTabSz="914400" rtl="0" eaLnBrk="0" fontAlgn="base" latinLnBrk="0" hangingPunct="0">
-              <a:lnSpc>
-                <a:spcPct val="100000"/>
-              </a:lnSpc>
-              <a:spcBef>
-                <a:spcPct val="0"/>
-              </a:spcBef>
-              <a:spcAft>
-                <a:spcPct val="0"/>
-              </a:spcAft>
-              <a:buClrTx/>
-              <a:buSzTx/>
-              <a:buFont typeface="Wingdings" panose="05000000000000000000" pitchFamily="2" charset="2"/>
-              <a:buChar char="Ø"/>
-              <a:tabLst/>
-            </a:pPr>
-            <a:r>
-              <a:rPr kumimoji="0" lang="en-US" altLang="en-US" sz="1300" b="0" i="0" u="none" strike="noStrike" cap="none" normalizeH="0" baseline="0" dirty="0">
-                <a:ln>
-                  <a:noFill/>
-                </a:ln>
-                <a:solidFill>
-                  <a:srgbClr val="E6E1DC"/>
-                </a:solidFill>
-                <a:effectLst/>
-                <a:latin typeface="Lucida Console" panose="020B0609040504020204" pitchFamily="49" charset="0"/>
-              </a:rPr>
-              <a:t>Residuals 102 750933 7362 </a:t>
-            </a:r>
-          </a:p>
-          <a:p>
-            <a:pPr marL="285750" marR="0" lvl="0" indent="-285750" algn="l" defTabSz="914400" rtl="0" eaLnBrk="0" fontAlgn="base" latinLnBrk="0" hangingPunct="0">
-              <a:lnSpc>
-                <a:spcPct val="100000"/>
-              </a:lnSpc>
-              <a:spcBef>
-                <a:spcPct val="0"/>
-              </a:spcBef>
-              <a:spcAft>
-                <a:spcPct val="0"/>
-              </a:spcAft>
-              <a:buClrTx/>
-              <a:buSzTx/>
-              <a:buFont typeface="Wingdings" panose="05000000000000000000" pitchFamily="2" charset="2"/>
-              <a:buChar char="Ø"/>
-              <a:tabLst/>
-            </a:pPr>
-            <a:r>
-              <a:rPr kumimoji="0" lang="en-US" altLang="en-US" sz="1300" b="0" i="0" u="none" strike="noStrike" cap="none" normalizeH="0" baseline="0" dirty="0">
-                <a:ln>
-                  <a:noFill/>
-                </a:ln>
-                <a:solidFill>
-                  <a:srgbClr val="E6E1DC"/>
-                </a:solidFill>
-                <a:effectLst/>
-                <a:latin typeface="Lucida Console" panose="020B0609040504020204" pitchFamily="49" charset="0"/>
-              </a:rPr>
-              <a:t>--- </a:t>
-            </a:r>
-          </a:p>
-          <a:p>
-            <a:pPr marL="285750" marR="0" lvl="0" indent="-285750" algn="l" defTabSz="914400" rtl="0" eaLnBrk="0" fontAlgn="base" latinLnBrk="0" hangingPunct="0">
-              <a:lnSpc>
-                <a:spcPct val="100000"/>
-              </a:lnSpc>
-              <a:spcBef>
-                <a:spcPct val="0"/>
-              </a:spcBef>
-              <a:spcAft>
-                <a:spcPct val="0"/>
-              </a:spcAft>
-              <a:buClrTx/>
-              <a:buSzTx/>
-              <a:buFont typeface="Wingdings" panose="05000000000000000000" pitchFamily="2" charset="2"/>
-              <a:buChar char="Ø"/>
-              <a:tabLst/>
-            </a:pPr>
-            <a:r>
-              <a:rPr kumimoji="0" lang="en-US" altLang="en-US" sz="1300" b="0" i="0" u="none" strike="noStrike" cap="none" normalizeH="0" baseline="0" dirty="0" err="1">
-                <a:ln>
-                  <a:noFill/>
-                </a:ln>
-                <a:solidFill>
-                  <a:srgbClr val="E6E1DC"/>
-                </a:solidFill>
-                <a:effectLst/>
-                <a:latin typeface="Lucida Console" panose="020B0609040504020204" pitchFamily="49" charset="0"/>
-              </a:rPr>
-              <a:t>Signif</a:t>
-            </a:r>
-            <a:r>
-              <a:rPr kumimoji="0" lang="en-US" altLang="en-US" sz="1300" b="0" i="0" u="none" strike="noStrike" cap="none" normalizeH="0" baseline="0" dirty="0">
-                <a:ln>
-                  <a:noFill/>
-                </a:ln>
-                <a:solidFill>
-                  <a:srgbClr val="E6E1DC"/>
-                </a:solidFill>
-                <a:effectLst/>
-                <a:latin typeface="Lucida Console" panose="020B0609040504020204" pitchFamily="49" charset="0"/>
-              </a:rPr>
-              <a:t>. codes: 0 ‘***’ 0.001 ‘**’ 0.01 ‘*’ 0.05 ‘.’ 0.1 ‘ ’ 1</a:t>
-            </a:r>
-            <a:endParaRPr kumimoji="0" lang="en-US" altLang="en-US" sz="1800" b="0" i="0" u="none" strike="noStrike" cap="none" normalizeH="0" baseline="0" dirty="0">
-              <a:ln>
-                <a:noFill/>
-              </a:ln>
-              <a:solidFill>
-                <a:schemeClr val="tx1"/>
-              </a:solidFill>
-              <a:effectLst/>
-              <a:latin typeface="Arial" panose="020B0604020202020204" pitchFamily="34" charset="0"/>
-            </a:endParaRPr>
-          </a:p>
-        </p:txBody>
-      </p:sp>
-      <p:sp>
-        <p:nvSpPr>
-          <p:cNvPr id="5" name="Rectangle 3">
-            <a:extLst>
-              <a:ext uri="{FF2B5EF4-FFF2-40B4-BE49-F238E27FC236}">
-                <a16:creationId xmlns:a16="http://schemas.microsoft.com/office/drawing/2014/main" id="{73C3730E-C148-4C3E-AC10-DD10D3FBFA09}"/>
-              </a:ext>
-            </a:extLst>
-          </p:cNvPr>
-          <p:cNvSpPr>
-            <a:spLocks noChangeArrowheads="1"/>
-          </p:cNvSpPr>
-          <p:nvPr/>
-        </p:nvSpPr>
-        <p:spPr bwMode="auto">
-          <a:xfrm>
-            <a:off x="0" y="5057507"/>
-            <a:ext cx="7732886" cy="1800493"/>
-          </a:xfrm>
-          <a:prstGeom prst="rect">
-            <a:avLst/>
-          </a:prstGeom>
-          <a:solidFill>
-            <a:srgbClr val="202020"/>
-          </a:solidFill>
-          <a:ln>
-            <a:noFill/>
-          </a:ln>
-          <a:effectLst/>
-          <a:extLst>
-            <a:ext uri="{91240B29-F687-4F45-9708-019B960494DF}">
-              <a14:hiddenLine xmlns:a14="http://schemas.microsoft.com/office/drawing/2010/main" w="9525">
-                <a:solidFill>
-                  <a:schemeClr val="tx1"/>
-                </a:solidFill>
-                <a:miter lim="800000"/>
-                <a:headEnd/>
-                <a:tailEnd/>
-              </a14:hiddenLine>
-            </a:ext>
-            <a:ext uri="{AF507438-7753-43E0-B8FC-AC1667EBCBE1}">
-              <a14:hiddenEffects xmlns:a14="http://schemas.microsoft.com/office/drawing/2010/main">
-                <a:effectLst>
-                  <a:outerShdw dist="35921" dir="2700000" algn="ctr" rotWithShape="0">
-                    <a:schemeClr val="bg2"/>
-                  </a:outerShdw>
-                </a:effectLst>
-              </a14:hiddenEffects>
-            </a:ext>
-          </a:extLst>
-        </p:spPr>
-        <p:txBody>
-          <a:bodyPr vert="horz" wrap="none" lIns="0" tIns="0" rIns="0" bIns="0" numCol="1" anchor="ctr" anchorCtr="0" compatLnSpc="1">
-            <a:prstTxWarp prst="textNoShape">
-              <a:avLst/>
-            </a:prstTxWarp>
-            <a:spAutoFit/>
-          </a:bodyPr>
-          <a:lstStyle/>
-          <a:p>
-            <a:pPr marL="285750" marR="0" lvl="0" indent="-285750" algn="l" defTabSz="914400" rtl="0" eaLnBrk="0" fontAlgn="base" latinLnBrk="0" hangingPunct="0">
-              <a:lnSpc>
-                <a:spcPct val="100000"/>
-              </a:lnSpc>
-              <a:spcBef>
-                <a:spcPct val="0"/>
-              </a:spcBef>
-              <a:spcAft>
-                <a:spcPct val="0"/>
-              </a:spcAft>
-              <a:buClrTx/>
-              <a:buSzTx/>
-              <a:buFont typeface="Wingdings" panose="05000000000000000000" pitchFamily="2" charset="2"/>
-              <a:buChar char="Ø"/>
-              <a:tabLst/>
-            </a:pPr>
-            <a:r>
-              <a:rPr kumimoji="0" lang="en-US" altLang="en-US" sz="1300" b="0" i="0" u="none" strike="noStrike" cap="none" normalizeH="0" baseline="0" dirty="0" err="1">
-                <a:ln>
-                  <a:noFill/>
-                </a:ln>
-                <a:solidFill>
-                  <a:srgbClr val="CDA869"/>
-                </a:solidFill>
-                <a:effectLst/>
-                <a:latin typeface="Lucida Console" panose="020B0609040504020204" pitchFamily="49" charset="0"/>
-              </a:rPr>
-              <a:t>TukeyHSD</a:t>
-            </a:r>
-            <a:r>
-              <a:rPr kumimoji="0" lang="en-US" altLang="en-US" sz="1300" b="0" i="0" u="none" strike="noStrike" cap="none" normalizeH="0" baseline="0" dirty="0">
-                <a:ln>
-                  <a:noFill/>
-                </a:ln>
-                <a:solidFill>
-                  <a:srgbClr val="CDA869"/>
-                </a:solidFill>
-                <a:effectLst/>
-                <a:latin typeface="Lucida Console" panose="020B0609040504020204" pitchFamily="49" charset="0"/>
-              </a:rPr>
-              <a:t>(</a:t>
-            </a:r>
-            <a:r>
-              <a:rPr kumimoji="0" lang="en-US" altLang="en-US" sz="1300" b="0" i="0" u="none" strike="noStrike" cap="none" normalizeH="0" baseline="0" dirty="0" err="1">
-                <a:ln>
-                  <a:noFill/>
-                </a:ln>
-                <a:solidFill>
-                  <a:srgbClr val="CDA869"/>
-                </a:solidFill>
-                <a:effectLst/>
-                <a:latin typeface="Lucida Console" panose="020B0609040504020204" pitchFamily="49" charset="0"/>
-              </a:rPr>
-              <a:t>betadisper</a:t>
-            </a:r>
-            <a:r>
-              <a:rPr kumimoji="0" lang="en-US" altLang="en-US" sz="1300" b="0" i="0" u="none" strike="noStrike" cap="none" normalizeH="0" baseline="0" dirty="0">
-                <a:ln>
-                  <a:noFill/>
-                </a:ln>
-                <a:solidFill>
-                  <a:srgbClr val="CDA869"/>
-                </a:solidFill>
-                <a:effectLst/>
-                <a:latin typeface="Lucida Console" panose="020B0609040504020204" pitchFamily="49" charset="0"/>
-              </a:rPr>
-              <a:t>(</a:t>
-            </a:r>
-            <a:r>
-              <a:rPr kumimoji="0" lang="en-US" altLang="en-US" sz="1300" b="0" i="0" u="none" strike="noStrike" cap="none" normalizeH="0" baseline="0" dirty="0" err="1">
-                <a:ln>
-                  <a:noFill/>
-                </a:ln>
-                <a:solidFill>
-                  <a:srgbClr val="CDA869"/>
-                </a:solidFill>
-                <a:effectLst/>
-                <a:latin typeface="Lucida Console" panose="020B0609040504020204" pitchFamily="49" charset="0"/>
-              </a:rPr>
-              <a:t>euc_dist</a:t>
-            </a:r>
-            <a:r>
-              <a:rPr kumimoji="0" lang="en-US" altLang="en-US" sz="1300" b="0" i="0" u="none" strike="noStrike" cap="none" normalizeH="0" baseline="0" dirty="0">
-                <a:ln>
-                  <a:noFill/>
-                </a:ln>
-                <a:solidFill>
-                  <a:srgbClr val="CDA869"/>
-                </a:solidFill>
-                <a:effectLst/>
-                <a:latin typeface="Lucida Console" panose="020B0609040504020204" pitchFamily="49" charset="0"/>
-              </a:rPr>
-              <a:t>, meta(</a:t>
-            </a:r>
-            <a:r>
-              <a:rPr kumimoji="0" lang="en-US" altLang="en-US" sz="1300" b="0" i="0" u="none" strike="noStrike" cap="none" normalizeH="0" baseline="0" dirty="0" err="1">
-                <a:ln>
-                  <a:noFill/>
-                </a:ln>
-                <a:solidFill>
-                  <a:srgbClr val="CDA869"/>
-                </a:solidFill>
-                <a:effectLst/>
-                <a:latin typeface="Lucida Console" panose="020B0609040504020204" pitchFamily="49" charset="0"/>
-              </a:rPr>
-              <a:t>vst_physeq</a:t>
-            </a:r>
-            <a:r>
-              <a:rPr kumimoji="0" lang="en-US" altLang="en-US" sz="1300" b="0" i="0" u="none" strike="noStrike" cap="none" normalizeH="0" baseline="0" dirty="0">
-                <a:ln>
-                  <a:noFill/>
-                </a:ln>
-                <a:solidFill>
-                  <a:srgbClr val="CDA869"/>
-                </a:solidFill>
-                <a:effectLst/>
-                <a:latin typeface="Lucida Console" panose="020B0609040504020204" pitchFamily="49" charset="0"/>
-              </a:rPr>
-              <a:t>)$case)) </a:t>
-            </a:r>
-          </a:p>
-          <a:p>
-            <a:pPr marL="285750" marR="0" lvl="0" indent="-285750" algn="l" defTabSz="914400" rtl="0" eaLnBrk="0" fontAlgn="base" latinLnBrk="0" hangingPunct="0">
-              <a:lnSpc>
-                <a:spcPct val="100000"/>
-              </a:lnSpc>
-              <a:spcBef>
-                <a:spcPct val="0"/>
-              </a:spcBef>
-              <a:spcAft>
-                <a:spcPct val="0"/>
-              </a:spcAft>
-              <a:buClrTx/>
-              <a:buSzTx/>
-              <a:buFont typeface="Wingdings" panose="05000000000000000000" pitchFamily="2" charset="2"/>
-              <a:buChar char="Ø"/>
-              <a:tabLst/>
-            </a:pPr>
-            <a:r>
-              <a:rPr kumimoji="0" lang="en-US" altLang="en-US" sz="1300" b="0" i="0" u="none" strike="noStrike" cap="none" normalizeH="0" baseline="0" dirty="0">
-                <a:ln>
-                  <a:noFill/>
-                </a:ln>
-                <a:solidFill>
-                  <a:srgbClr val="E6E1DC"/>
-                </a:solidFill>
-                <a:effectLst/>
-                <a:latin typeface="Lucida Console" panose="020B0609040504020204" pitchFamily="49" charset="0"/>
-              </a:rPr>
-              <a:t>Tukey multiple comparisons of means </a:t>
-            </a:r>
-          </a:p>
-          <a:p>
-            <a:pPr marL="285750" marR="0" lvl="0" indent="-285750" algn="l" defTabSz="914400" rtl="0" eaLnBrk="0" fontAlgn="base" latinLnBrk="0" hangingPunct="0">
-              <a:lnSpc>
-                <a:spcPct val="100000"/>
-              </a:lnSpc>
-              <a:spcBef>
-                <a:spcPct val="0"/>
-              </a:spcBef>
-              <a:spcAft>
-                <a:spcPct val="0"/>
-              </a:spcAft>
-              <a:buClrTx/>
-              <a:buSzTx/>
-              <a:buFont typeface="Wingdings" panose="05000000000000000000" pitchFamily="2" charset="2"/>
-              <a:buChar char="Ø"/>
-              <a:tabLst/>
-            </a:pPr>
-            <a:r>
-              <a:rPr kumimoji="0" lang="en-US" altLang="en-US" sz="1300" b="0" i="0" u="none" strike="noStrike" cap="none" normalizeH="0" baseline="0" dirty="0">
-                <a:ln>
-                  <a:noFill/>
-                </a:ln>
-                <a:solidFill>
-                  <a:srgbClr val="E6E1DC"/>
-                </a:solidFill>
-                <a:effectLst/>
-                <a:latin typeface="Lucida Console" panose="020B0609040504020204" pitchFamily="49" charset="0"/>
-              </a:rPr>
-              <a:t>95% family-wise confidence level </a:t>
-            </a:r>
-          </a:p>
-          <a:p>
-            <a:pPr marL="285750" marR="0" lvl="0" indent="-285750" algn="l" defTabSz="914400" rtl="0" eaLnBrk="0" fontAlgn="base" latinLnBrk="0" hangingPunct="0">
-              <a:lnSpc>
-                <a:spcPct val="100000"/>
-              </a:lnSpc>
-              <a:spcBef>
-                <a:spcPct val="0"/>
-              </a:spcBef>
-              <a:spcAft>
-                <a:spcPct val="0"/>
-              </a:spcAft>
-              <a:buClrTx/>
-              <a:buSzTx/>
-              <a:buFont typeface="Wingdings" panose="05000000000000000000" pitchFamily="2" charset="2"/>
-              <a:buChar char="Ø"/>
-              <a:tabLst/>
-            </a:pPr>
-            <a:r>
-              <a:rPr kumimoji="0" lang="en-US" altLang="en-US" sz="1300" b="0" i="0" u="none" strike="noStrike" cap="none" normalizeH="0" baseline="0" dirty="0">
-                <a:ln>
-                  <a:noFill/>
-                </a:ln>
-                <a:solidFill>
-                  <a:srgbClr val="E6E1DC"/>
-                </a:solidFill>
-                <a:effectLst/>
-                <a:latin typeface="Lucida Console" panose="020B0609040504020204" pitchFamily="49" charset="0"/>
-              </a:rPr>
-              <a:t>Fit: </a:t>
-            </a:r>
-            <a:r>
-              <a:rPr kumimoji="0" lang="en-US" altLang="en-US" sz="1300" b="0" i="0" u="none" strike="noStrike" cap="none" normalizeH="0" baseline="0" dirty="0" err="1">
-                <a:ln>
-                  <a:noFill/>
-                </a:ln>
-                <a:solidFill>
-                  <a:srgbClr val="E6E1DC"/>
-                </a:solidFill>
-                <a:effectLst/>
-                <a:latin typeface="Lucida Console" panose="020B0609040504020204" pitchFamily="49" charset="0"/>
-              </a:rPr>
-              <a:t>aov</a:t>
-            </a:r>
-            <a:r>
-              <a:rPr kumimoji="0" lang="en-US" altLang="en-US" sz="1300" b="0" i="0" u="none" strike="noStrike" cap="none" normalizeH="0" baseline="0" dirty="0">
-                <a:ln>
-                  <a:noFill/>
-                </a:ln>
-                <a:solidFill>
-                  <a:srgbClr val="E6E1DC"/>
-                </a:solidFill>
-                <a:effectLst/>
-                <a:latin typeface="Lucida Console" panose="020B0609040504020204" pitchFamily="49" charset="0"/>
-              </a:rPr>
-              <a:t>(formula = distances ~ group, data = df) </a:t>
-            </a:r>
-          </a:p>
-          <a:p>
-            <a:pPr marL="285750" marR="0" lvl="0" indent="-285750" algn="l" defTabSz="914400" rtl="0" eaLnBrk="0" fontAlgn="base" latinLnBrk="0" hangingPunct="0">
-              <a:lnSpc>
-                <a:spcPct val="100000"/>
-              </a:lnSpc>
-              <a:spcBef>
-                <a:spcPct val="0"/>
-              </a:spcBef>
-              <a:spcAft>
-                <a:spcPct val="0"/>
-              </a:spcAft>
-              <a:buClrTx/>
-              <a:buSzTx/>
-              <a:buFont typeface="Wingdings" panose="05000000000000000000" pitchFamily="2" charset="2"/>
-              <a:buChar char="Ø"/>
-              <a:tabLst/>
-            </a:pPr>
-            <a:r>
-              <a:rPr kumimoji="0" lang="en-US" altLang="en-US" sz="1300" b="0" i="0" u="none" strike="noStrike" cap="none" normalizeH="0" baseline="0" dirty="0">
-                <a:ln>
-                  <a:noFill/>
-                </a:ln>
-                <a:solidFill>
-                  <a:srgbClr val="E6E1DC"/>
-                </a:solidFill>
-                <a:effectLst/>
-                <a:latin typeface="Lucida Console" panose="020B0609040504020204" pitchFamily="49" charset="0"/>
-              </a:rPr>
-              <a:t>$group </a:t>
-            </a:r>
-          </a:p>
-          <a:p>
-            <a:pPr lvl="5" eaLnBrk="0" fontAlgn="base" hangingPunct="0">
-              <a:spcBef>
-                <a:spcPct val="0"/>
-              </a:spcBef>
-              <a:spcAft>
-                <a:spcPct val="0"/>
-              </a:spcAft>
-            </a:pPr>
-            <a:r>
-              <a:rPr kumimoji="0" lang="en-US" altLang="en-US" sz="1300" b="0" i="0" u="none" strike="noStrike" cap="none" normalizeH="0" baseline="0" dirty="0">
-                <a:ln>
-                  <a:noFill/>
-                </a:ln>
-                <a:solidFill>
-                  <a:srgbClr val="E6E1DC"/>
-                </a:solidFill>
-                <a:effectLst/>
-                <a:latin typeface="Lucida Console" panose="020B0609040504020204" pitchFamily="49" charset="0"/>
-              </a:rPr>
-              <a:t>		diff 	   </a:t>
-            </a:r>
-            <a:r>
-              <a:rPr kumimoji="0" lang="en-US" altLang="en-US" sz="1300" b="0" i="0" u="none" strike="noStrike" cap="none" normalizeH="0" baseline="0" dirty="0" err="1">
-                <a:ln>
-                  <a:noFill/>
-                </a:ln>
-                <a:solidFill>
-                  <a:srgbClr val="E6E1DC"/>
-                </a:solidFill>
-                <a:effectLst/>
-                <a:latin typeface="Lucida Console" panose="020B0609040504020204" pitchFamily="49" charset="0"/>
-              </a:rPr>
-              <a:t>lwr</a:t>
-            </a:r>
-            <a:r>
-              <a:rPr kumimoji="0" lang="en-US" altLang="en-US" sz="1300" b="0" i="0" u="none" strike="noStrike" cap="none" normalizeH="0" baseline="0" dirty="0">
-                <a:ln>
-                  <a:noFill/>
-                </a:ln>
-                <a:solidFill>
-                  <a:srgbClr val="E6E1DC"/>
-                </a:solidFill>
-                <a:effectLst/>
-                <a:latin typeface="Lucida Console" panose="020B0609040504020204" pitchFamily="49" charset="0"/>
-              </a:rPr>
-              <a:t> 	   </a:t>
-            </a:r>
-            <a:r>
-              <a:rPr kumimoji="0" lang="en-US" altLang="en-US" sz="1300" b="0" i="0" u="none" strike="noStrike" cap="none" normalizeH="0" baseline="0" dirty="0" err="1">
-                <a:ln>
-                  <a:noFill/>
-                </a:ln>
-                <a:solidFill>
-                  <a:srgbClr val="E6E1DC"/>
-                </a:solidFill>
-                <a:effectLst/>
-                <a:latin typeface="Lucida Console" panose="020B0609040504020204" pitchFamily="49" charset="0"/>
-              </a:rPr>
-              <a:t>upr</a:t>
-            </a:r>
-            <a:r>
-              <a:rPr kumimoji="0" lang="en-US" altLang="en-US" sz="1300" b="0" i="0" u="none" strike="noStrike" cap="none" normalizeH="0" baseline="0" dirty="0">
-                <a:ln>
-                  <a:noFill/>
-                </a:ln>
-                <a:solidFill>
-                  <a:srgbClr val="E6E1DC"/>
-                </a:solidFill>
-                <a:effectLst/>
-                <a:latin typeface="Lucida Console" panose="020B0609040504020204" pitchFamily="49" charset="0"/>
-              </a:rPr>
-              <a:t> 	   p adj </a:t>
-            </a:r>
-          </a:p>
-          <a:p>
-            <a:pPr marL="285750" marR="0" lvl="0" indent="-285750" algn="l" defTabSz="914400" rtl="0" eaLnBrk="0" fontAlgn="base" latinLnBrk="0" hangingPunct="0">
-              <a:lnSpc>
-                <a:spcPct val="100000"/>
-              </a:lnSpc>
-              <a:spcBef>
-                <a:spcPct val="0"/>
-              </a:spcBef>
-              <a:spcAft>
-                <a:spcPct val="0"/>
-              </a:spcAft>
-              <a:buClrTx/>
-              <a:buSzTx/>
-              <a:buFont typeface="Wingdings" panose="05000000000000000000" pitchFamily="2" charset="2"/>
-              <a:buChar char="Ø"/>
-              <a:tabLst/>
-            </a:pPr>
-            <a:r>
-              <a:rPr kumimoji="0" lang="en-US" altLang="en-US" sz="1300" b="0" i="0" u="none" strike="noStrike" cap="none" normalizeH="0" baseline="0" dirty="0">
-                <a:ln>
-                  <a:noFill/>
-                </a:ln>
-                <a:solidFill>
-                  <a:srgbClr val="E6E1DC"/>
-                </a:solidFill>
-                <a:effectLst/>
-                <a:latin typeface="Lucida Console" panose="020B0609040504020204" pitchFamily="49" charset="0"/>
-              </a:rPr>
-              <a:t>Sick - Healthy 			1.644249 -52.82854 56.11703  0.9971626 </a:t>
-            </a:r>
-          </a:p>
-          <a:p>
-            <a:pPr marL="285750" marR="0" lvl="0" indent="-285750" algn="l" defTabSz="914400" rtl="0" eaLnBrk="0" fontAlgn="base" latinLnBrk="0" hangingPunct="0">
-              <a:lnSpc>
-                <a:spcPct val="100000"/>
-              </a:lnSpc>
-              <a:spcBef>
-                <a:spcPct val="0"/>
-              </a:spcBef>
-              <a:spcAft>
-                <a:spcPct val="0"/>
-              </a:spcAft>
-              <a:buClrTx/>
-              <a:buSzTx/>
-              <a:buFont typeface="Wingdings" panose="05000000000000000000" pitchFamily="2" charset="2"/>
-              <a:buChar char="Ø"/>
-              <a:tabLst/>
-            </a:pPr>
-            <a:r>
-              <a:rPr kumimoji="0" lang="en-US" altLang="en-US" sz="1300" b="0" i="0" u="none" strike="noStrike" cap="none" normalizeH="0" baseline="0" dirty="0">
-                <a:ln>
-                  <a:noFill/>
-                </a:ln>
-                <a:solidFill>
-                  <a:srgbClr val="E6E1DC"/>
-                </a:solidFill>
-                <a:effectLst/>
-                <a:latin typeface="Lucida Console" panose="020B0609040504020204" pitchFamily="49" charset="0"/>
-              </a:rPr>
-              <a:t>COVID19 - Healthy		99.391186 52.81794 145.96444 0.0000052 </a:t>
-            </a:r>
-          </a:p>
-          <a:p>
-            <a:pPr marL="285750" marR="0" lvl="0" indent="-285750" algn="l" defTabSz="914400" rtl="0" eaLnBrk="0" fontAlgn="base" latinLnBrk="0" hangingPunct="0">
-              <a:lnSpc>
-                <a:spcPct val="100000"/>
-              </a:lnSpc>
-              <a:spcBef>
-                <a:spcPct val="0"/>
-              </a:spcBef>
-              <a:spcAft>
-                <a:spcPct val="0"/>
-              </a:spcAft>
-              <a:buClrTx/>
-              <a:buSzTx/>
-              <a:buFont typeface="Wingdings" panose="05000000000000000000" pitchFamily="2" charset="2"/>
-              <a:buChar char="Ø"/>
-              <a:tabLst/>
-            </a:pPr>
-            <a:r>
-              <a:rPr kumimoji="0" lang="en-US" altLang="en-US" sz="1300" b="0" i="0" u="none" strike="noStrike" cap="none" normalizeH="0" baseline="0" dirty="0">
-                <a:ln>
-                  <a:noFill/>
-                </a:ln>
-                <a:solidFill>
-                  <a:srgbClr val="E6E1DC"/>
-                </a:solidFill>
-                <a:effectLst/>
-                <a:latin typeface="Lucida Console" panose="020B0609040504020204" pitchFamily="49" charset="0"/>
-              </a:rPr>
-              <a:t>COVID19 - </a:t>
-            </a:r>
-            <a:r>
-              <a:rPr kumimoji="0" lang="en-US" altLang="en-US" sz="1300" b="0" i="0" u="none" strike="noStrike" cap="none" normalizeH="0" baseline="0" dirty="0" err="1">
-                <a:ln>
-                  <a:noFill/>
-                </a:ln>
-                <a:solidFill>
-                  <a:srgbClr val="E6E1DC"/>
-                </a:solidFill>
-                <a:effectLst/>
-                <a:latin typeface="Lucida Console" panose="020B0609040504020204" pitchFamily="49" charset="0"/>
-              </a:rPr>
-              <a:t>Control_Sick</a:t>
-            </a:r>
-            <a:r>
-              <a:rPr kumimoji="0" lang="en-US" altLang="en-US" sz="1300" b="0" i="0" u="none" strike="noStrike" cap="none" normalizeH="0" baseline="0" dirty="0">
-                <a:ln>
-                  <a:noFill/>
-                </a:ln>
-                <a:solidFill>
-                  <a:srgbClr val="E6E1DC"/>
-                </a:solidFill>
-                <a:effectLst/>
-                <a:latin typeface="Lucida Console" panose="020B0609040504020204" pitchFamily="49" charset="0"/>
-              </a:rPr>
-              <a:t> 		97.746937 47.41334 148.08053 0.0000335</a:t>
-            </a:r>
-            <a:endParaRPr kumimoji="0" lang="en-US" altLang="en-US" sz="1800" b="0" i="0" u="none" strike="noStrike" cap="none" normalizeH="0" baseline="0" dirty="0">
-              <a:ln>
-                <a:noFill/>
-              </a:ln>
-              <a:solidFill>
-                <a:schemeClr val="tx1"/>
-              </a:solidFill>
-              <a:effectLst/>
-              <a:latin typeface="Arial" panose="020B0604020202020204" pitchFamily="34" charset="0"/>
-            </a:endParaRPr>
-          </a:p>
-        </p:txBody>
-      </p:sp>
-      <p:sp>
-        <p:nvSpPr>
-          <p:cNvPr id="7" name="TextBox 6">
-            <a:extLst>
-              <a:ext uri="{FF2B5EF4-FFF2-40B4-BE49-F238E27FC236}">
-                <a16:creationId xmlns:a16="http://schemas.microsoft.com/office/drawing/2014/main" id="{44CFDF76-9AFE-4E5A-AC6F-D166BABC3F69}"/>
-              </a:ext>
-            </a:extLst>
-          </p:cNvPr>
-          <p:cNvSpPr txBox="1"/>
-          <p:nvPr/>
-        </p:nvSpPr>
-        <p:spPr>
-          <a:xfrm>
-            <a:off x="504697" y="18246"/>
-            <a:ext cx="11687304" cy="461665"/>
-          </a:xfrm>
-          <a:prstGeom prst="rect">
-            <a:avLst/>
-          </a:prstGeom>
-          <a:noFill/>
-        </p:spPr>
-        <p:txBody>
-          <a:bodyPr wrap="square" rtlCol="0">
-            <a:spAutoFit/>
-          </a:bodyPr>
-          <a:lstStyle/>
-          <a:p>
-            <a:pPr algn="ctr"/>
-            <a:r>
-              <a:rPr lang="en-US" sz="2400" u="sng" dirty="0"/>
-              <a:t>Within group </a:t>
-            </a:r>
-            <a:r>
-              <a:rPr lang="en-US" sz="2400" u="sng" dirty="0" err="1"/>
-              <a:t>betadisper</a:t>
-            </a:r>
-            <a:r>
-              <a:rPr lang="en-US" sz="2400" u="sng" dirty="0"/>
-              <a:t> Euclidean distance VST transformed counts by case </a:t>
-            </a:r>
-          </a:p>
-        </p:txBody>
-      </p:sp>
-    </p:spTree>
-    <p:extLst>
-      <p:ext uri="{BB962C8B-B14F-4D97-AF65-F5344CB8AC3E}">
-        <p14:creationId xmlns:p14="http://schemas.microsoft.com/office/powerpoint/2010/main" val="336596294"/>
-      </p:ext>
-    </p:extLst>
-  </p:cSld>
-  <p:clrMapOvr>
-    <a:masterClrMapping/>
-  </p:clrMapOvr>
-</p:sld>
-</file>
-
-<file path=ppt/slides/slide8.xml><?xml version="1.0" encoding="utf-8"?>
-<p:sld xmlns:a="http://schemas.openxmlformats.org/drawingml/2006/main" xmlns:r="http://schemas.openxmlformats.org/officeDocument/2006/relationships" xmlns:p="http://schemas.openxmlformats.org/presentationml/2006/main">
-  <p:cSld>
-    <p:spTree>
-      <p:nvGrpSpPr>
-        <p:cNvPr id="1" name=""/>
-        <p:cNvGrpSpPr/>
-        <p:nvPr/>
-      </p:nvGrpSpPr>
-      <p:grpSpPr>
-        <a:xfrm>
-          <a:off x="0" y="0"/>
-          <a:ext cx="0" cy="0"/>
-          <a:chOff x="0" y="0"/>
-          <a:chExt cx="0" cy="0"/>
-        </a:xfrm>
-      </p:grpSpPr>
-      <p:sp>
-        <p:nvSpPr>
-          <p:cNvPr id="7" name="TextBox 6">
-            <a:extLst>
-              <a:ext uri="{FF2B5EF4-FFF2-40B4-BE49-F238E27FC236}">
-                <a16:creationId xmlns:a16="http://schemas.microsoft.com/office/drawing/2014/main" id="{44CFDF76-9AFE-4E5A-AC6F-D166BABC3F69}"/>
-              </a:ext>
-            </a:extLst>
-          </p:cNvPr>
-          <p:cNvSpPr txBox="1"/>
-          <p:nvPr/>
-        </p:nvSpPr>
-        <p:spPr>
-          <a:xfrm>
-            <a:off x="-49942" y="2714309"/>
-            <a:ext cx="6964327" cy="830997"/>
-          </a:xfrm>
-          <a:prstGeom prst="rect">
-            <a:avLst/>
-          </a:prstGeom>
-          <a:noFill/>
-        </p:spPr>
-        <p:txBody>
-          <a:bodyPr wrap="square" rtlCol="0">
-            <a:spAutoFit/>
-          </a:bodyPr>
-          <a:lstStyle/>
-          <a:p>
-            <a:pPr algn="ctr"/>
-            <a:r>
-              <a:rPr lang="en-US" sz="2400" u="sng" dirty="0"/>
-              <a:t>Adonis </a:t>
-            </a:r>
-            <a:r>
-              <a:rPr lang="en-US" sz="2400" u="sng" dirty="0" err="1"/>
-              <a:t>permanova</a:t>
-            </a:r>
-            <a:r>
-              <a:rPr lang="en-US" sz="2400" u="sng" dirty="0"/>
-              <a:t> Euclidean distance VST transformed counts by case, stratified by publication </a:t>
-            </a:r>
-          </a:p>
-        </p:txBody>
-      </p:sp>
-      <p:sp>
-        <p:nvSpPr>
-          <p:cNvPr id="6" name="Rectangle 2">
-            <a:extLst>
-              <a:ext uri="{FF2B5EF4-FFF2-40B4-BE49-F238E27FC236}">
-                <a16:creationId xmlns:a16="http://schemas.microsoft.com/office/drawing/2014/main" id="{5B2E3ADF-D661-4357-AEC9-A7C2C142ABFD}"/>
-              </a:ext>
-            </a:extLst>
-          </p:cNvPr>
-          <p:cNvSpPr>
-            <a:spLocks noChangeArrowheads="1"/>
-          </p:cNvSpPr>
-          <p:nvPr/>
-        </p:nvSpPr>
-        <p:spPr bwMode="auto">
-          <a:xfrm>
-            <a:off x="64324" y="3601353"/>
-            <a:ext cx="6964326" cy="3000821"/>
-          </a:xfrm>
-          <a:prstGeom prst="rect">
-            <a:avLst/>
-          </a:prstGeom>
-          <a:solidFill>
-            <a:srgbClr val="202020"/>
-          </a:solidFill>
-          <a:ln>
-            <a:noFill/>
-          </a:ln>
-          <a:effectLst/>
-          <a:extLst>
-            <a:ext uri="{91240B29-F687-4F45-9708-019B960494DF}">
-              <a14:hiddenLine xmlns:a14="http://schemas.microsoft.com/office/drawing/2010/main" w="9525">
-                <a:solidFill>
-                  <a:schemeClr val="tx1"/>
-                </a:solidFill>
-                <a:miter lim="800000"/>
-                <a:headEnd/>
-                <a:tailEnd/>
-              </a14:hiddenLine>
-            </a:ext>
-            <a:ext uri="{AF507438-7753-43E0-B8FC-AC1667EBCBE1}">
-              <a14:hiddenEffects xmlns:a14="http://schemas.microsoft.com/office/drawing/2010/main">
-                <a:effectLst>
-                  <a:outerShdw dist="35921" dir="2700000" algn="ctr" rotWithShape="0">
-                    <a:schemeClr val="bg2"/>
-                  </a:outerShdw>
-                </a:effectLst>
-              </a14:hiddenEffects>
-            </a:ext>
-          </a:extLst>
-        </p:spPr>
-        <p:txBody>
-          <a:bodyPr vert="horz" wrap="square" lIns="0" tIns="0" rIns="0" bIns="0" numCol="1" anchor="ctr" anchorCtr="0" compatLnSpc="1">
-            <a:prstTxWarp prst="textNoShape">
-              <a:avLst/>
-            </a:prstTxWarp>
-            <a:spAutoFit/>
-          </a:bodyPr>
-          <a:lstStyle/>
-          <a:p>
-            <a:pPr marL="0" marR="0" lvl="0" indent="0" algn="l" defTabSz="914400" rtl="0" eaLnBrk="0" fontAlgn="base" latinLnBrk="0" hangingPunct="0">
-              <a:lnSpc>
-                <a:spcPct val="100000"/>
-              </a:lnSpc>
-              <a:spcBef>
-                <a:spcPct val="0"/>
-              </a:spcBef>
-              <a:spcAft>
-                <a:spcPct val="0"/>
-              </a:spcAft>
-              <a:buClrTx/>
-              <a:buSzTx/>
-              <a:buFontTx/>
-              <a:buNone/>
-              <a:tabLst/>
-            </a:pPr>
-            <a:br>
-              <a:rPr kumimoji="0" lang="en-US" altLang="en-US" sz="1300" b="0" i="0" u="none" strike="noStrike" cap="none" normalizeH="0" baseline="0" dirty="0">
-                <a:ln>
-                  <a:noFill/>
-                </a:ln>
-                <a:solidFill>
-                  <a:srgbClr val="E6E1DC"/>
-                </a:solidFill>
-                <a:effectLst/>
-                <a:latin typeface="Lucida Console" panose="020B0609040504020204" pitchFamily="49" charset="0"/>
-              </a:rPr>
-            </a:br>
-            <a:r>
-              <a:rPr kumimoji="0" lang="en-US" altLang="en-US" sz="1300" b="0" i="0" u="none" strike="noStrike" cap="none" normalizeH="0" baseline="0" dirty="0">
-                <a:ln>
-                  <a:noFill/>
-                </a:ln>
-                <a:solidFill>
-                  <a:srgbClr val="E6E1DC"/>
-                </a:solidFill>
-                <a:effectLst/>
-                <a:latin typeface="Lucida Console" panose="020B0609040504020204" pitchFamily="49" charset="0"/>
-              </a:rPr>
-              <a:t>Call: </a:t>
-            </a:r>
-            <a:r>
-              <a:rPr kumimoji="0" lang="en-US" altLang="en-US" sz="1300" b="0" i="0" u="none" strike="noStrike" cap="none" normalizeH="0" baseline="0" dirty="0" err="1">
-                <a:ln>
-                  <a:noFill/>
-                </a:ln>
-                <a:solidFill>
-                  <a:srgbClr val="E6E1DC"/>
-                </a:solidFill>
-                <a:effectLst/>
-                <a:latin typeface="Lucida Console" panose="020B0609040504020204" pitchFamily="49" charset="0"/>
-              </a:rPr>
-              <a:t>adonis</a:t>
-            </a:r>
-            <a:r>
-              <a:rPr kumimoji="0" lang="en-US" altLang="en-US" sz="1300" b="0" i="0" u="none" strike="noStrike" cap="none" normalizeH="0" baseline="0" dirty="0">
-                <a:ln>
-                  <a:noFill/>
-                </a:ln>
-                <a:solidFill>
-                  <a:srgbClr val="E6E1DC"/>
-                </a:solidFill>
-                <a:effectLst/>
-                <a:latin typeface="Lucida Console" panose="020B0609040504020204" pitchFamily="49" charset="0"/>
-              </a:rPr>
-              <a:t>(formula = </a:t>
-            </a:r>
-            <a:r>
-              <a:rPr kumimoji="0" lang="en-US" altLang="en-US" sz="1300" b="0" i="0" u="none" strike="noStrike" cap="none" normalizeH="0" baseline="0" dirty="0" err="1">
-                <a:ln>
-                  <a:noFill/>
-                </a:ln>
-                <a:solidFill>
-                  <a:srgbClr val="E6E1DC"/>
-                </a:solidFill>
-                <a:effectLst/>
-                <a:latin typeface="Lucida Console" panose="020B0609040504020204" pitchFamily="49" charset="0"/>
-              </a:rPr>
-              <a:t>euc_dist</a:t>
-            </a:r>
-            <a:r>
-              <a:rPr kumimoji="0" lang="en-US" altLang="en-US" sz="1300" b="0" i="0" u="none" strike="noStrike" cap="none" normalizeH="0" baseline="0" dirty="0">
-                <a:ln>
-                  <a:noFill/>
-                </a:ln>
-                <a:solidFill>
-                  <a:srgbClr val="E6E1DC"/>
-                </a:solidFill>
-                <a:effectLst/>
-                <a:latin typeface="Lucida Console" panose="020B0609040504020204" pitchFamily="49" charset="0"/>
-              </a:rPr>
-              <a:t> ~ </a:t>
-            </a:r>
-            <a:r>
-              <a:rPr kumimoji="0" lang="en-US" altLang="en-US" sz="1300" b="0" i="0" u="none" strike="noStrike" cap="none" normalizeH="0" baseline="0" dirty="0" err="1">
-                <a:ln>
-                  <a:noFill/>
-                </a:ln>
-                <a:solidFill>
-                  <a:srgbClr val="E6E1DC"/>
-                </a:solidFill>
-                <a:effectLst/>
-                <a:latin typeface="Lucida Console" panose="020B0609040504020204" pitchFamily="49" charset="0"/>
-              </a:rPr>
-              <a:t>sample_data</a:t>
-            </a:r>
-            <a:r>
-              <a:rPr kumimoji="0" lang="en-US" altLang="en-US" sz="1300" b="0" i="0" u="none" strike="noStrike" cap="none" normalizeH="0" baseline="0" dirty="0">
-                <a:ln>
-                  <a:noFill/>
-                </a:ln>
-                <a:solidFill>
-                  <a:srgbClr val="E6E1DC"/>
-                </a:solidFill>
-                <a:effectLst/>
-                <a:latin typeface="Lucida Console" panose="020B0609040504020204" pitchFamily="49" charset="0"/>
-              </a:rPr>
-              <a:t>(</a:t>
-            </a:r>
-            <a:r>
-              <a:rPr kumimoji="0" lang="en-US" altLang="en-US" sz="1300" b="0" i="0" u="none" strike="noStrike" cap="none" normalizeH="0" baseline="0" dirty="0" err="1">
-                <a:ln>
-                  <a:noFill/>
-                </a:ln>
-                <a:solidFill>
-                  <a:srgbClr val="E6E1DC"/>
-                </a:solidFill>
-                <a:effectLst/>
-                <a:latin typeface="Lucida Console" panose="020B0609040504020204" pitchFamily="49" charset="0"/>
-              </a:rPr>
-              <a:t>ps_balf_not_sick</a:t>
-            </a:r>
-            <a:r>
-              <a:rPr kumimoji="0" lang="en-US" altLang="en-US" sz="1300" b="0" i="0" u="none" strike="noStrike" cap="none" normalizeH="0" baseline="0" dirty="0">
-                <a:ln>
-                  <a:noFill/>
-                </a:ln>
-                <a:solidFill>
-                  <a:srgbClr val="E6E1DC"/>
-                </a:solidFill>
-                <a:effectLst/>
-                <a:latin typeface="Lucida Console" panose="020B0609040504020204" pitchFamily="49" charset="0"/>
-              </a:rPr>
-              <a:t>)$case, </a:t>
-            </a:r>
-          </a:p>
-          <a:p>
-            <a:pPr marL="0" marR="0" lvl="0" indent="0" algn="l" defTabSz="914400" rtl="0" eaLnBrk="0" fontAlgn="base" latinLnBrk="0" hangingPunct="0">
-              <a:lnSpc>
-                <a:spcPct val="100000"/>
-              </a:lnSpc>
-              <a:spcBef>
-                <a:spcPct val="0"/>
-              </a:spcBef>
-              <a:spcAft>
-                <a:spcPct val="0"/>
-              </a:spcAft>
-              <a:buClrTx/>
-              <a:buSzTx/>
-              <a:buFontTx/>
-              <a:buNone/>
-              <a:tabLst/>
-            </a:pPr>
-            <a:r>
-              <a:rPr kumimoji="0" lang="en-US" altLang="en-US" sz="1300" b="0" i="0" u="none" strike="noStrike" cap="none" normalizeH="0" baseline="0" dirty="0">
-                <a:ln>
-                  <a:noFill/>
-                </a:ln>
-                <a:solidFill>
-                  <a:srgbClr val="E6E1DC"/>
-                </a:solidFill>
-                <a:effectLst/>
-                <a:latin typeface="Lucida Console" panose="020B0609040504020204" pitchFamily="49" charset="0"/>
-              </a:rPr>
-              <a:t>permutations = 9999, </a:t>
-            </a:r>
-          </a:p>
-          <a:p>
-            <a:pPr marL="0" marR="0" lvl="0" indent="0" algn="l" defTabSz="914400" rtl="0" eaLnBrk="0" fontAlgn="base" latinLnBrk="0" hangingPunct="0">
-              <a:lnSpc>
-                <a:spcPct val="100000"/>
-              </a:lnSpc>
-              <a:spcBef>
-                <a:spcPct val="0"/>
-              </a:spcBef>
-              <a:spcAft>
-                <a:spcPct val="0"/>
-              </a:spcAft>
-              <a:buClrTx/>
-              <a:buSzTx/>
-              <a:buFontTx/>
-              <a:buNone/>
-              <a:tabLst/>
-            </a:pPr>
-            <a:r>
-              <a:rPr kumimoji="0" lang="en-US" altLang="en-US" sz="1300" b="0" i="0" u="none" strike="noStrike" cap="none" normalizeH="0" baseline="0" dirty="0">
-                <a:ln>
-                  <a:noFill/>
-                </a:ln>
-                <a:solidFill>
-                  <a:srgbClr val="E6E1DC"/>
-                </a:solidFill>
-                <a:effectLst/>
-                <a:latin typeface="Lucida Console" panose="020B0609040504020204" pitchFamily="49" charset="0"/>
-              </a:rPr>
-              <a:t>strata = </a:t>
-            </a:r>
-            <a:r>
-              <a:rPr kumimoji="0" lang="en-US" altLang="en-US" sz="1300" b="0" i="0" u="none" strike="noStrike" cap="none" normalizeH="0" baseline="0" dirty="0" err="1">
-                <a:ln>
-                  <a:noFill/>
-                </a:ln>
-                <a:solidFill>
-                  <a:srgbClr val="E6E1DC"/>
-                </a:solidFill>
-                <a:effectLst/>
-                <a:latin typeface="Lucida Console" panose="020B0609040504020204" pitchFamily="49" charset="0"/>
-              </a:rPr>
-              <a:t>sample_data</a:t>
-            </a:r>
-            <a:r>
-              <a:rPr kumimoji="0" lang="en-US" altLang="en-US" sz="1300" b="0" i="0" u="none" strike="noStrike" cap="none" normalizeH="0" baseline="0" dirty="0">
-                <a:ln>
-                  <a:noFill/>
-                </a:ln>
-                <a:solidFill>
-                  <a:srgbClr val="E6E1DC"/>
-                </a:solidFill>
-                <a:effectLst/>
-                <a:latin typeface="Lucida Console" panose="020B0609040504020204" pitchFamily="49" charset="0"/>
-              </a:rPr>
-              <a:t>(</a:t>
-            </a:r>
-            <a:r>
-              <a:rPr kumimoji="0" lang="en-US" altLang="en-US" sz="1300" b="0" i="0" u="none" strike="noStrike" cap="none" normalizeH="0" baseline="0" dirty="0" err="1">
-                <a:ln>
-                  <a:noFill/>
-                </a:ln>
-                <a:solidFill>
-                  <a:srgbClr val="E6E1DC"/>
-                </a:solidFill>
-                <a:effectLst/>
-                <a:latin typeface="Lucida Console" panose="020B0609040504020204" pitchFamily="49" charset="0"/>
-              </a:rPr>
-              <a:t>ps_balf_not_sick</a:t>
-            </a:r>
-            <a:r>
-              <a:rPr kumimoji="0" lang="en-US" altLang="en-US" sz="1300" b="0" i="0" u="none" strike="noStrike" cap="none" normalizeH="0" baseline="0" dirty="0">
-                <a:ln>
-                  <a:noFill/>
-                </a:ln>
-                <a:solidFill>
-                  <a:srgbClr val="E6E1DC"/>
-                </a:solidFill>
-                <a:effectLst/>
-                <a:latin typeface="Lucida Console" panose="020B0609040504020204" pitchFamily="49" charset="0"/>
-              </a:rPr>
-              <a:t>)$publication) </a:t>
-            </a:r>
-          </a:p>
-          <a:p>
-            <a:pPr marL="0" marR="0" lvl="0" indent="0" algn="l" defTabSz="914400" rtl="0" eaLnBrk="0" fontAlgn="base" latinLnBrk="0" hangingPunct="0">
-              <a:lnSpc>
-                <a:spcPct val="100000"/>
-              </a:lnSpc>
-              <a:spcBef>
-                <a:spcPct val="0"/>
-              </a:spcBef>
-              <a:spcAft>
-                <a:spcPct val="0"/>
-              </a:spcAft>
-              <a:buClrTx/>
-              <a:buSzTx/>
-              <a:buFontTx/>
-              <a:buNone/>
-              <a:tabLst/>
-            </a:pPr>
-            <a:r>
-              <a:rPr kumimoji="0" lang="en-US" altLang="en-US" sz="1300" b="0" i="0" u="none" strike="noStrike" cap="none" normalizeH="0" baseline="0" dirty="0">
-                <a:ln>
-                  <a:noFill/>
-                </a:ln>
-                <a:solidFill>
-                  <a:srgbClr val="E6E1DC"/>
-                </a:solidFill>
-                <a:effectLst/>
-                <a:latin typeface="Lucida Console" panose="020B0609040504020204" pitchFamily="49" charset="0"/>
-              </a:rPr>
-              <a:t>Blocks: strata </a:t>
-            </a:r>
-          </a:p>
-          <a:p>
-            <a:pPr marL="0" marR="0" lvl="0" indent="0" algn="l" defTabSz="914400" rtl="0" eaLnBrk="0" fontAlgn="base" latinLnBrk="0" hangingPunct="0">
-              <a:lnSpc>
-                <a:spcPct val="100000"/>
-              </a:lnSpc>
-              <a:spcBef>
-                <a:spcPct val="0"/>
-              </a:spcBef>
-              <a:spcAft>
-                <a:spcPct val="0"/>
-              </a:spcAft>
-              <a:buClrTx/>
-              <a:buSzTx/>
-              <a:buFontTx/>
-              <a:buNone/>
-              <a:tabLst/>
-            </a:pPr>
-            <a:r>
-              <a:rPr kumimoji="0" lang="en-US" altLang="en-US" sz="1300" b="0" i="0" u="none" strike="noStrike" cap="none" normalizeH="0" baseline="0" dirty="0">
-                <a:ln>
-                  <a:noFill/>
-                </a:ln>
-                <a:solidFill>
-                  <a:srgbClr val="E6E1DC"/>
-                </a:solidFill>
-                <a:effectLst/>
-                <a:latin typeface="Lucida Console" panose="020B0609040504020204" pitchFamily="49" charset="0"/>
-              </a:rPr>
-              <a:t>Permutation: free </a:t>
-            </a:r>
-          </a:p>
-          <a:p>
-            <a:pPr marL="0" marR="0" lvl="0" indent="0" algn="l" defTabSz="914400" rtl="0" eaLnBrk="0" fontAlgn="base" latinLnBrk="0" hangingPunct="0">
-              <a:lnSpc>
-                <a:spcPct val="100000"/>
-              </a:lnSpc>
-              <a:spcBef>
-                <a:spcPct val="0"/>
-              </a:spcBef>
-              <a:spcAft>
-                <a:spcPct val="0"/>
-              </a:spcAft>
-              <a:buClrTx/>
-              <a:buSzTx/>
-              <a:buFontTx/>
-              <a:buNone/>
-              <a:tabLst/>
-            </a:pPr>
-            <a:r>
-              <a:rPr kumimoji="0" lang="en-US" altLang="en-US" sz="1300" b="0" i="0" u="none" strike="noStrike" cap="none" normalizeH="0" baseline="0" dirty="0">
-                <a:ln>
-                  <a:noFill/>
-                </a:ln>
-                <a:solidFill>
-                  <a:srgbClr val="E6E1DC"/>
-                </a:solidFill>
-                <a:effectLst/>
-                <a:latin typeface="Lucida Console" panose="020B0609040504020204" pitchFamily="49" charset="0"/>
-              </a:rPr>
-              <a:t>Number of permutations: 9999 </a:t>
-            </a:r>
-          </a:p>
-          <a:p>
-            <a:pPr marL="0" marR="0" lvl="0" indent="0" algn="l" defTabSz="914400" rtl="0" eaLnBrk="0" fontAlgn="base" latinLnBrk="0" hangingPunct="0">
-              <a:lnSpc>
-                <a:spcPct val="100000"/>
-              </a:lnSpc>
-              <a:spcBef>
-                <a:spcPct val="0"/>
-              </a:spcBef>
-              <a:spcAft>
-                <a:spcPct val="0"/>
-              </a:spcAft>
-              <a:buClrTx/>
-              <a:buSzTx/>
-              <a:buFontTx/>
-              <a:buNone/>
-              <a:tabLst/>
-            </a:pPr>
-            <a:endParaRPr kumimoji="0" lang="en-US" altLang="en-US" sz="1300" b="0" i="0" u="none" strike="noStrike" cap="none" normalizeH="0" baseline="0" dirty="0">
-              <a:ln>
-                <a:noFill/>
-              </a:ln>
-              <a:solidFill>
-                <a:srgbClr val="E6E1DC"/>
-              </a:solidFill>
-              <a:effectLst/>
-              <a:latin typeface="Lucida Console" panose="020B0609040504020204" pitchFamily="49" charset="0"/>
-            </a:endParaRPr>
-          </a:p>
-          <a:p>
-            <a:pPr marL="0" marR="0" lvl="0" indent="0" algn="l" defTabSz="914400" rtl="0" eaLnBrk="0" fontAlgn="base" latinLnBrk="0" hangingPunct="0">
-              <a:lnSpc>
-                <a:spcPct val="100000"/>
-              </a:lnSpc>
-              <a:spcBef>
-                <a:spcPct val="0"/>
-              </a:spcBef>
-              <a:spcAft>
-                <a:spcPct val="0"/>
-              </a:spcAft>
-              <a:buClrTx/>
-              <a:buSzTx/>
-              <a:buFontTx/>
-              <a:buNone/>
-              <a:tabLst/>
-            </a:pPr>
-            <a:r>
-              <a:rPr kumimoji="0" lang="en-US" altLang="en-US" sz="1300" b="0" i="0" u="none" strike="noStrike" cap="none" normalizeH="0" baseline="0" dirty="0">
-                <a:ln>
-                  <a:noFill/>
-                </a:ln>
-                <a:solidFill>
-                  <a:srgbClr val="E6E1DC"/>
-                </a:solidFill>
-                <a:effectLst/>
-                <a:latin typeface="Lucida Console" panose="020B0609040504020204" pitchFamily="49" charset="0"/>
-              </a:rPr>
-              <a:t>Terms added sequentially (first to last) </a:t>
-            </a:r>
-          </a:p>
-          <a:p>
-            <a:pPr marL="0" marR="0" lvl="0" indent="0" algn="l" defTabSz="914400" rtl="0" eaLnBrk="0" fontAlgn="base" latinLnBrk="0" hangingPunct="0">
-              <a:lnSpc>
-                <a:spcPct val="100000"/>
-              </a:lnSpc>
-              <a:spcBef>
-                <a:spcPct val="0"/>
-              </a:spcBef>
-              <a:spcAft>
-                <a:spcPct val="0"/>
-              </a:spcAft>
-              <a:buClrTx/>
-              <a:buSzTx/>
-              <a:buFontTx/>
-              <a:buNone/>
-              <a:tabLst/>
-            </a:pPr>
-            <a:r>
-              <a:rPr kumimoji="0" lang="en-US" altLang="en-US" sz="1300" b="0" i="0" u="none" strike="noStrike" cap="none" normalizeH="0" baseline="0" dirty="0">
-                <a:ln>
-                  <a:noFill/>
-                </a:ln>
-                <a:solidFill>
-                  <a:srgbClr val="E6E1DC"/>
-                </a:solidFill>
-                <a:effectLst/>
-                <a:latin typeface="Lucida Console" panose="020B0609040504020204" pitchFamily="49" charset="0"/>
-              </a:rPr>
-              <a:t>	 Df  </a:t>
-            </a:r>
-            <a:r>
-              <a:rPr kumimoji="0" lang="en-US" altLang="en-US" sz="1300" b="0" i="0" u="none" strike="noStrike" cap="none" normalizeH="0" baseline="0" dirty="0" err="1">
-                <a:ln>
-                  <a:noFill/>
-                </a:ln>
-                <a:solidFill>
-                  <a:srgbClr val="E6E1DC"/>
-                </a:solidFill>
-                <a:effectLst/>
-                <a:latin typeface="Lucida Console" panose="020B0609040504020204" pitchFamily="49" charset="0"/>
-              </a:rPr>
-              <a:t>SumsOfSqs</a:t>
-            </a:r>
-            <a:r>
-              <a:rPr kumimoji="0" lang="en-US" altLang="en-US" sz="1300" b="0" i="0" u="none" strike="noStrike" cap="none" normalizeH="0" baseline="0" dirty="0">
-                <a:ln>
-                  <a:noFill/>
-                </a:ln>
-                <a:solidFill>
-                  <a:srgbClr val="E6E1DC"/>
-                </a:solidFill>
-                <a:effectLst/>
-                <a:latin typeface="Lucida Console" panose="020B0609040504020204" pitchFamily="49" charset="0"/>
-              </a:rPr>
-              <a:t> </a:t>
-            </a:r>
-            <a:r>
-              <a:rPr kumimoji="0" lang="en-US" altLang="en-US" sz="1300" b="0" i="0" u="none" strike="noStrike" cap="none" normalizeH="0" baseline="0" dirty="0" err="1">
-                <a:ln>
-                  <a:noFill/>
-                </a:ln>
-                <a:solidFill>
-                  <a:srgbClr val="E6E1DC"/>
-                </a:solidFill>
-                <a:effectLst/>
-                <a:latin typeface="Lucida Console" panose="020B0609040504020204" pitchFamily="49" charset="0"/>
-              </a:rPr>
-              <a:t>MeanSqs</a:t>
-            </a:r>
-            <a:r>
-              <a:rPr kumimoji="0" lang="en-US" altLang="en-US" sz="1300" b="0" i="0" u="none" strike="noStrike" cap="none" normalizeH="0" baseline="0" dirty="0">
-                <a:ln>
-                  <a:noFill/>
-                </a:ln>
-                <a:solidFill>
-                  <a:srgbClr val="E6E1DC"/>
-                </a:solidFill>
-                <a:effectLst/>
-                <a:latin typeface="Lucida Console" panose="020B0609040504020204" pitchFamily="49" charset="0"/>
-              </a:rPr>
-              <a:t> </a:t>
-            </a:r>
-            <a:r>
-              <a:rPr kumimoji="0" lang="en-US" altLang="en-US" sz="1300" b="0" i="0" u="none" strike="noStrike" cap="none" normalizeH="0" baseline="0" dirty="0" err="1">
-                <a:ln>
-                  <a:noFill/>
-                </a:ln>
-                <a:solidFill>
-                  <a:srgbClr val="E6E1DC"/>
-                </a:solidFill>
-                <a:effectLst/>
-                <a:latin typeface="Lucida Console" panose="020B0609040504020204" pitchFamily="49" charset="0"/>
-              </a:rPr>
-              <a:t>F.Model</a:t>
-            </a:r>
-            <a:r>
-              <a:rPr kumimoji="0" lang="en-US" altLang="en-US" sz="1300" b="0" i="0" u="none" strike="noStrike" cap="none" normalizeH="0" baseline="0" dirty="0">
-                <a:ln>
-                  <a:noFill/>
-                </a:ln>
-                <a:solidFill>
-                  <a:srgbClr val="E6E1DC"/>
-                </a:solidFill>
-                <a:effectLst/>
-                <a:latin typeface="Lucida Console" panose="020B0609040504020204" pitchFamily="49" charset="0"/>
-              </a:rPr>
-              <a:t> R2 </a:t>
-            </a:r>
-            <a:r>
-              <a:rPr kumimoji="0" lang="en-US" altLang="en-US" sz="1300" b="0" i="0" u="none" strike="noStrike" cap="none" normalizeH="0" baseline="0" dirty="0" err="1">
-                <a:ln>
-                  <a:noFill/>
-                </a:ln>
-                <a:solidFill>
-                  <a:srgbClr val="E6E1DC"/>
-                </a:solidFill>
-                <a:effectLst/>
-                <a:latin typeface="Lucida Console" panose="020B0609040504020204" pitchFamily="49" charset="0"/>
-              </a:rPr>
-              <a:t>Pr</a:t>
-            </a:r>
-            <a:r>
-              <a:rPr kumimoji="0" lang="en-US" altLang="en-US" sz="1300" b="0" i="0" u="none" strike="noStrike" cap="none" normalizeH="0" baseline="0" dirty="0">
-                <a:ln>
-                  <a:noFill/>
-                </a:ln>
-                <a:solidFill>
-                  <a:srgbClr val="E6E1DC"/>
-                </a:solidFill>
-                <a:effectLst/>
-                <a:latin typeface="Lucida Console" panose="020B0609040504020204" pitchFamily="49" charset="0"/>
-              </a:rPr>
-              <a:t>(&gt;F) </a:t>
-            </a:r>
-          </a:p>
-          <a:p>
-            <a:pPr marL="0" marR="0" lvl="0" indent="0" algn="l" defTabSz="914400" rtl="0" eaLnBrk="0" fontAlgn="base" latinLnBrk="0" hangingPunct="0">
-              <a:lnSpc>
-                <a:spcPct val="100000"/>
-              </a:lnSpc>
-              <a:spcBef>
-                <a:spcPct val="0"/>
-              </a:spcBef>
-              <a:spcAft>
-                <a:spcPct val="0"/>
-              </a:spcAft>
-              <a:buClrTx/>
-              <a:buSzTx/>
-              <a:buFontTx/>
-              <a:buNone/>
-              <a:tabLst/>
-            </a:pPr>
-            <a:r>
-              <a:rPr kumimoji="0" lang="en-US" altLang="en-US" sz="1300" b="0" i="0" u="none" strike="noStrike" cap="none" normalizeH="0" baseline="0" dirty="0">
-                <a:ln>
-                  <a:noFill/>
-                </a:ln>
-                <a:solidFill>
-                  <a:srgbClr val="E6E1DC"/>
-                </a:solidFill>
-                <a:effectLst/>
-                <a:latin typeface="Lucida Console" panose="020B0609040504020204" pitchFamily="49" charset="0"/>
-              </a:rPr>
-              <a:t>case  	 1    157741  157741  3.8181 0.04667  0.064 .</a:t>
-            </a:r>
-          </a:p>
-          <a:p>
-            <a:pPr marL="0" marR="0" lvl="0" indent="0" algn="l" defTabSz="914400" rtl="0" eaLnBrk="0" fontAlgn="base" latinLnBrk="0" hangingPunct="0">
-              <a:lnSpc>
-                <a:spcPct val="100000"/>
-              </a:lnSpc>
-              <a:spcBef>
-                <a:spcPct val="0"/>
-              </a:spcBef>
-              <a:spcAft>
-                <a:spcPct val="0"/>
-              </a:spcAft>
-              <a:buClrTx/>
-              <a:buSzTx/>
-              <a:buFontTx/>
-              <a:buNone/>
-              <a:tabLst/>
-            </a:pPr>
-            <a:r>
-              <a:rPr kumimoji="0" lang="en-US" altLang="en-US" sz="1300" b="0" i="0" u="none" strike="noStrike" cap="none" normalizeH="0" baseline="0" dirty="0">
-                <a:ln>
-                  <a:noFill/>
-                </a:ln>
-                <a:solidFill>
-                  <a:srgbClr val="E6E1DC"/>
-                </a:solidFill>
-                <a:effectLst/>
-                <a:latin typeface="Lucida Console" panose="020B0609040504020204" pitchFamily="49" charset="0"/>
-              </a:rPr>
-              <a:t>Residuals 78   3222517   41314         0.95333         </a:t>
-            </a:r>
-          </a:p>
-          <a:p>
-            <a:pPr marL="0" marR="0" lvl="0" indent="0" algn="l" defTabSz="914400" rtl="0" eaLnBrk="0" fontAlgn="base" latinLnBrk="0" hangingPunct="0">
-              <a:lnSpc>
-                <a:spcPct val="100000"/>
-              </a:lnSpc>
-              <a:spcBef>
-                <a:spcPct val="0"/>
-              </a:spcBef>
-              <a:spcAft>
-                <a:spcPct val="0"/>
-              </a:spcAft>
-              <a:buClrTx/>
-              <a:buSzTx/>
-              <a:buFontTx/>
-              <a:buNone/>
-              <a:tabLst/>
-            </a:pPr>
-            <a:r>
-              <a:rPr kumimoji="0" lang="en-US" altLang="en-US" sz="1300" b="0" i="0" u="none" strike="noStrike" cap="none" normalizeH="0" baseline="0" dirty="0">
-                <a:ln>
-                  <a:noFill/>
-                </a:ln>
-                <a:solidFill>
-                  <a:srgbClr val="E6E1DC"/>
-                </a:solidFill>
-                <a:effectLst/>
-                <a:latin typeface="Lucida Console" panose="020B0609040504020204" pitchFamily="49" charset="0"/>
-              </a:rPr>
-              <a:t>Total     79   3380257                 1.00000         </a:t>
-            </a:r>
-          </a:p>
-          <a:p>
-            <a:pPr marL="0" marR="0" lvl="0" indent="0" algn="l" defTabSz="914400" rtl="0" eaLnBrk="0" fontAlgn="base" latinLnBrk="0" hangingPunct="0">
-              <a:lnSpc>
-                <a:spcPct val="100000"/>
-              </a:lnSpc>
-              <a:spcBef>
-                <a:spcPct val="0"/>
-              </a:spcBef>
-              <a:spcAft>
-                <a:spcPct val="0"/>
-              </a:spcAft>
-              <a:buClrTx/>
-              <a:buSzTx/>
-              <a:buFontTx/>
-              <a:buNone/>
-              <a:tabLst/>
-            </a:pPr>
-            <a:r>
-              <a:rPr kumimoji="0" lang="en-US" altLang="en-US" sz="1300" b="0" i="0" u="none" strike="noStrike" cap="none" normalizeH="0" baseline="0" dirty="0">
-                <a:ln>
-                  <a:noFill/>
-                </a:ln>
-                <a:solidFill>
-                  <a:srgbClr val="E6E1DC"/>
-                </a:solidFill>
-                <a:effectLst/>
-                <a:latin typeface="Lucida Console" panose="020B0609040504020204" pitchFamily="49" charset="0"/>
-              </a:rPr>
-              <a:t>--- </a:t>
-            </a:r>
-          </a:p>
-          <a:p>
-            <a:pPr marL="0" marR="0" lvl="0" indent="0" algn="l" defTabSz="914400" rtl="0" eaLnBrk="0" fontAlgn="base" latinLnBrk="0" hangingPunct="0">
-              <a:lnSpc>
-                <a:spcPct val="100000"/>
-              </a:lnSpc>
-              <a:spcBef>
-                <a:spcPct val="0"/>
-              </a:spcBef>
-              <a:spcAft>
-                <a:spcPct val="0"/>
-              </a:spcAft>
-              <a:buClrTx/>
-              <a:buSzTx/>
-              <a:buFontTx/>
-              <a:buNone/>
-              <a:tabLst/>
-            </a:pPr>
-            <a:r>
-              <a:rPr kumimoji="0" lang="en-US" altLang="en-US" sz="1300" b="0" i="0" u="none" strike="noStrike" cap="none" normalizeH="0" baseline="0" dirty="0" err="1">
-                <a:ln>
-                  <a:noFill/>
-                </a:ln>
-                <a:solidFill>
-                  <a:srgbClr val="E6E1DC"/>
-                </a:solidFill>
-                <a:effectLst/>
-                <a:latin typeface="Lucida Console" panose="020B0609040504020204" pitchFamily="49" charset="0"/>
-              </a:rPr>
-              <a:t>Signif</a:t>
-            </a:r>
-            <a:r>
-              <a:rPr kumimoji="0" lang="en-US" altLang="en-US" sz="1300" b="0" i="0" u="none" strike="noStrike" cap="none" normalizeH="0" baseline="0" dirty="0">
-                <a:ln>
-                  <a:noFill/>
-                </a:ln>
-                <a:solidFill>
-                  <a:srgbClr val="E6E1DC"/>
-                </a:solidFill>
-                <a:effectLst/>
-                <a:latin typeface="Lucida Console" panose="020B0609040504020204" pitchFamily="49" charset="0"/>
-              </a:rPr>
-              <a:t>. codes: 0 ‘***’ 0.001 ‘**’ 0.01 ‘*’ 0.05 ‘.’ 0.1 ‘ ’ 1</a:t>
-            </a:r>
-            <a:endParaRPr kumimoji="0" lang="en-US" altLang="en-US" sz="1800" b="0" i="0" u="none" strike="noStrike" cap="none" normalizeH="0" baseline="0" dirty="0">
-              <a:ln>
-                <a:noFill/>
-              </a:ln>
-              <a:solidFill>
-                <a:schemeClr val="tx1"/>
-              </a:solidFill>
-              <a:effectLst/>
-              <a:latin typeface="Arial" panose="020B0604020202020204" pitchFamily="34" charset="0"/>
-            </a:endParaRPr>
-          </a:p>
-        </p:txBody>
-      </p:sp>
-      <p:pic>
-        <p:nvPicPr>
-          <p:cNvPr id="9" name="Picture 8">
-            <a:extLst>
-              <a:ext uri="{FF2B5EF4-FFF2-40B4-BE49-F238E27FC236}">
-                <a16:creationId xmlns:a16="http://schemas.microsoft.com/office/drawing/2014/main" id="{EC75A509-7B90-4EEE-8FAD-75D7CAB00F78}"/>
-              </a:ext>
-            </a:extLst>
-          </p:cNvPr>
-          <p:cNvPicPr>
-            <a:picLocks noChangeAspect="1"/>
-          </p:cNvPicPr>
-          <p:nvPr/>
-        </p:nvPicPr>
-        <p:blipFill rotWithShape="1">
-          <a:blip r:embed="rId2"/>
-          <a:srcRect r="22749" b="12866"/>
-          <a:stretch/>
-        </p:blipFill>
-        <p:spPr>
-          <a:xfrm>
-            <a:off x="7148950" y="3890665"/>
-            <a:ext cx="4924215" cy="1872182"/>
-          </a:xfrm>
-          <a:prstGeom prst="rect">
-            <a:avLst/>
-          </a:prstGeom>
-        </p:spPr>
-      </p:pic>
-      <p:sp>
-        <p:nvSpPr>
-          <p:cNvPr id="11" name="TextBox 10">
-            <a:extLst>
-              <a:ext uri="{FF2B5EF4-FFF2-40B4-BE49-F238E27FC236}">
-                <a16:creationId xmlns:a16="http://schemas.microsoft.com/office/drawing/2014/main" id="{320A0071-9EE4-4F03-99CB-224CB7186B22}"/>
-              </a:ext>
-            </a:extLst>
-          </p:cNvPr>
-          <p:cNvSpPr txBox="1"/>
-          <p:nvPr/>
-        </p:nvSpPr>
-        <p:spPr>
-          <a:xfrm>
-            <a:off x="7148950" y="3429000"/>
-            <a:ext cx="4924215" cy="461665"/>
-          </a:xfrm>
-          <a:prstGeom prst="rect">
-            <a:avLst/>
-          </a:prstGeom>
-          <a:noFill/>
-        </p:spPr>
-        <p:txBody>
-          <a:bodyPr wrap="square">
-            <a:spAutoFit/>
-          </a:bodyPr>
-          <a:lstStyle/>
-          <a:p>
-            <a:pPr algn="ctr"/>
-            <a:r>
-              <a:rPr lang="en-US" sz="2400" u="sng" dirty="0" err="1"/>
-              <a:t>Betadisper</a:t>
-            </a:r>
-            <a:endParaRPr lang="en-US" sz="2400" dirty="0"/>
-          </a:p>
-        </p:txBody>
-      </p:sp>
-      <p:pic>
-        <p:nvPicPr>
-          <p:cNvPr id="13" name="Picture 12" descr="A close up of a map&#10;&#10;Description automatically generated">
-            <a:extLst>
-              <a:ext uri="{FF2B5EF4-FFF2-40B4-BE49-F238E27FC236}">
-                <a16:creationId xmlns:a16="http://schemas.microsoft.com/office/drawing/2014/main" id="{19AD850B-CEEB-4313-9438-2828CCFD2AB3}"/>
-              </a:ext>
-            </a:extLst>
-          </p:cNvPr>
-          <p:cNvPicPr>
-            <a:picLocks noChangeAspect="1"/>
-          </p:cNvPicPr>
-          <p:nvPr/>
-        </p:nvPicPr>
-        <p:blipFill rotWithShape="1">
-          <a:blip r:embed="rId3">
-            <a:extLst>
-              <a:ext uri="{28A0092B-C50C-407E-A947-70E740481C1C}">
-                <a14:useLocalDpi xmlns:a14="http://schemas.microsoft.com/office/drawing/2010/main" val="0"/>
-              </a:ext>
-            </a:extLst>
-          </a:blip>
-          <a:srcRect t="15173" b="11970"/>
-          <a:stretch/>
-        </p:blipFill>
-        <p:spPr>
-          <a:xfrm>
-            <a:off x="696905" y="255826"/>
-            <a:ext cx="10798190" cy="2458483"/>
-          </a:xfrm>
-          <a:prstGeom prst="rect">
-            <a:avLst/>
-          </a:prstGeom>
-        </p:spPr>
-      </p:pic>
-    </p:spTree>
-    <p:extLst>
-      <p:ext uri="{BB962C8B-B14F-4D97-AF65-F5344CB8AC3E}">
-        <p14:creationId xmlns:p14="http://schemas.microsoft.com/office/powerpoint/2010/main" val="760558916"/>
-      </p:ext>
-    </p:extLst>
-  </p:cSld>
-  <p:clrMapOvr>
-    <a:masterClrMapping/>
-  </p:clrMapOvr>
-</p:sld>
-</file>
-
-<file path=ppt/slides/slide9.xml><?xml version="1.0" encoding="utf-8"?>
-<p:sld xmlns:a="http://schemas.openxmlformats.org/drawingml/2006/main" xmlns:r="http://schemas.openxmlformats.org/officeDocument/2006/relationships" xmlns:p="http://schemas.openxmlformats.org/presentationml/2006/main">
-  <p:cSld>
-    <p:spTree>
-      <p:nvGrpSpPr>
-        <p:cNvPr id="1" name=""/>
-        <p:cNvGrpSpPr/>
-        <p:nvPr/>
-      </p:nvGrpSpPr>
-      <p:grpSpPr>
-        <a:xfrm>
-          <a:off x="0" y="0"/>
-          <a:ext cx="0" cy="0"/>
-          <a:chOff x="0" y="0"/>
-          <a:chExt cx="0" cy="0"/>
-        </a:xfrm>
-      </p:grpSpPr>
-      <p:pic>
-        <p:nvPicPr>
-          <p:cNvPr id="9" name="Picture 8" descr="A pencil and paper&#10;&#10;Description automatically generated">
-            <a:extLst>
-              <a:ext uri="{FF2B5EF4-FFF2-40B4-BE49-F238E27FC236}">
-                <a16:creationId xmlns:a16="http://schemas.microsoft.com/office/drawing/2014/main" id="{CC78CA76-853A-4127-9B2C-A4393E91D003}"/>
-              </a:ext>
-            </a:extLst>
-          </p:cNvPr>
-          <p:cNvPicPr>
-            <a:picLocks noChangeAspect="1"/>
-          </p:cNvPicPr>
-          <p:nvPr/>
-        </p:nvPicPr>
-        <p:blipFill rotWithShape="1">
-          <a:blip r:embed="rId2">
-            <a:extLst>
-              <a:ext uri="{28A0092B-C50C-407E-A947-70E740481C1C}">
-                <a14:useLocalDpi xmlns:a14="http://schemas.microsoft.com/office/drawing/2010/main" val="0"/>
-              </a:ext>
-            </a:extLst>
-          </a:blip>
-          <a:srcRect r="27267" b="2627"/>
-          <a:stretch/>
-        </p:blipFill>
-        <p:spPr>
-          <a:xfrm>
-            <a:off x="0" y="0"/>
-            <a:ext cx="10244800" cy="6857807"/>
-          </a:xfrm>
-          <a:prstGeom prst="rect">
-            <a:avLst/>
-          </a:prstGeom>
-        </p:spPr>
-      </p:pic>
-      <p:sp>
-        <p:nvSpPr>
-          <p:cNvPr id="7" name="TextBox 6">
-            <a:extLst>
-              <a:ext uri="{FF2B5EF4-FFF2-40B4-BE49-F238E27FC236}">
-                <a16:creationId xmlns:a16="http://schemas.microsoft.com/office/drawing/2014/main" id="{44CFDF76-9AFE-4E5A-AC6F-D166BABC3F69}"/>
-              </a:ext>
-            </a:extLst>
-          </p:cNvPr>
-          <p:cNvSpPr txBox="1"/>
-          <p:nvPr/>
-        </p:nvSpPr>
-        <p:spPr>
-          <a:xfrm>
-            <a:off x="10244800" y="0"/>
-            <a:ext cx="1947200" cy="1200329"/>
-          </a:xfrm>
-          <a:prstGeom prst="rect">
-            <a:avLst/>
-          </a:prstGeom>
-          <a:noFill/>
-        </p:spPr>
-        <p:txBody>
-          <a:bodyPr wrap="square" rtlCol="0">
-            <a:spAutoFit/>
-          </a:bodyPr>
-          <a:lstStyle/>
-          <a:p>
-            <a:pPr algn="ctr"/>
-            <a:r>
-              <a:rPr lang="en-US" sz="2400" u="sng" dirty="0"/>
-              <a:t> % Relative Abundance of Top25 Species</a:t>
-            </a:r>
-          </a:p>
-        </p:txBody>
-      </p:sp>
-      <p:grpSp>
-        <p:nvGrpSpPr>
-          <p:cNvPr id="14" name="Group 13">
-            <a:extLst>
-              <a:ext uri="{FF2B5EF4-FFF2-40B4-BE49-F238E27FC236}">
-                <a16:creationId xmlns:a16="http://schemas.microsoft.com/office/drawing/2014/main" id="{C7E77ACE-9A24-417A-B6DD-C59333B955DD}"/>
-              </a:ext>
-            </a:extLst>
-          </p:cNvPr>
-          <p:cNvGrpSpPr/>
-          <p:nvPr/>
-        </p:nvGrpSpPr>
-        <p:grpSpPr>
-          <a:xfrm>
-            <a:off x="10390832" y="1196065"/>
-            <a:ext cx="1655136" cy="4465675"/>
-            <a:chOff x="8931347" y="381000"/>
-            <a:chExt cx="1655136" cy="4465675"/>
-          </a:xfrm>
-        </p:grpSpPr>
-        <p:pic>
-          <p:nvPicPr>
-            <p:cNvPr id="11" name="Picture 10" descr="A pencil and paper&#10;&#10;Description automatically generated">
-              <a:extLst>
-                <a:ext uri="{FF2B5EF4-FFF2-40B4-BE49-F238E27FC236}">
-                  <a16:creationId xmlns:a16="http://schemas.microsoft.com/office/drawing/2014/main" id="{82995B14-FEC1-403B-A85D-64F85ED3FB12}"/>
-                </a:ext>
-              </a:extLst>
-            </p:cNvPr>
-            <p:cNvPicPr>
-              <a:picLocks noChangeAspect="1"/>
-            </p:cNvPicPr>
-            <p:nvPr/>
-          </p:nvPicPr>
-          <p:blipFill rotWithShape="1">
-            <a:blip r:embed="rId2">
-              <a:extLst>
-                <a:ext uri="{28A0092B-C50C-407E-A947-70E740481C1C}">
-                  <a14:useLocalDpi xmlns:a14="http://schemas.microsoft.com/office/drawing/2010/main" val="0"/>
-                </a:ext>
-              </a:extLst>
-            </a:blip>
-            <a:srcRect l="86831" t="24622" b="40320"/>
-            <a:stretch/>
-          </p:blipFill>
-          <p:spPr>
-            <a:xfrm>
-              <a:off x="8952613" y="2709530"/>
-              <a:ext cx="1605516" cy="2137145"/>
-            </a:xfrm>
-            <a:prstGeom prst="rect">
-              <a:avLst/>
-            </a:prstGeom>
-          </p:spPr>
-        </p:pic>
-        <p:pic>
-          <p:nvPicPr>
-            <p:cNvPr id="13" name="Picture 12" descr="A pencil and paper&#10;&#10;Description automatically generated">
-              <a:extLst>
-                <a:ext uri="{FF2B5EF4-FFF2-40B4-BE49-F238E27FC236}">
-                  <a16:creationId xmlns:a16="http://schemas.microsoft.com/office/drawing/2014/main" id="{21D20D4E-7825-4F61-8C7A-53D4F72E604D}"/>
-                </a:ext>
-              </a:extLst>
-            </p:cNvPr>
-            <p:cNvPicPr>
-              <a:picLocks noChangeAspect="1"/>
-            </p:cNvPicPr>
-            <p:nvPr/>
-          </p:nvPicPr>
-          <p:blipFill rotWithShape="1">
-            <a:blip r:embed="rId2">
-              <a:extLst>
-                <a:ext uri="{28A0092B-C50C-407E-A947-70E740481C1C}">
-                  <a14:useLocalDpi xmlns:a14="http://schemas.microsoft.com/office/drawing/2010/main" val="0"/>
-                </a:ext>
-              </a:extLst>
-            </a:blip>
-            <a:srcRect l="73256" t="24042" r="13168" b="37760"/>
-            <a:stretch/>
-          </p:blipFill>
-          <p:spPr>
-            <a:xfrm>
-              <a:off x="8931347" y="381000"/>
-              <a:ext cx="1655136" cy="2328530"/>
-            </a:xfrm>
-            <a:prstGeom prst="rect">
-              <a:avLst/>
-            </a:prstGeom>
-          </p:spPr>
-        </p:pic>
-      </p:grpSp>
-    </p:spTree>
-    <p:extLst>
-      <p:ext uri="{BB962C8B-B14F-4D97-AF65-F5344CB8AC3E}">
-        <p14:creationId xmlns:p14="http://schemas.microsoft.com/office/powerpoint/2010/main" val="1242351026"/>
       </p:ext>
     </p:extLst>
   </p:cSld>
